--- a/데이터베이스프로그래밍 과제/20230519 데이터베이스 4강 과제 남정현.pptx
+++ b/데이터베이스프로그래밍 과제/20230519 데이터베이스 4강 과제 남정현.pptx
@@ -106,8 +106,6 @@
     <p:sldId id="354" r:id="rId100"/>
     <p:sldId id="355" r:id="rId101"/>
     <p:sldId id="356" r:id="rId102"/>
-    <p:sldId id="357" r:id="rId103"/>
-    <p:sldId id="358" r:id="rId104"/>
   </p:sldIdLst>
   <p:sldSz cx="12192000" cy="6858000"/>
   <p:notesSz cx="6858000" cy="9144000"/>
@@ -1535,7 +1533,7 @@
             <a:fld id="{87DE6118-2437-4B30-8E3C-4D2BE6020583}" type="datetimeFigureOut">
               <a:rPr lang="en-US" dirty="0"/>
               <a:pPr/>
-              <a:t>5/24/2023</a:t>
+              <a:t>5/30/2023</a:t>
             </a:fld>
             <a:endParaRPr lang="en-US" dirty="0"/>
           </a:p>
@@ -1861,7 +1859,7 @@
           <a:p>
             <a:fld id="{87DE6118-2437-4B30-8E3C-4D2BE6020583}" type="datetimeFigureOut">
               <a:rPr lang="en-US" dirty="0"/>
-              <a:t>5/24/2023</a:t>
+              <a:t>5/30/2023</a:t>
             </a:fld>
             <a:endParaRPr lang="en-US" dirty="0"/>
           </a:p>
@@ -2036,7 +2034,7 @@
           <a:p>
             <a:fld id="{87DE6118-2437-4B30-8E3C-4D2BE6020583}" type="datetimeFigureOut">
               <a:rPr lang="en-US" dirty="0"/>
-              <a:t>5/24/2023</a:t>
+              <a:t>5/30/2023</a:t>
             </a:fld>
             <a:endParaRPr lang="en-US" dirty="0"/>
           </a:p>
@@ -2201,7 +2199,7 @@
           <a:p>
             <a:fld id="{87DE6118-2437-4B30-8E3C-4D2BE6020583}" type="datetimeFigureOut">
               <a:rPr lang="en-US" dirty="0"/>
-              <a:t>5/24/2023</a:t>
+              <a:t>5/30/2023</a:t>
             </a:fld>
             <a:endParaRPr lang="en-US" dirty="0"/>
           </a:p>
@@ -2474,7 +2472,7 @@
             <a:fld id="{87DE6118-2437-4B30-8E3C-4D2BE6020583}" type="datetimeFigureOut">
               <a:rPr lang="en-US" dirty="0"/>
               <a:pPr/>
-              <a:t>5/24/2023</a:t>
+              <a:t>5/30/2023</a:t>
             </a:fld>
             <a:endParaRPr lang="en-US" dirty="0"/>
           </a:p>
@@ -2864,7 +2862,7 @@
           <a:p>
             <a:fld id="{87DE6118-2437-4B30-8E3C-4D2BE6020583}" type="datetimeFigureOut">
               <a:rPr lang="en-US" dirty="0"/>
-              <a:t>5/24/2023</a:t>
+              <a:t>5/30/2023</a:t>
             </a:fld>
             <a:endParaRPr lang="en-US" dirty="0"/>
           </a:p>
@@ -3336,7 +3334,7 @@
           <a:p>
             <a:fld id="{87DE6118-2437-4B30-8E3C-4D2BE6020583}" type="datetimeFigureOut">
               <a:rPr lang="en-US" dirty="0"/>
-              <a:t>5/24/2023</a:t>
+              <a:t>5/30/2023</a:t>
             </a:fld>
             <a:endParaRPr lang="en-US" dirty="0"/>
           </a:p>
@@ -3449,7 +3447,7 @@
           <a:p>
             <a:fld id="{87DE6118-2437-4B30-8E3C-4D2BE6020583}" type="datetimeFigureOut">
               <a:rPr lang="en-US" dirty="0"/>
-              <a:t>5/24/2023</a:t>
+              <a:t>5/30/2023</a:t>
             </a:fld>
             <a:endParaRPr lang="en-US" dirty="0"/>
           </a:p>
@@ -3539,7 +3537,7 @@
           <a:p>
             <a:fld id="{87DE6118-2437-4B30-8E3C-4D2BE6020583}" type="datetimeFigureOut">
               <a:rPr lang="en-US" dirty="0"/>
-              <a:t>5/24/2023</a:t>
+              <a:t>5/30/2023</a:t>
             </a:fld>
             <a:endParaRPr lang="en-US" dirty="0"/>
           </a:p>
@@ -3881,7 +3879,7 @@
             <a:fld id="{87DE6118-2437-4B30-8E3C-4D2BE6020583}" type="datetimeFigureOut">
               <a:rPr lang="en-US" dirty="0"/>
               <a:pPr/>
-              <a:t>5/24/2023</a:t>
+              <a:t>5/30/2023</a:t>
             </a:fld>
             <a:endParaRPr lang="en-US" dirty="0"/>
           </a:p>
@@ -4266,7 +4264,7 @@
             <a:fld id="{87DE6118-2437-4B30-8E3C-4D2BE6020583}" type="datetimeFigureOut">
               <a:rPr lang="en-US" dirty="0"/>
               <a:pPr/>
-              <a:t>5/24/2023</a:t>
+              <a:t>5/30/2023</a:t>
             </a:fld>
             <a:endParaRPr lang="en-US" dirty="0"/>
           </a:p>
@@ -4541,7 +4539,7 @@
             <a:fld id="{87DE6118-2437-4B30-8E3C-4D2BE6020583}" type="datetimeFigureOut">
               <a:rPr lang="en-US" dirty="0"/>
               <a:pPr/>
-              <a:t>5/24/2023</a:t>
+              <a:t>5/30/2023</a:t>
             </a:fld>
             <a:endParaRPr lang="en-US" dirty="0"/>
           </a:p>
@@ -5054,7 +5052,7 @@
           <p:cNvPr id="2" name="제목 1">
             <a:extLst>
               <a:ext uri="{FF2B5EF4-FFF2-40B4-BE49-F238E27FC236}">
-                <a16:creationId xmlns:a16="http://schemas.microsoft.com/office/drawing/2014/main" xmlns="" id="{3D9A79C6-76D6-059E-6640-57F7D40473AD}"/>
+                <a16:creationId xmlns="" xmlns:a16="http://schemas.microsoft.com/office/drawing/2014/main" id="{3D9A79C6-76D6-059E-6640-57F7D40473AD}"/>
               </a:ext>
             </a:extLst>
           </p:cNvPr>
@@ -5125,7 +5123,7 @@
           <p:cNvPr id="2" name="제목 1">
             <a:extLst>
               <a:ext uri="{FF2B5EF4-FFF2-40B4-BE49-F238E27FC236}">
-                <a16:creationId xmlns:a16="http://schemas.microsoft.com/office/drawing/2014/main" xmlns="" id="{2D7E6B8A-E1FD-472B-F033-346AC9F27163}"/>
+                <a16:creationId xmlns="" xmlns:a16="http://schemas.microsoft.com/office/drawing/2014/main" id="{2D7E6B8A-E1FD-472B-F033-346AC9F27163}"/>
               </a:ext>
             </a:extLst>
           </p:cNvPr>
@@ -5173,7 +5171,7 @@
           <p:cNvPr id="4" name="그림 3">
             <a:extLst>
               <a:ext uri="{FF2B5EF4-FFF2-40B4-BE49-F238E27FC236}">
-                <a16:creationId xmlns:a16="http://schemas.microsoft.com/office/drawing/2014/main" xmlns="" id="{CC840F63-BF26-2B05-59E9-BA975EB436D1}"/>
+                <a16:creationId xmlns="" xmlns:a16="http://schemas.microsoft.com/office/drawing/2014/main" id="{CC840F63-BF26-2B05-59E9-BA975EB436D1}"/>
               </a:ext>
             </a:extLst>
           </p:cNvPr>
@@ -5203,7 +5201,7 @@
           <p:cNvPr id="6" name="그림 5">
             <a:extLst>
               <a:ext uri="{FF2B5EF4-FFF2-40B4-BE49-F238E27FC236}">
-                <a16:creationId xmlns:a16="http://schemas.microsoft.com/office/drawing/2014/main" xmlns="" id="{830C4F77-DB01-76C8-6D37-9BC2ABEB5B7B}"/>
+                <a16:creationId xmlns="" xmlns:a16="http://schemas.microsoft.com/office/drawing/2014/main" id="{830C4F77-DB01-76C8-6D37-9BC2ABEB5B7B}"/>
               </a:ext>
             </a:extLst>
           </p:cNvPr>
@@ -5233,7 +5231,7 @@
           <p:cNvPr id="8" name="그림 7">
             <a:extLst>
               <a:ext uri="{FF2B5EF4-FFF2-40B4-BE49-F238E27FC236}">
-                <a16:creationId xmlns:a16="http://schemas.microsoft.com/office/drawing/2014/main" xmlns="" id="{4606A40F-413F-3B85-050E-3A2050908BCB}"/>
+                <a16:creationId xmlns="" xmlns:a16="http://schemas.microsoft.com/office/drawing/2014/main" id="{4606A40F-413F-3B85-050E-3A2050908BCB}"/>
               </a:ext>
             </a:extLst>
           </p:cNvPr>
@@ -5263,7 +5261,7 @@
           <p:cNvPr id="10" name="그림 9">
             <a:extLst>
               <a:ext uri="{FF2B5EF4-FFF2-40B4-BE49-F238E27FC236}">
-                <a16:creationId xmlns:a16="http://schemas.microsoft.com/office/drawing/2014/main" xmlns="" id="{22E9E3F6-B778-FE0D-B6DC-25DF813E3FE3}"/>
+                <a16:creationId xmlns="" xmlns:a16="http://schemas.microsoft.com/office/drawing/2014/main" id="{22E9E3F6-B778-FE0D-B6DC-25DF813E3FE3}"/>
               </a:ext>
             </a:extLst>
           </p:cNvPr>
@@ -5293,7 +5291,7 @@
           <p:cNvPr id="11" name="화살표: 원형 10">
             <a:extLst>
               <a:ext uri="{FF2B5EF4-FFF2-40B4-BE49-F238E27FC236}">
-                <a16:creationId xmlns:a16="http://schemas.microsoft.com/office/drawing/2014/main" xmlns="" id="{6073C4A5-79B4-0CE1-C0CF-71B5348D889D}"/>
+                <a16:creationId xmlns="" xmlns:a16="http://schemas.microsoft.com/office/drawing/2014/main" id="{6073C4A5-79B4-0CE1-C0CF-71B5348D889D}"/>
               </a:ext>
             </a:extLst>
           </p:cNvPr>
@@ -5343,7 +5341,7 @@
           <p:cNvPr id="12" name="화살표: 원형 11">
             <a:extLst>
               <a:ext uri="{FF2B5EF4-FFF2-40B4-BE49-F238E27FC236}">
-                <a16:creationId xmlns:a16="http://schemas.microsoft.com/office/drawing/2014/main" xmlns="" id="{5BA39935-3CF4-5C6E-A1E2-9C713CBDBB85}"/>
+                <a16:creationId xmlns="" xmlns:a16="http://schemas.microsoft.com/office/drawing/2014/main" id="{5BA39935-3CF4-5C6E-A1E2-9C713CBDBB85}"/>
               </a:ext>
             </a:extLst>
           </p:cNvPr>
@@ -5423,7 +5421,7 @@
           <p:cNvPr id="2" name="제목 1">
             <a:extLst>
               <a:ext uri="{FF2B5EF4-FFF2-40B4-BE49-F238E27FC236}">
-                <a16:creationId xmlns:a16="http://schemas.microsoft.com/office/drawing/2014/main" xmlns="" id="{2D7E6B8A-E1FD-472B-F033-346AC9F27163}"/>
+                <a16:creationId xmlns="" xmlns:a16="http://schemas.microsoft.com/office/drawing/2014/main" id="{2D7E6B8A-E1FD-472B-F033-346AC9F27163}"/>
               </a:ext>
             </a:extLst>
           </p:cNvPr>
@@ -5552,7 +5550,7 @@
           <p:cNvPr id="2" name="제목 1">
             <a:extLst>
               <a:ext uri="{FF2B5EF4-FFF2-40B4-BE49-F238E27FC236}">
-                <a16:creationId xmlns:a16="http://schemas.microsoft.com/office/drawing/2014/main" xmlns="" id="{2D7E6B8A-E1FD-472B-F033-346AC9F27163}"/>
+                <a16:creationId xmlns="" xmlns:a16="http://schemas.microsoft.com/office/drawing/2014/main" id="{2D7E6B8A-E1FD-472B-F033-346AC9F27163}"/>
               </a:ext>
             </a:extLst>
           </p:cNvPr>
@@ -5668,144 +5666,6 @@
       </p:par>
     </p:tnLst>
   </p:timing>
-</p:sld>
-</file>
-
-<file path=ppt/slides/slide102.xml><?xml version="1.0" encoding="utf-8"?>
-<p:sld xmlns:a="http://schemas.openxmlformats.org/drawingml/2006/main" xmlns:r="http://schemas.openxmlformats.org/officeDocument/2006/relationships" xmlns:p="http://schemas.openxmlformats.org/presentationml/2006/main">
-  <p:cSld>
-    <p:spTree>
-      <p:nvGrpSpPr>
-        <p:cNvPr id="1" name=""/>
-        <p:cNvGrpSpPr/>
-        <p:nvPr/>
-      </p:nvGrpSpPr>
-      <p:grpSpPr>
-        <a:xfrm>
-          <a:off x="0" y="0"/>
-          <a:ext cx="0" cy="0"/>
-          <a:chOff x="0" y="0"/>
-          <a:chExt cx="0" cy="0"/>
-        </a:xfrm>
-      </p:grpSpPr>
-      <p:sp>
-        <p:nvSpPr>
-          <p:cNvPr id="2" name="제목 1">
-            <a:extLst>
-              <a:ext uri="{FF2B5EF4-FFF2-40B4-BE49-F238E27FC236}">
-                <a16:creationId xmlns:a16="http://schemas.microsoft.com/office/drawing/2014/main" xmlns="" id="{2D7E6B8A-E1FD-472B-F033-346AC9F27163}"/>
-              </a:ext>
-            </a:extLst>
-          </p:cNvPr>
-          <p:cNvSpPr>
-            <a:spLocks noGrp="1"/>
-          </p:cNvSpPr>
-          <p:nvPr>
-            <p:ph type="title"/>
-          </p:nvPr>
-        </p:nvSpPr>
-        <p:spPr>
-          <a:xfrm>
-            <a:off x="705394" y="0"/>
-            <a:ext cx="9601200" cy="476794"/>
-          </a:xfrm>
-        </p:spPr>
-        <p:txBody>
-          <a:bodyPr>
-            <a:normAutofit/>
-          </a:bodyPr>
-          <a:lstStyle/>
-          <a:p>
-            <a:r>
-              <a:rPr lang="ko-KR" altLang="en-US" sz="2000" dirty="0"/>
-              <a:t>정리하기</a:t>
-            </a:r>
-          </a:p>
-        </p:txBody>
-      </p:sp>
-    </p:spTree>
-    <p:extLst>
-      <p:ext uri="{BB962C8B-B14F-4D97-AF65-F5344CB8AC3E}">
-        <p14:creationId xmlns:p14="http://schemas.microsoft.com/office/powerpoint/2010/main" val="2503429616"/>
-      </p:ext>
-    </p:extLst>
-  </p:cSld>
-  <p:clrMapOvr>
-    <a:masterClrMapping/>
-  </p:clrMapOvr>
-  <p:timing>
-    <p:tnLst>
-      <p:par>
-        <p:cTn id="1" dur="indefinite" restart="never" nodeType="tmRoot"/>
-      </p:par>
-    </p:tnLst>
-  </p:timing>
-</p:sld>
-</file>
-
-<file path=ppt/slides/slide103.xml><?xml version="1.0" encoding="utf-8"?>
-<p:sld xmlns:a="http://schemas.openxmlformats.org/drawingml/2006/main" xmlns:r="http://schemas.openxmlformats.org/officeDocument/2006/relationships" xmlns:p="http://schemas.openxmlformats.org/presentationml/2006/main">
-  <p:cSld>
-    <p:spTree>
-      <p:nvGrpSpPr>
-        <p:cNvPr id="1" name=""/>
-        <p:cNvGrpSpPr/>
-        <p:nvPr/>
-      </p:nvGrpSpPr>
-      <p:grpSpPr>
-        <a:xfrm>
-          <a:off x="0" y="0"/>
-          <a:ext cx="0" cy="0"/>
-          <a:chOff x="0" y="0"/>
-          <a:chExt cx="0" cy="0"/>
-        </a:xfrm>
-      </p:grpSpPr>
-      <p:sp>
-        <p:nvSpPr>
-          <p:cNvPr id="2" name="제목 1">
-            <a:extLst>
-              <a:ext uri="{FF2B5EF4-FFF2-40B4-BE49-F238E27FC236}">
-                <a16:creationId xmlns:a16="http://schemas.microsoft.com/office/drawing/2014/main" xmlns="" id="{2D7E6B8A-E1FD-472B-F033-346AC9F27163}"/>
-              </a:ext>
-            </a:extLst>
-          </p:cNvPr>
-          <p:cNvSpPr>
-            <a:spLocks noGrp="1"/>
-          </p:cNvSpPr>
-          <p:nvPr>
-            <p:ph type="title"/>
-          </p:nvPr>
-        </p:nvSpPr>
-        <p:spPr>
-          <a:xfrm>
-            <a:off x="705394" y="0"/>
-            <a:ext cx="9601200" cy="476794"/>
-          </a:xfrm>
-        </p:spPr>
-        <p:txBody>
-          <a:bodyPr>
-            <a:normAutofit/>
-          </a:bodyPr>
-          <a:lstStyle/>
-          <a:p>
-            <a:r>
-              <a:rPr lang="ko-KR" altLang="en-US" sz="2000"/>
-              <a:t>정리하기</a:t>
-            </a:r>
-            <a:endParaRPr lang="ko-KR" altLang="en-US" sz="2000" dirty="0"/>
-          </a:p>
-        </p:txBody>
-      </p:sp>
-    </p:spTree>
-    <p:extLst>
-      <p:ext uri="{BB962C8B-B14F-4D97-AF65-F5344CB8AC3E}">
-        <p14:creationId xmlns:p14="http://schemas.microsoft.com/office/powerpoint/2010/main" val="3576340559"/>
-      </p:ext>
-    </p:extLst>
-  </p:cSld>
-  <p:clrMapOvr>
-    <a:masterClrMapping/>
-  </p:clrMapOvr>
 </p:sld>
 </file>
 
@@ -5831,7 +5691,7 @@
           <p:cNvPr id="2" name="제목 1">
             <a:extLst>
               <a:ext uri="{FF2B5EF4-FFF2-40B4-BE49-F238E27FC236}">
-                <a16:creationId xmlns:a16="http://schemas.microsoft.com/office/drawing/2014/main" xmlns="" id="{2D7E6B8A-E1FD-472B-F033-346AC9F27163}"/>
+                <a16:creationId xmlns="" xmlns:a16="http://schemas.microsoft.com/office/drawing/2014/main" id="{2D7E6B8A-E1FD-472B-F033-346AC9F27163}"/>
               </a:ext>
             </a:extLst>
           </p:cNvPr>
@@ -5879,7 +5739,7 @@
           <p:cNvPr id="4" name="그림 3">
             <a:extLst>
               <a:ext uri="{FF2B5EF4-FFF2-40B4-BE49-F238E27FC236}">
-                <a16:creationId xmlns:a16="http://schemas.microsoft.com/office/drawing/2014/main" xmlns="" id="{B5A08CB7-2C58-1695-DC8C-035F09348433}"/>
+                <a16:creationId xmlns="" xmlns:a16="http://schemas.microsoft.com/office/drawing/2014/main" id="{B5A08CB7-2C58-1695-DC8C-035F09348433}"/>
               </a:ext>
             </a:extLst>
           </p:cNvPr>
@@ -5909,7 +5769,7 @@
           <p:cNvPr id="8" name="그림 7">
             <a:extLst>
               <a:ext uri="{FF2B5EF4-FFF2-40B4-BE49-F238E27FC236}">
-                <a16:creationId xmlns:a16="http://schemas.microsoft.com/office/drawing/2014/main" xmlns="" id="{B6822AC8-7924-C1F4-B250-30ADCBA74DB9}"/>
+                <a16:creationId xmlns="" xmlns:a16="http://schemas.microsoft.com/office/drawing/2014/main" id="{B6822AC8-7924-C1F4-B250-30ADCBA74DB9}"/>
               </a:ext>
             </a:extLst>
           </p:cNvPr>
@@ -5939,7 +5799,7 @@
           <p:cNvPr id="10" name="그림 9">
             <a:extLst>
               <a:ext uri="{FF2B5EF4-FFF2-40B4-BE49-F238E27FC236}">
-                <a16:creationId xmlns:a16="http://schemas.microsoft.com/office/drawing/2014/main" xmlns="" id="{049D1FDB-3F52-9647-42EC-8A74586A9BC6}"/>
+                <a16:creationId xmlns="" xmlns:a16="http://schemas.microsoft.com/office/drawing/2014/main" id="{049D1FDB-3F52-9647-42EC-8A74586A9BC6}"/>
               </a:ext>
             </a:extLst>
           </p:cNvPr>
@@ -5969,7 +5829,7 @@
           <p:cNvPr id="12" name="그림 11">
             <a:extLst>
               <a:ext uri="{FF2B5EF4-FFF2-40B4-BE49-F238E27FC236}">
-                <a16:creationId xmlns:a16="http://schemas.microsoft.com/office/drawing/2014/main" xmlns="" id="{E98661A8-009E-9895-3336-787FD113BAA0}"/>
+                <a16:creationId xmlns="" xmlns:a16="http://schemas.microsoft.com/office/drawing/2014/main" id="{E98661A8-009E-9895-3336-787FD113BAA0}"/>
               </a:ext>
             </a:extLst>
           </p:cNvPr>
@@ -5999,7 +5859,7 @@
           <p:cNvPr id="13" name="화살표: 원형 12">
             <a:extLst>
               <a:ext uri="{FF2B5EF4-FFF2-40B4-BE49-F238E27FC236}">
-                <a16:creationId xmlns:a16="http://schemas.microsoft.com/office/drawing/2014/main" xmlns="" id="{6438A618-F9C4-68D0-A48F-4CC8C2A4AA38}"/>
+                <a16:creationId xmlns="" xmlns:a16="http://schemas.microsoft.com/office/drawing/2014/main" id="{6438A618-F9C4-68D0-A48F-4CC8C2A4AA38}"/>
               </a:ext>
             </a:extLst>
           </p:cNvPr>
@@ -6049,7 +5909,7 @@
           <p:cNvPr id="14" name="화살표: 원형 13">
             <a:extLst>
               <a:ext uri="{FF2B5EF4-FFF2-40B4-BE49-F238E27FC236}">
-                <a16:creationId xmlns:a16="http://schemas.microsoft.com/office/drawing/2014/main" xmlns="" id="{54E12AA5-6FAC-A56D-1B9B-C349143196D3}"/>
+                <a16:creationId xmlns="" xmlns:a16="http://schemas.microsoft.com/office/drawing/2014/main" id="{54E12AA5-6FAC-A56D-1B9B-C349143196D3}"/>
               </a:ext>
             </a:extLst>
           </p:cNvPr>
@@ -6129,7 +5989,7 @@
           <p:cNvPr id="2" name="제목 1">
             <a:extLst>
               <a:ext uri="{FF2B5EF4-FFF2-40B4-BE49-F238E27FC236}">
-                <a16:creationId xmlns:a16="http://schemas.microsoft.com/office/drawing/2014/main" xmlns="" id="{2D7E6B8A-E1FD-472B-F033-346AC9F27163}"/>
+                <a16:creationId xmlns="" xmlns:a16="http://schemas.microsoft.com/office/drawing/2014/main" id="{2D7E6B8A-E1FD-472B-F033-346AC9F27163}"/>
               </a:ext>
             </a:extLst>
           </p:cNvPr>
@@ -6177,7 +6037,7 @@
           <p:cNvPr id="4" name="그림 3">
             <a:extLst>
               <a:ext uri="{FF2B5EF4-FFF2-40B4-BE49-F238E27FC236}">
-                <a16:creationId xmlns:a16="http://schemas.microsoft.com/office/drawing/2014/main" xmlns="" id="{91B0D28F-0E20-077D-6784-C6956FE8B12E}"/>
+                <a16:creationId xmlns="" xmlns:a16="http://schemas.microsoft.com/office/drawing/2014/main" id="{91B0D28F-0E20-077D-6784-C6956FE8B12E}"/>
               </a:ext>
             </a:extLst>
           </p:cNvPr>
@@ -6207,7 +6067,7 @@
           <p:cNvPr id="6" name="그림 5">
             <a:extLst>
               <a:ext uri="{FF2B5EF4-FFF2-40B4-BE49-F238E27FC236}">
-                <a16:creationId xmlns:a16="http://schemas.microsoft.com/office/drawing/2014/main" xmlns="" id="{D0A5AA2E-B16B-1E27-CDB6-A4E7574F04C7}"/>
+                <a16:creationId xmlns="" xmlns:a16="http://schemas.microsoft.com/office/drawing/2014/main" id="{D0A5AA2E-B16B-1E27-CDB6-A4E7574F04C7}"/>
               </a:ext>
             </a:extLst>
           </p:cNvPr>
@@ -6267,7 +6127,7 @@
           <p:cNvPr id="2" name="제목 1">
             <a:extLst>
               <a:ext uri="{FF2B5EF4-FFF2-40B4-BE49-F238E27FC236}">
-                <a16:creationId xmlns:a16="http://schemas.microsoft.com/office/drawing/2014/main" xmlns="" id="{2D7E6B8A-E1FD-472B-F033-346AC9F27163}"/>
+                <a16:creationId xmlns="" xmlns:a16="http://schemas.microsoft.com/office/drawing/2014/main" id="{2D7E6B8A-E1FD-472B-F033-346AC9F27163}"/>
               </a:ext>
             </a:extLst>
           </p:cNvPr>
@@ -6315,7 +6175,7 @@
           <p:cNvPr id="4" name="그림 3">
             <a:extLst>
               <a:ext uri="{FF2B5EF4-FFF2-40B4-BE49-F238E27FC236}">
-                <a16:creationId xmlns:a16="http://schemas.microsoft.com/office/drawing/2014/main" xmlns="" id="{2FE8BA0E-E1D4-A429-3FB3-282E974C6E8A}"/>
+                <a16:creationId xmlns="" xmlns:a16="http://schemas.microsoft.com/office/drawing/2014/main" id="{2FE8BA0E-E1D4-A429-3FB3-282E974C6E8A}"/>
               </a:ext>
             </a:extLst>
           </p:cNvPr>
@@ -6375,7 +6235,7 @@
           <p:cNvPr id="2" name="제목 1">
             <a:extLst>
               <a:ext uri="{FF2B5EF4-FFF2-40B4-BE49-F238E27FC236}">
-                <a16:creationId xmlns:a16="http://schemas.microsoft.com/office/drawing/2014/main" xmlns="" id="{2D7E6B8A-E1FD-472B-F033-346AC9F27163}"/>
+                <a16:creationId xmlns="" xmlns:a16="http://schemas.microsoft.com/office/drawing/2014/main" id="{2D7E6B8A-E1FD-472B-F033-346AC9F27163}"/>
               </a:ext>
             </a:extLst>
           </p:cNvPr>
@@ -6423,7 +6283,7 @@
           <p:cNvPr id="4" name="그림 3">
             <a:extLst>
               <a:ext uri="{FF2B5EF4-FFF2-40B4-BE49-F238E27FC236}">
-                <a16:creationId xmlns:a16="http://schemas.microsoft.com/office/drawing/2014/main" xmlns="" id="{CDD20D1C-824F-4E2E-545D-DB86489746CA}"/>
+                <a16:creationId xmlns="" xmlns:a16="http://schemas.microsoft.com/office/drawing/2014/main" id="{CDD20D1C-824F-4E2E-545D-DB86489746CA}"/>
               </a:ext>
             </a:extLst>
           </p:cNvPr>
@@ -6453,7 +6313,7 @@
           <p:cNvPr id="6" name="그림 5">
             <a:extLst>
               <a:ext uri="{FF2B5EF4-FFF2-40B4-BE49-F238E27FC236}">
-                <a16:creationId xmlns:a16="http://schemas.microsoft.com/office/drawing/2014/main" xmlns="" id="{7CCAFAE1-2E63-49CC-4559-5DB6DA523B5A}"/>
+                <a16:creationId xmlns="" xmlns:a16="http://schemas.microsoft.com/office/drawing/2014/main" id="{7CCAFAE1-2E63-49CC-4559-5DB6DA523B5A}"/>
               </a:ext>
             </a:extLst>
           </p:cNvPr>
@@ -6483,7 +6343,7 @@
           <p:cNvPr id="7" name="화살표: 원형 6">
             <a:extLst>
               <a:ext uri="{FF2B5EF4-FFF2-40B4-BE49-F238E27FC236}">
-                <a16:creationId xmlns:a16="http://schemas.microsoft.com/office/drawing/2014/main" xmlns="" id="{A3ED1AE3-3D33-12E5-1DEE-F9FE40DBEEC0}"/>
+                <a16:creationId xmlns="" xmlns:a16="http://schemas.microsoft.com/office/drawing/2014/main" id="{A3ED1AE3-3D33-12E5-1DEE-F9FE40DBEEC0}"/>
               </a:ext>
             </a:extLst>
           </p:cNvPr>
@@ -6563,7 +6423,7 @@
           <p:cNvPr id="2" name="제목 1">
             <a:extLst>
               <a:ext uri="{FF2B5EF4-FFF2-40B4-BE49-F238E27FC236}">
-                <a16:creationId xmlns:a16="http://schemas.microsoft.com/office/drawing/2014/main" xmlns="" id="{2D7E6B8A-E1FD-472B-F033-346AC9F27163}"/>
+                <a16:creationId xmlns="" xmlns:a16="http://schemas.microsoft.com/office/drawing/2014/main" id="{2D7E6B8A-E1FD-472B-F033-346AC9F27163}"/>
               </a:ext>
             </a:extLst>
           </p:cNvPr>
@@ -6611,7 +6471,7 @@
           <p:cNvPr id="4" name="그림 3">
             <a:extLst>
               <a:ext uri="{FF2B5EF4-FFF2-40B4-BE49-F238E27FC236}">
-                <a16:creationId xmlns:a16="http://schemas.microsoft.com/office/drawing/2014/main" xmlns="" id="{74C4E802-6A46-5BA1-9878-DEE5BA4BCAD2}"/>
+                <a16:creationId xmlns="" xmlns:a16="http://schemas.microsoft.com/office/drawing/2014/main" id="{74C4E802-6A46-5BA1-9878-DEE5BA4BCAD2}"/>
               </a:ext>
             </a:extLst>
           </p:cNvPr>
@@ -6641,7 +6501,7 @@
           <p:cNvPr id="6" name="그림 5">
             <a:extLst>
               <a:ext uri="{FF2B5EF4-FFF2-40B4-BE49-F238E27FC236}">
-                <a16:creationId xmlns:a16="http://schemas.microsoft.com/office/drawing/2014/main" xmlns="" id="{496EF43E-7EC0-6DC0-9340-70D689837080}"/>
+                <a16:creationId xmlns="" xmlns:a16="http://schemas.microsoft.com/office/drawing/2014/main" id="{496EF43E-7EC0-6DC0-9340-70D689837080}"/>
               </a:ext>
             </a:extLst>
           </p:cNvPr>
@@ -6701,7 +6561,7 @@
           <p:cNvPr id="2" name="제목 1">
             <a:extLst>
               <a:ext uri="{FF2B5EF4-FFF2-40B4-BE49-F238E27FC236}">
-                <a16:creationId xmlns:a16="http://schemas.microsoft.com/office/drawing/2014/main" xmlns="" id="{2D7E6B8A-E1FD-472B-F033-346AC9F27163}"/>
+                <a16:creationId xmlns="" xmlns:a16="http://schemas.microsoft.com/office/drawing/2014/main" id="{2D7E6B8A-E1FD-472B-F033-346AC9F27163}"/>
               </a:ext>
             </a:extLst>
           </p:cNvPr>
@@ -6749,7 +6609,7 @@
           <p:cNvPr id="4" name="그림 3">
             <a:extLst>
               <a:ext uri="{FF2B5EF4-FFF2-40B4-BE49-F238E27FC236}">
-                <a16:creationId xmlns:a16="http://schemas.microsoft.com/office/drawing/2014/main" xmlns="" id="{E4695D85-FCF0-125C-418B-C346D10DB90C}"/>
+                <a16:creationId xmlns="" xmlns:a16="http://schemas.microsoft.com/office/drawing/2014/main" id="{E4695D85-FCF0-125C-418B-C346D10DB90C}"/>
               </a:ext>
             </a:extLst>
           </p:cNvPr>
@@ -6779,7 +6639,7 @@
           <p:cNvPr id="6" name="그림 5">
             <a:extLst>
               <a:ext uri="{FF2B5EF4-FFF2-40B4-BE49-F238E27FC236}">
-                <a16:creationId xmlns:a16="http://schemas.microsoft.com/office/drawing/2014/main" xmlns="" id="{A3A58655-8222-2ABD-D6E9-23580F3C9CB3}"/>
+                <a16:creationId xmlns="" xmlns:a16="http://schemas.microsoft.com/office/drawing/2014/main" id="{A3A58655-8222-2ABD-D6E9-23580F3C9CB3}"/>
               </a:ext>
             </a:extLst>
           </p:cNvPr>
@@ -6809,7 +6669,7 @@
           <p:cNvPr id="11" name="화살표: 원형 10">
             <a:extLst>
               <a:ext uri="{FF2B5EF4-FFF2-40B4-BE49-F238E27FC236}">
-                <a16:creationId xmlns:a16="http://schemas.microsoft.com/office/drawing/2014/main" xmlns="" id="{200CE35C-F5AA-986A-DB60-508AF71A8DD6}"/>
+                <a16:creationId xmlns="" xmlns:a16="http://schemas.microsoft.com/office/drawing/2014/main" id="{200CE35C-F5AA-986A-DB60-508AF71A8DD6}"/>
               </a:ext>
             </a:extLst>
           </p:cNvPr>
@@ -6889,7 +6749,7 @@
           <p:cNvPr id="2" name="제목 1">
             <a:extLst>
               <a:ext uri="{FF2B5EF4-FFF2-40B4-BE49-F238E27FC236}">
-                <a16:creationId xmlns:a16="http://schemas.microsoft.com/office/drawing/2014/main" xmlns="" id="{2D7E6B8A-E1FD-472B-F033-346AC9F27163}"/>
+                <a16:creationId xmlns="" xmlns:a16="http://schemas.microsoft.com/office/drawing/2014/main" id="{2D7E6B8A-E1FD-472B-F033-346AC9F27163}"/>
               </a:ext>
             </a:extLst>
           </p:cNvPr>
@@ -6937,7 +6797,7 @@
           <p:cNvPr id="3" name="그림 2">
             <a:extLst>
               <a:ext uri="{FF2B5EF4-FFF2-40B4-BE49-F238E27FC236}">
-                <a16:creationId xmlns:a16="http://schemas.microsoft.com/office/drawing/2014/main" xmlns="" id="{AD8B5E40-51C4-8EFF-D3EE-3DDA7FE660A5}"/>
+                <a16:creationId xmlns="" xmlns:a16="http://schemas.microsoft.com/office/drawing/2014/main" id="{AD8B5E40-51C4-8EFF-D3EE-3DDA7FE660A5}"/>
               </a:ext>
             </a:extLst>
           </p:cNvPr>
@@ -6967,7 +6827,7 @@
           <p:cNvPr id="4" name="그림 3">
             <a:extLst>
               <a:ext uri="{FF2B5EF4-FFF2-40B4-BE49-F238E27FC236}">
-                <a16:creationId xmlns:a16="http://schemas.microsoft.com/office/drawing/2014/main" xmlns="" id="{C9F8B558-6A15-ADD8-6D55-72E944E5A19B}"/>
+                <a16:creationId xmlns="" xmlns:a16="http://schemas.microsoft.com/office/drawing/2014/main" id="{C9F8B558-6A15-ADD8-6D55-72E944E5A19B}"/>
               </a:ext>
             </a:extLst>
           </p:cNvPr>
@@ -7027,7 +6887,7 @@
           <p:cNvPr id="2" name="제목 1">
             <a:extLst>
               <a:ext uri="{FF2B5EF4-FFF2-40B4-BE49-F238E27FC236}">
-                <a16:creationId xmlns:a16="http://schemas.microsoft.com/office/drawing/2014/main" xmlns="" id="{2D7E6B8A-E1FD-472B-F033-346AC9F27163}"/>
+                <a16:creationId xmlns="" xmlns:a16="http://schemas.microsoft.com/office/drawing/2014/main" id="{2D7E6B8A-E1FD-472B-F033-346AC9F27163}"/>
               </a:ext>
             </a:extLst>
           </p:cNvPr>
@@ -7075,7 +6935,7 @@
           <p:cNvPr id="6" name="그림 5">
             <a:extLst>
               <a:ext uri="{FF2B5EF4-FFF2-40B4-BE49-F238E27FC236}">
-                <a16:creationId xmlns:a16="http://schemas.microsoft.com/office/drawing/2014/main" xmlns="" id="{31A78C8E-BB4E-B6EB-28A6-AF279CD86C17}"/>
+                <a16:creationId xmlns="" xmlns:a16="http://schemas.microsoft.com/office/drawing/2014/main" id="{31A78C8E-BB4E-B6EB-28A6-AF279CD86C17}"/>
               </a:ext>
             </a:extLst>
           </p:cNvPr>
@@ -7105,7 +6965,7 @@
           <p:cNvPr id="8" name="그림 7">
             <a:extLst>
               <a:ext uri="{FF2B5EF4-FFF2-40B4-BE49-F238E27FC236}">
-                <a16:creationId xmlns:a16="http://schemas.microsoft.com/office/drawing/2014/main" xmlns="" id="{D1610679-D36B-2B4E-D601-34ABD3F2DAC1}"/>
+                <a16:creationId xmlns="" xmlns:a16="http://schemas.microsoft.com/office/drawing/2014/main" id="{D1610679-D36B-2B4E-D601-34ABD3F2DAC1}"/>
               </a:ext>
             </a:extLst>
           </p:cNvPr>
@@ -7165,7 +7025,7 @@
           <p:cNvPr id="2" name="제목 1">
             <a:extLst>
               <a:ext uri="{FF2B5EF4-FFF2-40B4-BE49-F238E27FC236}">
-                <a16:creationId xmlns:a16="http://schemas.microsoft.com/office/drawing/2014/main" xmlns="" id="{2D7E6B8A-E1FD-472B-F033-346AC9F27163}"/>
+                <a16:creationId xmlns="" xmlns:a16="http://schemas.microsoft.com/office/drawing/2014/main" id="{2D7E6B8A-E1FD-472B-F033-346AC9F27163}"/>
               </a:ext>
             </a:extLst>
           </p:cNvPr>
@@ -7221,7 +7081,7 @@
           <p:cNvPr id="4" name="그림 3">
             <a:extLst>
               <a:ext uri="{FF2B5EF4-FFF2-40B4-BE49-F238E27FC236}">
-                <a16:creationId xmlns:a16="http://schemas.microsoft.com/office/drawing/2014/main" xmlns="" id="{E29CF2F6-F7AF-C06D-99CA-B36A5F4969E7}"/>
+                <a16:creationId xmlns="" xmlns:a16="http://schemas.microsoft.com/office/drawing/2014/main" id="{E29CF2F6-F7AF-C06D-99CA-B36A5F4969E7}"/>
               </a:ext>
             </a:extLst>
           </p:cNvPr>
@@ -7251,7 +7111,7 @@
           <p:cNvPr id="7" name="그림 6">
             <a:extLst>
               <a:ext uri="{FF2B5EF4-FFF2-40B4-BE49-F238E27FC236}">
-                <a16:creationId xmlns:a16="http://schemas.microsoft.com/office/drawing/2014/main" xmlns="" id="{F978955D-B0AA-9FAE-B804-1DE9A412CBCC}"/>
+                <a16:creationId xmlns="" xmlns:a16="http://schemas.microsoft.com/office/drawing/2014/main" id="{F978955D-B0AA-9FAE-B804-1DE9A412CBCC}"/>
               </a:ext>
             </a:extLst>
           </p:cNvPr>
@@ -7311,7 +7171,7 @@
           <p:cNvPr id="2" name="제목 1">
             <a:extLst>
               <a:ext uri="{FF2B5EF4-FFF2-40B4-BE49-F238E27FC236}">
-                <a16:creationId xmlns:a16="http://schemas.microsoft.com/office/drawing/2014/main" xmlns="" id="{2D7E6B8A-E1FD-472B-F033-346AC9F27163}"/>
+                <a16:creationId xmlns="" xmlns:a16="http://schemas.microsoft.com/office/drawing/2014/main" id="{2D7E6B8A-E1FD-472B-F033-346AC9F27163}"/>
               </a:ext>
             </a:extLst>
           </p:cNvPr>
@@ -7366,7 +7226,7 @@
           <p:cNvPr id="4" name="그림 3">
             <a:extLst>
               <a:ext uri="{FF2B5EF4-FFF2-40B4-BE49-F238E27FC236}">
-                <a16:creationId xmlns:a16="http://schemas.microsoft.com/office/drawing/2014/main" xmlns="" id="{72E4C181-C703-EC8F-86CA-FAE9ABE61C52}"/>
+                <a16:creationId xmlns="" xmlns:a16="http://schemas.microsoft.com/office/drawing/2014/main" id="{72E4C181-C703-EC8F-86CA-FAE9ABE61C52}"/>
               </a:ext>
             </a:extLst>
           </p:cNvPr>
@@ -7396,7 +7256,7 @@
           <p:cNvPr id="6" name="그림 5">
             <a:extLst>
               <a:ext uri="{FF2B5EF4-FFF2-40B4-BE49-F238E27FC236}">
-                <a16:creationId xmlns:a16="http://schemas.microsoft.com/office/drawing/2014/main" xmlns="" id="{139D33DD-F7BB-4F52-E9C6-D03C9D2D510C}"/>
+                <a16:creationId xmlns="" xmlns:a16="http://schemas.microsoft.com/office/drawing/2014/main" id="{139D33DD-F7BB-4F52-E9C6-D03C9D2D510C}"/>
               </a:ext>
             </a:extLst>
           </p:cNvPr>
@@ -7456,7 +7316,7 @@
           <p:cNvPr id="2" name="제목 1">
             <a:extLst>
               <a:ext uri="{FF2B5EF4-FFF2-40B4-BE49-F238E27FC236}">
-                <a16:creationId xmlns:a16="http://schemas.microsoft.com/office/drawing/2014/main" xmlns="" id="{2D7E6B8A-E1FD-472B-F033-346AC9F27163}"/>
+                <a16:creationId xmlns="" xmlns:a16="http://schemas.microsoft.com/office/drawing/2014/main" id="{2D7E6B8A-E1FD-472B-F033-346AC9F27163}"/>
               </a:ext>
             </a:extLst>
           </p:cNvPr>
@@ -7512,7 +7372,7 @@
           <p:cNvPr id="4" name="그림 3">
             <a:extLst>
               <a:ext uri="{FF2B5EF4-FFF2-40B4-BE49-F238E27FC236}">
-                <a16:creationId xmlns:a16="http://schemas.microsoft.com/office/drawing/2014/main" xmlns="" id="{A19CF646-BEEB-ADB0-E2AA-5303C83F20F2}"/>
+                <a16:creationId xmlns="" xmlns:a16="http://schemas.microsoft.com/office/drawing/2014/main" id="{A19CF646-BEEB-ADB0-E2AA-5303C83F20F2}"/>
               </a:ext>
             </a:extLst>
           </p:cNvPr>
@@ -7542,7 +7402,7 @@
           <p:cNvPr id="6" name="그림 5">
             <a:extLst>
               <a:ext uri="{FF2B5EF4-FFF2-40B4-BE49-F238E27FC236}">
-                <a16:creationId xmlns:a16="http://schemas.microsoft.com/office/drawing/2014/main" xmlns="" id="{B2D91E7F-21DD-74D8-0CA4-2D8A30E7592C}"/>
+                <a16:creationId xmlns="" xmlns:a16="http://schemas.microsoft.com/office/drawing/2014/main" id="{B2D91E7F-21DD-74D8-0CA4-2D8A30E7592C}"/>
               </a:ext>
             </a:extLst>
           </p:cNvPr>
@@ -7602,7 +7462,7 @@
           <p:cNvPr id="2" name="제목 1">
             <a:extLst>
               <a:ext uri="{FF2B5EF4-FFF2-40B4-BE49-F238E27FC236}">
-                <a16:creationId xmlns:a16="http://schemas.microsoft.com/office/drawing/2014/main" xmlns="" id="{2D7E6B8A-E1FD-472B-F033-346AC9F27163}"/>
+                <a16:creationId xmlns="" xmlns:a16="http://schemas.microsoft.com/office/drawing/2014/main" id="{2D7E6B8A-E1FD-472B-F033-346AC9F27163}"/>
               </a:ext>
             </a:extLst>
           </p:cNvPr>
@@ -7650,7 +7510,7 @@
           <p:cNvPr id="4" name="그림 3">
             <a:extLst>
               <a:ext uri="{FF2B5EF4-FFF2-40B4-BE49-F238E27FC236}">
-                <a16:creationId xmlns:a16="http://schemas.microsoft.com/office/drawing/2014/main" xmlns="" id="{996B625F-F2CD-AED5-19B0-0066D17864A9}"/>
+                <a16:creationId xmlns="" xmlns:a16="http://schemas.microsoft.com/office/drawing/2014/main" id="{996B625F-F2CD-AED5-19B0-0066D17864A9}"/>
               </a:ext>
             </a:extLst>
           </p:cNvPr>
@@ -7680,7 +7540,7 @@
           <p:cNvPr id="6" name="그림 5">
             <a:extLst>
               <a:ext uri="{FF2B5EF4-FFF2-40B4-BE49-F238E27FC236}">
-                <a16:creationId xmlns:a16="http://schemas.microsoft.com/office/drawing/2014/main" xmlns="" id="{57C74CF4-BE56-AF5F-8D8D-601DE7006EAC}"/>
+                <a16:creationId xmlns="" xmlns:a16="http://schemas.microsoft.com/office/drawing/2014/main" id="{57C74CF4-BE56-AF5F-8D8D-601DE7006EAC}"/>
               </a:ext>
             </a:extLst>
           </p:cNvPr>
@@ -7710,7 +7570,7 @@
           <p:cNvPr id="8" name="그림 7">
             <a:extLst>
               <a:ext uri="{FF2B5EF4-FFF2-40B4-BE49-F238E27FC236}">
-                <a16:creationId xmlns:a16="http://schemas.microsoft.com/office/drawing/2014/main" xmlns="" id="{A5EF81A7-5006-F4EA-D192-A53C71DA87CF}"/>
+                <a16:creationId xmlns="" xmlns:a16="http://schemas.microsoft.com/office/drawing/2014/main" id="{A5EF81A7-5006-F4EA-D192-A53C71DA87CF}"/>
               </a:ext>
             </a:extLst>
           </p:cNvPr>
@@ -7770,7 +7630,7 @@
           <p:cNvPr id="2" name="제목 1">
             <a:extLst>
               <a:ext uri="{FF2B5EF4-FFF2-40B4-BE49-F238E27FC236}">
-                <a16:creationId xmlns:a16="http://schemas.microsoft.com/office/drawing/2014/main" xmlns="" id="{2D7E6B8A-E1FD-472B-F033-346AC9F27163}"/>
+                <a16:creationId xmlns="" xmlns:a16="http://schemas.microsoft.com/office/drawing/2014/main" id="{2D7E6B8A-E1FD-472B-F033-346AC9F27163}"/>
               </a:ext>
             </a:extLst>
           </p:cNvPr>
@@ -7818,7 +7678,7 @@
           <p:cNvPr id="4" name="그림 3">
             <a:extLst>
               <a:ext uri="{FF2B5EF4-FFF2-40B4-BE49-F238E27FC236}">
-                <a16:creationId xmlns:a16="http://schemas.microsoft.com/office/drawing/2014/main" xmlns="" id="{15088E6D-1BD5-5D33-4A8B-CBE14818D468}"/>
+                <a16:creationId xmlns="" xmlns:a16="http://schemas.microsoft.com/office/drawing/2014/main" id="{15088E6D-1BD5-5D33-4A8B-CBE14818D468}"/>
               </a:ext>
             </a:extLst>
           </p:cNvPr>
@@ -7848,7 +7708,7 @@
           <p:cNvPr id="6" name="그림 5">
             <a:extLst>
               <a:ext uri="{FF2B5EF4-FFF2-40B4-BE49-F238E27FC236}">
-                <a16:creationId xmlns:a16="http://schemas.microsoft.com/office/drawing/2014/main" xmlns="" id="{F60B9688-EC3B-2101-A0AF-C01545A722DA}"/>
+                <a16:creationId xmlns="" xmlns:a16="http://schemas.microsoft.com/office/drawing/2014/main" id="{F60B9688-EC3B-2101-A0AF-C01545A722DA}"/>
               </a:ext>
             </a:extLst>
           </p:cNvPr>
@@ -7908,7 +7768,7 @@
           <p:cNvPr id="2" name="제목 1">
             <a:extLst>
               <a:ext uri="{FF2B5EF4-FFF2-40B4-BE49-F238E27FC236}">
-                <a16:creationId xmlns:a16="http://schemas.microsoft.com/office/drawing/2014/main" xmlns="" id="{2D7E6B8A-E1FD-472B-F033-346AC9F27163}"/>
+                <a16:creationId xmlns="" xmlns:a16="http://schemas.microsoft.com/office/drawing/2014/main" id="{2D7E6B8A-E1FD-472B-F033-346AC9F27163}"/>
               </a:ext>
             </a:extLst>
           </p:cNvPr>
@@ -7956,7 +7816,7 @@
           <p:cNvPr id="4" name="그림 3">
             <a:extLst>
               <a:ext uri="{FF2B5EF4-FFF2-40B4-BE49-F238E27FC236}">
-                <a16:creationId xmlns:a16="http://schemas.microsoft.com/office/drawing/2014/main" xmlns="" id="{D13069FE-A8F3-33CD-5584-331D5DEA749B}"/>
+                <a16:creationId xmlns="" xmlns:a16="http://schemas.microsoft.com/office/drawing/2014/main" id="{D13069FE-A8F3-33CD-5584-331D5DEA749B}"/>
               </a:ext>
             </a:extLst>
           </p:cNvPr>
@@ -8016,7 +7876,7 @@
           <p:cNvPr id="2" name="제목 1">
             <a:extLst>
               <a:ext uri="{FF2B5EF4-FFF2-40B4-BE49-F238E27FC236}">
-                <a16:creationId xmlns:a16="http://schemas.microsoft.com/office/drawing/2014/main" xmlns="" id="{2D7E6B8A-E1FD-472B-F033-346AC9F27163}"/>
+                <a16:creationId xmlns="" xmlns:a16="http://schemas.microsoft.com/office/drawing/2014/main" id="{2D7E6B8A-E1FD-472B-F033-346AC9F27163}"/>
               </a:ext>
             </a:extLst>
           </p:cNvPr>
@@ -8064,7 +7924,7 @@
           <p:cNvPr id="4" name="그림 3">
             <a:extLst>
               <a:ext uri="{FF2B5EF4-FFF2-40B4-BE49-F238E27FC236}">
-                <a16:creationId xmlns:a16="http://schemas.microsoft.com/office/drawing/2014/main" xmlns="" id="{C1E4DA28-4A5B-DF78-E5F1-12E187A731BA}"/>
+                <a16:creationId xmlns="" xmlns:a16="http://schemas.microsoft.com/office/drawing/2014/main" id="{C1E4DA28-4A5B-DF78-E5F1-12E187A731BA}"/>
               </a:ext>
             </a:extLst>
           </p:cNvPr>
@@ -8094,7 +7954,7 @@
           <p:cNvPr id="6" name="그림 5">
             <a:extLst>
               <a:ext uri="{FF2B5EF4-FFF2-40B4-BE49-F238E27FC236}">
-                <a16:creationId xmlns:a16="http://schemas.microsoft.com/office/drawing/2014/main" xmlns="" id="{D69D3257-E600-C551-B0A4-44DD9432F48A}"/>
+                <a16:creationId xmlns="" xmlns:a16="http://schemas.microsoft.com/office/drawing/2014/main" id="{D69D3257-E600-C551-B0A4-44DD9432F48A}"/>
               </a:ext>
             </a:extLst>
           </p:cNvPr>
@@ -8154,7 +8014,7 @@
           <p:cNvPr id="2" name="제목 1">
             <a:extLst>
               <a:ext uri="{FF2B5EF4-FFF2-40B4-BE49-F238E27FC236}">
-                <a16:creationId xmlns:a16="http://schemas.microsoft.com/office/drawing/2014/main" xmlns="" id="{2D7E6B8A-E1FD-472B-F033-346AC9F27163}"/>
+                <a16:creationId xmlns="" xmlns:a16="http://schemas.microsoft.com/office/drawing/2014/main" id="{2D7E6B8A-E1FD-472B-F033-346AC9F27163}"/>
               </a:ext>
             </a:extLst>
           </p:cNvPr>
@@ -8202,7 +8062,7 @@
           <p:cNvPr id="4" name="그림 3">
             <a:extLst>
               <a:ext uri="{FF2B5EF4-FFF2-40B4-BE49-F238E27FC236}">
-                <a16:creationId xmlns:a16="http://schemas.microsoft.com/office/drawing/2014/main" xmlns="" id="{0D65FF9E-60CD-3237-4F3F-8F9BFDB9E9C9}"/>
+                <a16:creationId xmlns="" xmlns:a16="http://schemas.microsoft.com/office/drawing/2014/main" id="{0D65FF9E-60CD-3237-4F3F-8F9BFDB9E9C9}"/>
               </a:ext>
             </a:extLst>
           </p:cNvPr>
@@ -8232,7 +8092,7 @@
           <p:cNvPr id="6" name="그림 5">
             <a:extLst>
               <a:ext uri="{FF2B5EF4-FFF2-40B4-BE49-F238E27FC236}">
-                <a16:creationId xmlns:a16="http://schemas.microsoft.com/office/drawing/2014/main" xmlns="" id="{F97FA110-2045-AF3F-6251-487714235F7E}"/>
+                <a16:creationId xmlns="" xmlns:a16="http://schemas.microsoft.com/office/drawing/2014/main" id="{F97FA110-2045-AF3F-6251-487714235F7E}"/>
               </a:ext>
             </a:extLst>
           </p:cNvPr>
@@ -8292,7 +8152,7 @@
           <p:cNvPr id="2" name="제목 1">
             <a:extLst>
               <a:ext uri="{FF2B5EF4-FFF2-40B4-BE49-F238E27FC236}">
-                <a16:creationId xmlns:a16="http://schemas.microsoft.com/office/drawing/2014/main" xmlns="" id="{2D7E6B8A-E1FD-472B-F033-346AC9F27163}"/>
+                <a16:creationId xmlns="" xmlns:a16="http://schemas.microsoft.com/office/drawing/2014/main" id="{2D7E6B8A-E1FD-472B-F033-346AC9F27163}"/>
               </a:ext>
             </a:extLst>
           </p:cNvPr>
@@ -8340,7 +8200,7 @@
           <p:cNvPr id="4" name="그림 3">
             <a:extLst>
               <a:ext uri="{FF2B5EF4-FFF2-40B4-BE49-F238E27FC236}">
-                <a16:creationId xmlns:a16="http://schemas.microsoft.com/office/drawing/2014/main" xmlns="" id="{FD30A205-315F-3605-73D8-6372372E439C}"/>
+                <a16:creationId xmlns="" xmlns:a16="http://schemas.microsoft.com/office/drawing/2014/main" id="{FD30A205-315F-3605-73D8-6372372E439C}"/>
               </a:ext>
             </a:extLst>
           </p:cNvPr>
@@ -8370,7 +8230,7 @@
           <p:cNvPr id="6" name="그림 5">
             <a:extLst>
               <a:ext uri="{FF2B5EF4-FFF2-40B4-BE49-F238E27FC236}">
-                <a16:creationId xmlns:a16="http://schemas.microsoft.com/office/drawing/2014/main" xmlns="" id="{6688B728-70C7-269D-C3DA-08A890C4FEB0}"/>
+                <a16:creationId xmlns="" xmlns:a16="http://schemas.microsoft.com/office/drawing/2014/main" id="{6688B728-70C7-269D-C3DA-08A890C4FEB0}"/>
               </a:ext>
             </a:extLst>
           </p:cNvPr>
@@ -8430,7 +8290,7 @@
           <p:cNvPr id="2" name="제목 1">
             <a:extLst>
               <a:ext uri="{FF2B5EF4-FFF2-40B4-BE49-F238E27FC236}">
-                <a16:creationId xmlns:a16="http://schemas.microsoft.com/office/drawing/2014/main" xmlns="" id="{2D7E6B8A-E1FD-472B-F033-346AC9F27163}"/>
+                <a16:creationId xmlns="" xmlns:a16="http://schemas.microsoft.com/office/drawing/2014/main" id="{2D7E6B8A-E1FD-472B-F033-346AC9F27163}"/>
               </a:ext>
             </a:extLst>
           </p:cNvPr>
@@ -8478,7 +8338,7 @@
           <p:cNvPr id="3" name="그림 2">
             <a:extLst>
               <a:ext uri="{FF2B5EF4-FFF2-40B4-BE49-F238E27FC236}">
-                <a16:creationId xmlns:a16="http://schemas.microsoft.com/office/drawing/2014/main" xmlns="" id="{028124E6-5E97-7882-6F64-EEE0A11AAA29}"/>
+                <a16:creationId xmlns="" xmlns:a16="http://schemas.microsoft.com/office/drawing/2014/main" id="{028124E6-5E97-7882-6F64-EEE0A11AAA29}"/>
               </a:ext>
             </a:extLst>
           </p:cNvPr>
@@ -8508,7 +8368,7 @@
           <p:cNvPr id="4" name="그림 3">
             <a:extLst>
               <a:ext uri="{FF2B5EF4-FFF2-40B4-BE49-F238E27FC236}">
-                <a16:creationId xmlns:a16="http://schemas.microsoft.com/office/drawing/2014/main" xmlns="" id="{D63B18F8-D026-9F71-5580-8425562B4BC4}"/>
+                <a16:creationId xmlns="" xmlns:a16="http://schemas.microsoft.com/office/drawing/2014/main" id="{D63B18F8-D026-9F71-5580-8425562B4BC4}"/>
               </a:ext>
             </a:extLst>
           </p:cNvPr>
@@ -8568,7 +8428,7 @@
           <p:cNvPr id="2" name="제목 1">
             <a:extLst>
               <a:ext uri="{FF2B5EF4-FFF2-40B4-BE49-F238E27FC236}">
-                <a16:creationId xmlns:a16="http://schemas.microsoft.com/office/drawing/2014/main" xmlns="" id="{2D7E6B8A-E1FD-472B-F033-346AC9F27163}"/>
+                <a16:creationId xmlns="" xmlns:a16="http://schemas.microsoft.com/office/drawing/2014/main" id="{2D7E6B8A-E1FD-472B-F033-346AC9F27163}"/>
               </a:ext>
             </a:extLst>
           </p:cNvPr>
@@ -8616,7 +8476,7 @@
           <p:cNvPr id="4" name="그림 3">
             <a:extLst>
               <a:ext uri="{FF2B5EF4-FFF2-40B4-BE49-F238E27FC236}">
-                <a16:creationId xmlns:a16="http://schemas.microsoft.com/office/drawing/2014/main" xmlns="" id="{2EBA14C7-95F9-4EEC-E9F3-79D2B1ADC0B2}"/>
+                <a16:creationId xmlns="" xmlns:a16="http://schemas.microsoft.com/office/drawing/2014/main" id="{2EBA14C7-95F9-4EEC-E9F3-79D2B1ADC0B2}"/>
               </a:ext>
             </a:extLst>
           </p:cNvPr>
@@ -8646,7 +8506,7 @@
           <p:cNvPr id="6" name="그림 5">
             <a:extLst>
               <a:ext uri="{FF2B5EF4-FFF2-40B4-BE49-F238E27FC236}">
-                <a16:creationId xmlns:a16="http://schemas.microsoft.com/office/drawing/2014/main" xmlns="" id="{D69B7E72-3071-6972-3295-85FB67291751}"/>
+                <a16:creationId xmlns="" xmlns:a16="http://schemas.microsoft.com/office/drawing/2014/main" id="{D69B7E72-3071-6972-3295-85FB67291751}"/>
               </a:ext>
             </a:extLst>
           </p:cNvPr>
@@ -8706,7 +8566,7 @@
           <p:cNvPr id="2" name="제목 1">
             <a:extLst>
               <a:ext uri="{FF2B5EF4-FFF2-40B4-BE49-F238E27FC236}">
-                <a16:creationId xmlns:a16="http://schemas.microsoft.com/office/drawing/2014/main" xmlns="" id="{2D7E6B8A-E1FD-472B-F033-346AC9F27163}"/>
+                <a16:creationId xmlns="" xmlns:a16="http://schemas.microsoft.com/office/drawing/2014/main" id="{2D7E6B8A-E1FD-472B-F033-346AC9F27163}"/>
               </a:ext>
             </a:extLst>
           </p:cNvPr>
@@ -8754,7 +8614,7 @@
           <p:cNvPr id="4" name="그림 3">
             <a:extLst>
               <a:ext uri="{FF2B5EF4-FFF2-40B4-BE49-F238E27FC236}">
-                <a16:creationId xmlns:a16="http://schemas.microsoft.com/office/drawing/2014/main" xmlns="" id="{0FC54CA4-2191-668F-A880-666F043291CC}"/>
+                <a16:creationId xmlns="" xmlns:a16="http://schemas.microsoft.com/office/drawing/2014/main" id="{0FC54CA4-2191-668F-A880-666F043291CC}"/>
               </a:ext>
             </a:extLst>
           </p:cNvPr>
@@ -8784,7 +8644,7 @@
           <p:cNvPr id="6" name="그림 5">
             <a:extLst>
               <a:ext uri="{FF2B5EF4-FFF2-40B4-BE49-F238E27FC236}">
-                <a16:creationId xmlns:a16="http://schemas.microsoft.com/office/drawing/2014/main" xmlns="" id="{2B99F12A-E8E4-E13B-2A14-EE9EAAAD9EB0}"/>
+                <a16:creationId xmlns="" xmlns:a16="http://schemas.microsoft.com/office/drawing/2014/main" id="{2B99F12A-E8E4-E13B-2A14-EE9EAAAD9EB0}"/>
               </a:ext>
             </a:extLst>
           </p:cNvPr>
@@ -8844,7 +8704,7 @@
           <p:cNvPr id="2" name="제목 1">
             <a:extLst>
               <a:ext uri="{FF2B5EF4-FFF2-40B4-BE49-F238E27FC236}">
-                <a16:creationId xmlns:a16="http://schemas.microsoft.com/office/drawing/2014/main" xmlns="" id="{2D7E6B8A-E1FD-472B-F033-346AC9F27163}"/>
+                <a16:creationId xmlns="" xmlns:a16="http://schemas.microsoft.com/office/drawing/2014/main" id="{2D7E6B8A-E1FD-472B-F033-346AC9F27163}"/>
               </a:ext>
             </a:extLst>
           </p:cNvPr>
@@ -8899,7 +8759,7 @@
           <p:cNvPr id="7" name="그림 6">
             <a:extLst>
               <a:ext uri="{FF2B5EF4-FFF2-40B4-BE49-F238E27FC236}">
-                <a16:creationId xmlns:a16="http://schemas.microsoft.com/office/drawing/2014/main" xmlns="" id="{51CAFF0E-7355-6474-1A90-E4DD6D9FFFC3}"/>
+                <a16:creationId xmlns="" xmlns:a16="http://schemas.microsoft.com/office/drawing/2014/main" id="{51CAFF0E-7355-6474-1A90-E4DD6D9FFFC3}"/>
               </a:ext>
             </a:extLst>
           </p:cNvPr>
@@ -8929,7 +8789,7 @@
           <p:cNvPr id="9" name="그림 8">
             <a:extLst>
               <a:ext uri="{FF2B5EF4-FFF2-40B4-BE49-F238E27FC236}">
-                <a16:creationId xmlns:a16="http://schemas.microsoft.com/office/drawing/2014/main" xmlns="" id="{89B705D1-21CE-2B29-B0A5-EBD591BA6F69}"/>
+                <a16:creationId xmlns="" xmlns:a16="http://schemas.microsoft.com/office/drawing/2014/main" id="{89B705D1-21CE-2B29-B0A5-EBD591BA6F69}"/>
               </a:ext>
             </a:extLst>
           </p:cNvPr>
@@ -8989,7 +8849,7 @@
           <p:cNvPr id="2" name="제목 1">
             <a:extLst>
               <a:ext uri="{FF2B5EF4-FFF2-40B4-BE49-F238E27FC236}">
-                <a16:creationId xmlns:a16="http://schemas.microsoft.com/office/drawing/2014/main" xmlns="" id="{2D7E6B8A-E1FD-472B-F033-346AC9F27163}"/>
+                <a16:creationId xmlns="" xmlns:a16="http://schemas.microsoft.com/office/drawing/2014/main" id="{2D7E6B8A-E1FD-472B-F033-346AC9F27163}"/>
               </a:ext>
             </a:extLst>
           </p:cNvPr>
@@ -9037,7 +8897,7 @@
           <p:cNvPr id="4" name="그림 3">
             <a:extLst>
               <a:ext uri="{FF2B5EF4-FFF2-40B4-BE49-F238E27FC236}">
-                <a16:creationId xmlns:a16="http://schemas.microsoft.com/office/drawing/2014/main" xmlns="" id="{32BA6494-06B4-AC4E-D305-82869A2DDD06}"/>
+                <a16:creationId xmlns="" xmlns:a16="http://schemas.microsoft.com/office/drawing/2014/main" id="{32BA6494-06B4-AC4E-D305-82869A2DDD06}"/>
               </a:ext>
             </a:extLst>
           </p:cNvPr>
@@ -9067,7 +8927,7 @@
           <p:cNvPr id="6" name="그림 5">
             <a:extLst>
               <a:ext uri="{FF2B5EF4-FFF2-40B4-BE49-F238E27FC236}">
-                <a16:creationId xmlns:a16="http://schemas.microsoft.com/office/drawing/2014/main" xmlns="" id="{7C039DE2-47AE-393E-F8F1-9A53BBCEC97D}"/>
+                <a16:creationId xmlns="" xmlns:a16="http://schemas.microsoft.com/office/drawing/2014/main" id="{7C039DE2-47AE-393E-F8F1-9A53BBCEC97D}"/>
               </a:ext>
             </a:extLst>
           </p:cNvPr>
@@ -9127,7 +8987,7 @@
           <p:cNvPr id="2" name="제목 1">
             <a:extLst>
               <a:ext uri="{FF2B5EF4-FFF2-40B4-BE49-F238E27FC236}">
-                <a16:creationId xmlns:a16="http://schemas.microsoft.com/office/drawing/2014/main" xmlns="" id="{2D7E6B8A-E1FD-472B-F033-346AC9F27163}"/>
+                <a16:creationId xmlns="" xmlns:a16="http://schemas.microsoft.com/office/drawing/2014/main" id="{2D7E6B8A-E1FD-472B-F033-346AC9F27163}"/>
               </a:ext>
             </a:extLst>
           </p:cNvPr>
@@ -9175,7 +9035,7 @@
           <p:cNvPr id="4" name="그림 3">
             <a:extLst>
               <a:ext uri="{FF2B5EF4-FFF2-40B4-BE49-F238E27FC236}">
-                <a16:creationId xmlns:a16="http://schemas.microsoft.com/office/drawing/2014/main" xmlns="" id="{6D2A29D9-7881-5444-9290-0FEE8341C72D}"/>
+                <a16:creationId xmlns="" xmlns:a16="http://schemas.microsoft.com/office/drawing/2014/main" id="{6D2A29D9-7881-5444-9290-0FEE8341C72D}"/>
               </a:ext>
             </a:extLst>
           </p:cNvPr>
@@ -9205,7 +9065,7 @@
           <p:cNvPr id="6" name="그림 5">
             <a:extLst>
               <a:ext uri="{FF2B5EF4-FFF2-40B4-BE49-F238E27FC236}">
-                <a16:creationId xmlns:a16="http://schemas.microsoft.com/office/drawing/2014/main" xmlns="" id="{28B3651E-F594-1B0B-E627-5147F18FC9F8}"/>
+                <a16:creationId xmlns="" xmlns:a16="http://schemas.microsoft.com/office/drawing/2014/main" id="{28B3651E-F594-1B0B-E627-5147F18FC9F8}"/>
               </a:ext>
             </a:extLst>
           </p:cNvPr>
@@ -9265,7 +9125,7 @@
           <p:cNvPr id="2" name="제목 1">
             <a:extLst>
               <a:ext uri="{FF2B5EF4-FFF2-40B4-BE49-F238E27FC236}">
-                <a16:creationId xmlns:a16="http://schemas.microsoft.com/office/drawing/2014/main" xmlns="" id="{2D7E6B8A-E1FD-472B-F033-346AC9F27163}"/>
+                <a16:creationId xmlns="" xmlns:a16="http://schemas.microsoft.com/office/drawing/2014/main" id="{2D7E6B8A-E1FD-472B-F033-346AC9F27163}"/>
               </a:ext>
             </a:extLst>
           </p:cNvPr>
@@ -9329,7 +9189,7 @@
           <p:cNvPr id="6" name="그림 5">
             <a:extLst>
               <a:ext uri="{FF2B5EF4-FFF2-40B4-BE49-F238E27FC236}">
-                <a16:creationId xmlns:a16="http://schemas.microsoft.com/office/drawing/2014/main" xmlns="" id="{5029CA08-D3E0-8B61-1BD3-56A3C8CC788B}"/>
+                <a16:creationId xmlns="" xmlns:a16="http://schemas.microsoft.com/office/drawing/2014/main" id="{5029CA08-D3E0-8B61-1BD3-56A3C8CC788B}"/>
               </a:ext>
             </a:extLst>
           </p:cNvPr>
@@ -9389,7 +9249,7 @@
           <p:cNvPr id="2" name="제목 1">
             <a:extLst>
               <a:ext uri="{FF2B5EF4-FFF2-40B4-BE49-F238E27FC236}">
-                <a16:creationId xmlns:a16="http://schemas.microsoft.com/office/drawing/2014/main" xmlns="" id="{2D7E6B8A-E1FD-472B-F033-346AC9F27163}"/>
+                <a16:creationId xmlns="" xmlns:a16="http://schemas.microsoft.com/office/drawing/2014/main" id="{2D7E6B8A-E1FD-472B-F033-346AC9F27163}"/>
               </a:ext>
             </a:extLst>
           </p:cNvPr>
@@ -9453,7 +9313,7 @@
           <p:cNvPr id="4" name="그림 3">
             <a:extLst>
               <a:ext uri="{FF2B5EF4-FFF2-40B4-BE49-F238E27FC236}">
-                <a16:creationId xmlns:a16="http://schemas.microsoft.com/office/drawing/2014/main" xmlns="" id="{BB5FFBB7-1CF5-C7AD-5463-E2E30FEE1B58}"/>
+                <a16:creationId xmlns="" xmlns:a16="http://schemas.microsoft.com/office/drawing/2014/main" id="{BB5FFBB7-1CF5-C7AD-5463-E2E30FEE1B58}"/>
               </a:ext>
             </a:extLst>
           </p:cNvPr>
@@ -9483,7 +9343,7 @@
           <p:cNvPr id="6" name="그림 5">
             <a:extLst>
               <a:ext uri="{FF2B5EF4-FFF2-40B4-BE49-F238E27FC236}">
-                <a16:creationId xmlns:a16="http://schemas.microsoft.com/office/drawing/2014/main" xmlns="" id="{7A141944-734D-91B0-2DFE-6C5F4210017D}"/>
+                <a16:creationId xmlns="" xmlns:a16="http://schemas.microsoft.com/office/drawing/2014/main" id="{7A141944-734D-91B0-2DFE-6C5F4210017D}"/>
               </a:ext>
             </a:extLst>
           </p:cNvPr>
@@ -9513,7 +9373,7 @@
           <p:cNvPr id="8" name="그림 7">
             <a:extLst>
               <a:ext uri="{FF2B5EF4-FFF2-40B4-BE49-F238E27FC236}">
-                <a16:creationId xmlns:a16="http://schemas.microsoft.com/office/drawing/2014/main" xmlns="" id="{C391BDF8-7CE1-3C74-DA91-708A5CF9F686}"/>
+                <a16:creationId xmlns="" xmlns:a16="http://schemas.microsoft.com/office/drawing/2014/main" id="{C391BDF8-7CE1-3C74-DA91-708A5CF9F686}"/>
               </a:ext>
             </a:extLst>
           </p:cNvPr>
@@ -9543,7 +9403,7 @@
           <p:cNvPr id="10" name="그림 9">
             <a:extLst>
               <a:ext uri="{FF2B5EF4-FFF2-40B4-BE49-F238E27FC236}">
-                <a16:creationId xmlns:a16="http://schemas.microsoft.com/office/drawing/2014/main" xmlns="" id="{86F3BB82-5487-2933-23F6-D8AF567B20BF}"/>
+                <a16:creationId xmlns="" xmlns:a16="http://schemas.microsoft.com/office/drawing/2014/main" id="{86F3BB82-5487-2933-23F6-D8AF567B20BF}"/>
               </a:ext>
             </a:extLst>
           </p:cNvPr>
@@ -9573,7 +9433,7 @@
           <p:cNvPr id="11" name="화살표: 원형 10">
             <a:extLst>
               <a:ext uri="{FF2B5EF4-FFF2-40B4-BE49-F238E27FC236}">
-                <a16:creationId xmlns:a16="http://schemas.microsoft.com/office/drawing/2014/main" xmlns="" id="{B0D0C2A0-30B8-82E0-BB37-050C19A0B23A}"/>
+                <a16:creationId xmlns="" xmlns:a16="http://schemas.microsoft.com/office/drawing/2014/main" id="{B0D0C2A0-30B8-82E0-BB37-050C19A0B23A}"/>
               </a:ext>
             </a:extLst>
           </p:cNvPr>
@@ -9623,7 +9483,7 @@
           <p:cNvPr id="12" name="화살표: 위로 굽음 11">
             <a:extLst>
               <a:ext uri="{FF2B5EF4-FFF2-40B4-BE49-F238E27FC236}">
-                <a16:creationId xmlns:a16="http://schemas.microsoft.com/office/drawing/2014/main" xmlns="" id="{52A220C1-D184-F134-F2D9-673D29063DC1}"/>
+                <a16:creationId xmlns="" xmlns:a16="http://schemas.microsoft.com/office/drawing/2014/main" id="{52A220C1-D184-F134-F2D9-673D29063DC1}"/>
               </a:ext>
             </a:extLst>
           </p:cNvPr>
@@ -9699,7 +9559,7 @@
           <p:cNvPr id="2" name="제목 1">
             <a:extLst>
               <a:ext uri="{FF2B5EF4-FFF2-40B4-BE49-F238E27FC236}">
-                <a16:creationId xmlns:a16="http://schemas.microsoft.com/office/drawing/2014/main" xmlns="" id="{2D7E6B8A-E1FD-472B-F033-346AC9F27163}"/>
+                <a16:creationId xmlns="" xmlns:a16="http://schemas.microsoft.com/office/drawing/2014/main" id="{2D7E6B8A-E1FD-472B-F033-346AC9F27163}"/>
               </a:ext>
             </a:extLst>
           </p:cNvPr>
@@ -9763,7 +9623,7 @@
           <p:cNvPr id="4" name="그림 3">
             <a:extLst>
               <a:ext uri="{FF2B5EF4-FFF2-40B4-BE49-F238E27FC236}">
-                <a16:creationId xmlns:a16="http://schemas.microsoft.com/office/drawing/2014/main" xmlns="" id="{74CB744E-E0AF-B2F4-B182-296BCC173474}"/>
+                <a16:creationId xmlns="" xmlns:a16="http://schemas.microsoft.com/office/drawing/2014/main" id="{74CB744E-E0AF-B2F4-B182-296BCC173474}"/>
               </a:ext>
             </a:extLst>
           </p:cNvPr>
@@ -9793,7 +9653,7 @@
           <p:cNvPr id="6" name="그림 5">
             <a:extLst>
               <a:ext uri="{FF2B5EF4-FFF2-40B4-BE49-F238E27FC236}">
-                <a16:creationId xmlns:a16="http://schemas.microsoft.com/office/drawing/2014/main" xmlns="" id="{9CFC81DF-D2C9-E7B8-E087-3F9A8519999E}"/>
+                <a16:creationId xmlns="" xmlns:a16="http://schemas.microsoft.com/office/drawing/2014/main" id="{9CFC81DF-D2C9-E7B8-E087-3F9A8519999E}"/>
               </a:ext>
             </a:extLst>
           </p:cNvPr>
@@ -9823,7 +9683,7 @@
           <p:cNvPr id="8" name="그림 7">
             <a:extLst>
               <a:ext uri="{FF2B5EF4-FFF2-40B4-BE49-F238E27FC236}">
-                <a16:creationId xmlns:a16="http://schemas.microsoft.com/office/drawing/2014/main" xmlns="" id="{881EBAA7-60B4-DE27-0358-1D96EBBBE441}"/>
+                <a16:creationId xmlns="" xmlns:a16="http://schemas.microsoft.com/office/drawing/2014/main" id="{881EBAA7-60B4-DE27-0358-1D96EBBBE441}"/>
               </a:ext>
             </a:extLst>
           </p:cNvPr>
@@ -9853,7 +9713,7 @@
           <p:cNvPr id="10" name="그림 9">
             <a:extLst>
               <a:ext uri="{FF2B5EF4-FFF2-40B4-BE49-F238E27FC236}">
-                <a16:creationId xmlns:a16="http://schemas.microsoft.com/office/drawing/2014/main" xmlns="" id="{D305F3C2-D8FE-1709-C281-EE154EB0FD77}"/>
+                <a16:creationId xmlns="" xmlns:a16="http://schemas.microsoft.com/office/drawing/2014/main" id="{D305F3C2-D8FE-1709-C281-EE154EB0FD77}"/>
               </a:ext>
             </a:extLst>
           </p:cNvPr>
@@ -9883,7 +9743,7 @@
           <p:cNvPr id="11" name="화살표: 위로 굽음 10">
             <a:extLst>
               <a:ext uri="{FF2B5EF4-FFF2-40B4-BE49-F238E27FC236}">
-                <a16:creationId xmlns:a16="http://schemas.microsoft.com/office/drawing/2014/main" xmlns="" id="{24D26ECA-A373-4E7C-5337-D5BEC09EE022}"/>
+                <a16:creationId xmlns="" xmlns:a16="http://schemas.microsoft.com/office/drawing/2014/main" id="{24D26ECA-A373-4E7C-5337-D5BEC09EE022}"/>
               </a:ext>
             </a:extLst>
           </p:cNvPr>
@@ -9929,7 +9789,7 @@
           <p:cNvPr id="12" name="화살표: 원형 11">
             <a:extLst>
               <a:ext uri="{FF2B5EF4-FFF2-40B4-BE49-F238E27FC236}">
-                <a16:creationId xmlns:a16="http://schemas.microsoft.com/office/drawing/2014/main" xmlns="" id="{6358928D-192E-BC5A-B392-3881B644FD40}"/>
+                <a16:creationId xmlns="" xmlns:a16="http://schemas.microsoft.com/office/drawing/2014/main" id="{6358928D-192E-BC5A-B392-3881B644FD40}"/>
               </a:ext>
             </a:extLst>
           </p:cNvPr>
@@ -10009,7 +9869,7 @@
           <p:cNvPr id="2" name="제목 1">
             <a:extLst>
               <a:ext uri="{FF2B5EF4-FFF2-40B4-BE49-F238E27FC236}">
-                <a16:creationId xmlns:a16="http://schemas.microsoft.com/office/drawing/2014/main" xmlns="" id="{2D7E6B8A-E1FD-472B-F033-346AC9F27163}"/>
+                <a16:creationId xmlns="" xmlns:a16="http://schemas.microsoft.com/office/drawing/2014/main" id="{2D7E6B8A-E1FD-472B-F033-346AC9F27163}"/>
               </a:ext>
             </a:extLst>
           </p:cNvPr>
@@ -10073,7 +9933,7 @@
           <p:cNvPr id="4" name="그림 3">
             <a:extLst>
               <a:ext uri="{FF2B5EF4-FFF2-40B4-BE49-F238E27FC236}">
-                <a16:creationId xmlns:a16="http://schemas.microsoft.com/office/drawing/2014/main" xmlns="" id="{455591BB-7161-62D8-E342-4EBC4FB41E27}"/>
+                <a16:creationId xmlns="" xmlns:a16="http://schemas.microsoft.com/office/drawing/2014/main" id="{455591BB-7161-62D8-E342-4EBC4FB41E27}"/>
               </a:ext>
             </a:extLst>
           </p:cNvPr>
@@ -10103,7 +9963,7 @@
           <p:cNvPr id="6" name="그림 5">
             <a:extLst>
               <a:ext uri="{FF2B5EF4-FFF2-40B4-BE49-F238E27FC236}">
-                <a16:creationId xmlns:a16="http://schemas.microsoft.com/office/drawing/2014/main" xmlns="" id="{48EF7030-836A-B83B-428F-029F0E58A745}"/>
+                <a16:creationId xmlns="" xmlns:a16="http://schemas.microsoft.com/office/drawing/2014/main" id="{48EF7030-836A-B83B-428F-029F0E58A745}"/>
               </a:ext>
             </a:extLst>
           </p:cNvPr>
@@ -10163,7 +10023,7 @@
           <p:cNvPr id="2" name="제목 1">
             <a:extLst>
               <a:ext uri="{FF2B5EF4-FFF2-40B4-BE49-F238E27FC236}">
-                <a16:creationId xmlns:a16="http://schemas.microsoft.com/office/drawing/2014/main" xmlns="" id="{2D7E6B8A-E1FD-472B-F033-346AC9F27163}"/>
+                <a16:creationId xmlns="" xmlns:a16="http://schemas.microsoft.com/office/drawing/2014/main" id="{2D7E6B8A-E1FD-472B-F033-346AC9F27163}"/>
               </a:ext>
             </a:extLst>
           </p:cNvPr>
@@ -10227,7 +10087,7 @@
           <p:cNvPr id="4" name="그림 3">
             <a:extLst>
               <a:ext uri="{FF2B5EF4-FFF2-40B4-BE49-F238E27FC236}">
-                <a16:creationId xmlns:a16="http://schemas.microsoft.com/office/drawing/2014/main" xmlns="" id="{ABA7486D-5998-6ADB-5A8B-0D5EF6CEFCE8}"/>
+                <a16:creationId xmlns="" xmlns:a16="http://schemas.microsoft.com/office/drawing/2014/main" id="{ABA7486D-5998-6ADB-5A8B-0D5EF6CEFCE8}"/>
               </a:ext>
             </a:extLst>
           </p:cNvPr>
@@ -10257,7 +10117,7 @@
           <p:cNvPr id="6" name="그림 5">
             <a:extLst>
               <a:ext uri="{FF2B5EF4-FFF2-40B4-BE49-F238E27FC236}">
-                <a16:creationId xmlns:a16="http://schemas.microsoft.com/office/drawing/2014/main" xmlns="" id="{61779768-EF17-1BCF-9074-DA9C806D0D37}"/>
+                <a16:creationId xmlns="" xmlns:a16="http://schemas.microsoft.com/office/drawing/2014/main" id="{61779768-EF17-1BCF-9074-DA9C806D0D37}"/>
               </a:ext>
             </a:extLst>
           </p:cNvPr>
@@ -10287,7 +10147,7 @@
           <p:cNvPr id="7" name="화살표: 원형 6">
             <a:extLst>
               <a:ext uri="{FF2B5EF4-FFF2-40B4-BE49-F238E27FC236}">
-                <a16:creationId xmlns:a16="http://schemas.microsoft.com/office/drawing/2014/main" xmlns="" id="{D66BCF6E-C622-E2FE-538A-26856A0114F4}"/>
+                <a16:creationId xmlns="" xmlns:a16="http://schemas.microsoft.com/office/drawing/2014/main" id="{D66BCF6E-C622-E2FE-538A-26856A0114F4}"/>
               </a:ext>
             </a:extLst>
           </p:cNvPr>
@@ -10337,7 +10197,7 @@
           <p:cNvPr id="9" name="그림 8">
             <a:extLst>
               <a:ext uri="{FF2B5EF4-FFF2-40B4-BE49-F238E27FC236}">
-                <a16:creationId xmlns:a16="http://schemas.microsoft.com/office/drawing/2014/main" xmlns="" id="{09F20CEB-FB38-3AD7-4C20-711C56321E4D}"/>
+                <a16:creationId xmlns="" xmlns:a16="http://schemas.microsoft.com/office/drawing/2014/main" id="{09F20CEB-FB38-3AD7-4C20-711C56321E4D}"/>
               </a:ext>
             </a:extLst>
           </p:cNvPr>
@@ -10367,7 +10227,7 @@
           <p:cNvPr id="11" name="그림 10">
             <a:extLst>
               <a:ext uri="{FF2B5EF4-FFF2-40B4-BE49-F238E27FC236}">
-                <a16:creationId xmlns:a16="http://schemas.microsoft.com/office/drawing/2014/main" xmlns="" id="{7689D081-5081-A1F0-21A6-48F51FF66971}"/>
+                <a16:creationId xmlns="" xmlns:a16="http://schemas.microsoft.com/office/drawing/2014/main" id="{7689D081-5081-A1F0-21A6-48F51FF66971}"/>
               </a:ext>
             </a:extLst>
           </p:cNvPr>
@@ -10397,7 +10257,7 @@
           <p:cNvPr id="12" name="화살표: 원형 11">
             <a:extLst>
               <a:ext uri="{FF2B5EF4-FFF2-40B4-BE49-F238E27FC236}">
-                <a16:creationId xmlns:a16="http://schemas.microsoft.com/office/drawing/2014/main" xmlns="" id="{1C5E9033-2311-9534-9188-D10E46DB1E44}"/>
+                <a16:creationId xmlns="" xmlns:a16="http://schemas.microsoft.com/office/drawing/2014/main" id="{1C5E9033-2311-9534-9188-D10E46DB1E44}"/>
               </a:ext>
             </a:extLst>
           </p:cNvPr>
@@ -10477,7 +10337,7 @@
           <p:cNvPr id="2" name="제목 1">
             <a:extLst>
               <a:ext uri="{FF2B5EF4-FFF2-40B4-BE49-F238E27FC236}">
-                <a16:creationId xmlns:a16="http://schemas.microsoft.com/office/drawing/2014/main" xmlns="" id="{2D7E6B8A-E1FD-472B-F033-346AC9F27163}"/>
+                <a16:creationId xmlns="" xmlns:a16="http://schemas.microsoft.com/office/drawing/2014/main" id="{2D7E6B8A-E1FD-472B-F033-346AC9F27163}"/>
               </a:ext>
             </a:extLst>
           </p:cNvPr>
@@ -10528,7 +10388,7 @@
           <p:cNvPr id="4" name="그림 3">
             <a:extLst>
               <a:ext uri="{FF2B5EF4-FFF2-40B4-BE49-F238E27FC236}">
-                <a16:creationId xmlns:a16="http://schemas.microsoft.com/office/drawing/2014/main" xmlns="" id="{96EB62F4-4EAC-FA05-0A47-35481204EDCB}"/>
+                <a16:creationId xmlns="" xmlns:a16="http://schemas.microsoft.com/office/drawing/2014/main" id="{96EB62F4-4EAC-FA05-0A47-35481204EDCB}"/>
               </a:ext>
             </a:extLst>
           </p:cNvPr>
@@ -10558,7 +10418,7 @@
           <p:cNvPr id="6" name="그림 5">
             <a:extLst>
               <a:ext uri="{FF2B5EF4-FFF2-40B4-BE49-F238E27FC236}">
-                <a16:creationId xmlns:a16="http://schemas.microsoft.com/office/drawing/2014/main" xmlns="" id="{D2CD5F5F-7916-BEB8-9D68-E8641E16AB20}"/>
+                <a16:creationId xmlns="" xmlns:a16="http://schemas.microsoft.com/office/drawing/2014/main" id="{D2CD5F5F-7916-BEB8-9D68-E8641E16AB20}"/>
               </a:ext>
             </a:extLst>
           </p:cNvPr>
@@ -10618,7 +10478,7 @@
           <p:cNvPr id="2" name="제목 1">
             <a:extLst>
               <a:ext uri="{FF2B5EF4-FFF2-40B4-BE49-F238E27FC236}">
-                <a16:creationId xmlns:a16="http://schemas.microsoft.com/office/drawing/2014/main" xmlns="" id="{2D7E6B8A-E1FD-472B-F033-346AC9F27163}"/>
+                <a16:creationId xmlns="" xmlns:a16="http://schemas.microsoft.com/office/drawing/2014/main" id="{2D7E6B8A-E1FD-472B-F033-346AC9F27163}"/>
               </a:ext>
             </a:extLst>
           </p:cNvPr>
@@ -10669,7 +10529,7 @@
           <p:cNvPr id="4" name="그림 3">
             <a:extLst>
               <a:ext uri="{FF2B5EF4-FFF2-40B4-BE49-F238E27FC236}">
-                <a16:creationId xmlns:a16="http://schemas.microsoft.com/office/drawing/2014/main" xmlns="" id="{298E7DF8-858C-29FD-6A39-2A165916B337}"/>
+                <a16:creationId xmlns="" xmlns:a16="http://schemas.microsoft.com/office/drawing/2014/main" id="{298E7DF8-858C-29FD-6A39-2A165916B337}"/>
               </a:ext>
             </a:extLst>
           </p:cNvPr>
@@ -10699,7 +10559,7 @@
           <p:cNvPr id="8" name="그림 7">
             <a:extLst>
               <a:ext uri="{FF2B5EF4-FFF2-40B4-BE49-F238E27FC236}">
-                <a16:creationId xmlns:a16="http://schemas.microsoft.com/office/drawing/2014/main" xmlns="" id="{95949F61-4174-7717-3176-774BE052AC95}"/>
+                <a16:creationId xmlns="" xmlns:a16="http://schemas.microsoft.com/office/drawing/2014/main" id="{95949F61-4174-7717-3176-774BE052AC95}"/>
               </a:ext>
             </a:extLst>
           </p:cNvPr>
@@ -10759,7 +10619,7 @@
           <p:cNvPr id="2" name="제목 1">
             <a:extLst>
               <a:ext uri="{FF2B5EF4-FFF2-40B4-BE49-F238E27FC236}">
-                <a16:creationId xmlns:a16="http://schemas.microsoft.com/office/drawing/2014/main" xmlns="" id="{2D7E6B8A-E1FD-472B-F033-346AC9F27163}"/>
+                <a16:creationId xmlns="" xmlns:a16="http://schemas.microsoft.com/office/drawing/2014/main" id="{2D7E6B8A-E1FD-472B-F033-346AC9F27163}"/>
               </a:ext>
             </a:extLst>
           </p:cNvPr>
@@ -10811,7 +10671,7 @@
           <p:cNvPr id="4" name="그림 3">
             <a:extLst>
               <a:ext uri="{FF2B5EF4-FFF2-40B4-BE49-F238E27FC236}">
-                <a16:creationId xmlns:a16="http://schemas.microsoft.com/office/drawing/2014/main" xmlns="" id="{D003D6C0-F6E5-7C83-ECA0-9B43B632BD9F}"/>
+                <a16:creationId xmlns="" xmlns:a16="http://schemas.microsoft.com/office/drawing/2014/main" id="{D003D6C0-F6E5-7C83-ECA0-9B43B632BD9F}"/>
               </a:ext>
             </a:extLst>
           </p:cNvPr>
@@ -10841,7 +10701,7 @@
           <p:cNvPr id="6" name="그림 5">
             <a:extLst>
               <a:ext uri="{FF2B5EF4-FFF2-40B4-BE49-F238E27FC236}">
-                <a16:creationId xmlns:a16="http://schemas.microsoft.com/office/drawing/2014/main" xmlns="" id="{C9786288-CA6A-1147-B6A0-2692CFB6FB18}"/>
+                <a16:creationId xmlns="" xmlns:a16="http://schemas.microsoft.com/office/drawing/2014/main" id="{C9786288-CA6A-1147-B6A0-2692CFB6FB18}"/>
               </a:ext>
             </a:extLst>
           </p:cNvPr>
@@ -10901,7 +10761,7 @@
           <p:cNvPr id="2" name="제목 1">
             <a:extLst>
               <a:ext uri="{FF2B5EF4-FFF2-40B4-BE49-F238E27FC236}">
-                <a16:creationId xmlns:a16="http://schemas.microsoft.com/office/drawing/2014/main" xmlns="" id="{2D7E6B8A-E1FD-472B-F033-346AC9F27163}"/>
+                <a16:creationId xmlns="" xmlns:a16="http://schemas.microsoft.com/office/drawing/2014/main" id="{2D7E6B8A-E1FD-472B-F033-346AC9F27163}"/>
               </a:ext>
             </a:extLst>
           </p:cNvPr>
@@ -10956,7 +10816,7 @@
           <p:cNvPr id="4" name="그림 3">
             <a:extLst>
               <a:ext uri="{FF2B5EF4-FFF2-40B4-BE49-F238E27FC236}">
-                <a16:creationId xmlns:a16="http://schemas.microsoft.com/office/drawing/2014/main" xmlns="" id="{259027BE-4FA8-949B-FE2F-518F3F10205B}"/>
+                <a16:creationId xmlns="" xmlns:a16="http://schemas.microsoft.com/office/drawing/2014/main" id="{259027BE-4FA8-949B-FE2F-518F3F10205B}"/>
               </a:ext>
             </a:extLst>
           </p:cNvPr>
@@ -10986,7 +10846,7 @@
           <p:cNvPr id="6" name="그림 5">
             <a:extLst>
               <a:ext uri="{FF2B5EF4-FFF2-40B4-BE49-F238E27FC236}">
-                <a16:creationId xmlns:a16="http://schemas.microsoft.com/office/drawing/2014/main" xmlns="" id="{C88A72F0-8B8A-834E-80BE-186F3DE7792A}"/>
+                <a16:creationId xmlns="" xmlns:a16="http://schemas.microsoft.com/office/drawing/2014/main" id="{C88A72F0-8B8A-834E-80BE-186F3DE7792A}"/>
               </a:ext>
             </a:extLst>
           </p:cNvPr>
@@ -11046,7 +10906,7 @@
           <p:cNvPr id="2" name="제목 1">
             <a:extLst>
               <a:ext uri="{FF2B5EF4-FFF2-40B4-BE49-F238E27FC236}">
-                <a16:creationId xmlns:a16="http://schemas.microsoft.com/office/drawing/2014/main" xmlns="" id="{2D7E6B8A-E1FD-472B-F033-346AC9F27163}"/>
+                <a16:creationId xmlns="" xmlns:a16="http://schemas.microsoft.com/office/drawing/2014/main" id="{2D7E6B8A-E1FD-472B-F033-346AC9F27163}"/>
               </a:ext>
             </a:extLst>
           </p:cNvPr>
@@ -11097,7 +10957,7 @@
           <p:cNvPr id="4" name="그림 3">
             <a:extLst>
               <a:ext uri="{FF2B5EF4-FFF2-40B4-BE49-F238E27FC236}">
-                <a16:creationId xmlns:a16="http://schemas.microsoft.com/office/drawing/2014/main" xmlns="" id="{6D533A6B-CE1F-1E48-016C-10CE28594A29}"/>
+                <a16:creationId xmlns="" xmlns:a16="http://schemas.microsoft.com/office/drawing/2014/main" id="{6D533A6B-CE1F-1E48-016C-10CE28594A29}"/>
               </a:ext>
             </a:extLst>
           </p:cNvPr>
@@ -11127,7 +10987,7 @@
           <p:cNvPr id="6" name="그림 5">
             <a:extLst>
               <a:ext uri="{FF2B5EF4-FFF2-40B4-BE49-F238E27FC236}">
-                <a16:creationId xmlns:a16="http://schemas.microsoft.com/office/drawing/2014/main" xmlns="" id="{3BEC05F5-3079-9E6D-5EE8-AB30EA57B806}"/>
+                <a16:creationId xmlns="" xmlns:a16="http://schemas.microsoft.com/office/drawing/2014/main" id="{3BEC05F5-3079-9E6D-5EE8-AB30EA57B806}"/>
               </a:ext>
             </a:extLst>
           </p:cNvPr>
@@ -11187,7 +11047,7 @@
           <p:cNvPr id="2" name="제목 1">
             <a:extLst>
               <a:ext uri="{FF2B5EF4-FFF2-40B4-BE49-F238E27FC236}">
-                <a16:creationId xmlns:a16="http://schemas.microsoft.com/office/drawing/2014/main" xmlns="" id="{2D7E6B8A-E1FD-472B-F033-346AC9F27163}"/>
+                <a16:creationId xmlns="" xmlns:a16="http://schemas.microsoft.com/office/drawing/2014/main" id="{2D7E6B8A-E1FD-472B-F033-346AC9F27163}"/>
               </a:ext>
             </a:extLst>
           </p:cNvPr>
@@ -11239,7 +11099,7 @@
           <p:cNvPr id="4" name="그림 3">
             <a:extLst>
               <a:ext uri="{FF2B5EF4-FFF2-40B4-BE49-F238E27FC236}">
-                <a16:creationId xmlns:a16="http://schemas.microsoft.com/office/drawing/2014/main" xmlns="" id="{BBE94E27-D355-3CB8-1E9E-DAF09C2C2395}"/>
+                <a16:creationId xmlns="" xmlns:a16="http://schemas.microsoft.com/office/drawing/2014/main" id="{BBE94E27-D355-3CB8-1E9E-DAF09C2C2395}"/>
               </a:ext>
             </a:extLst>
           </p:cNvPr>
@@ -11269,7 +11129,7 @@
           <p:cNvPr id="6" name="그림 5">
             <a:extLst>
               <a:ext uri="{FF2B5EF4-FFF2-40B4-BE49-F238E27FC236}">
-                <a16:creationId xmlns:a16="http://schemas.microsoft.com/office/drawing/2014/main" xmlns="" id="{F3C3BFC1-E891-FDFD-7495-2C94CAD48E0E}"/>
+                <a16:creationId xmlns="" xmlns:a16="http://schemas.microsoft.com/office/drawing/2014/main" id="{F3C3BFC1-E891-FDFD-7495-2C94CAD48E0E}"/>
               </a:ext>
             </a:extLst>
           </p:cNvPr>
@@ -11329,7 +11189,7 @@
           <p:cNvPr id="2" name="제목 1">
             <a:extLst>
               <a:ext uri="{FF2B5EF4-FFF2-40B4-BE49-F238E27FC236}">
-                <a16:creationId xmlns:a16="http://schemas.microsoft.com/office/drawing/2014/main" xmlns="" id="{2D7E6B8A-E1FD-472B-F033-346AC9F27163}"/>
+                <a16:creationId xmlns="" xmlns:a16="http://schemas.microsoft.com/office/drawing/2014/main" id="{2D7E6B8A-E1FD-472B-F033-346AC9F27163}"/>
               </a:ext>
             </a:extLst>
           </p:cNvPr>
@@ -11384,7 +11244,7 @@
           <p:cNvPr id="4" name="그림 3">
             <a:extLst>
               <a:ext uri="{FF2B5EF4-FFF2-40B4-BE49-F238E27FC236}">
-                <a16:creationId xmlns:a16="http://schemas.microsoft.com/office/drawing/2014/main" xmlns="" id="{0BAE60E6-3705-9450-E6E7-533A429D3DBE}"/>
+                <a16:creationId xmlns="" xmlns:a16="http://schemas.microsoft.com/office/drawing/2014/main" id="{0BAE60E6-3705-9450-E6E7-533A429D3DBE}"/>
               </a:ext>
             </a:extLst>
           </p:cNvPr>
@@ -11444,7 +11304,7 @@
           <p:cNvPr id="2" name="제목 1">
             <a:extLst>
               <a:ext uri="{FF2B5EF4-FFF2-40B4-BE49-F238E27FC236}">
-                <a16:creationId xmlns:a16="http://schemas.microsoft.com/office/drawing/2014/main" xmlns="" id="{2D7E6B8A-E1FD-472B-F033-346AC9F27163}"/>
+                <a16:creationId xmlns="" xmlns:a16="http://schemas.microsoft.com/office/drawing/2014/main" id="{2D7E6B8A-E1FD-472B-F033-346AC9F27163}"/>
               </a:ext>
             </a:extLst>
           </p:cNvPr>
@@ -11496,7 +11356,7 @@
           <p:cNvPr id="4" name="그림 3">
             <a:extLst>
               <a:ext uri="{FF2B5EF4-FFF2-40B4-BE49-F238E27FC236}">
-                <a16:creationId xmlns:a16="http://schemas.microsoft.com/office/drawing/2014/main" xmlns="" id="{D9600AF8-1CF8-04F6-8902-3995752C0F83}"/>
+                <a16:creationId xmlns="" xmlns:a16="http://schemas.microsoft.com/office/drawing/2014/main" id="{D9600AF8-1CF8-04F6-8902-3995752C0F83}"/>
               </a:ext>
             </a:extLst>
           </p:cNvPr>
@@ -11526,7 +11386,7 @@
           <p:cNvPr id="6" name="그림 5">
             <a:extLst>
               <a:ext uri="{FF2B5EF4-FFF2-40B4-BE49-F238E27FC236}">
-                <a16:creationId xmlns:a16="http://schemas.microsoft.com/office/drawing/2014/main" xmlns="" id="{FC3F61B8-F97F-8B50-C951-C761838E2F9E}"/>
+                <a16:creationId xmlns="" xmlns:a16="http://schemas.microsoft.com/office/drawing/2014/main" id="{FC3F61B8-F97F-8B50-C951-C761838E2F9E}"/>
               </a:ext>
             </a:extLst>
           </p:cNvPr>
@@ -11586,7 +11446,7 @@
           <p:cNvPr id="2" name="제목 1">
             <a:extLst>
               <a:ext uri="{FF2B5EF4-FFF2-40B4-BE49-F238E27FC236}">
-                <a16:creationId xmlns:a16="http://schemas.microsoft.com/office/drawing/2014/main" xmlns="" id="{2D7E6B8A-E1FD-472B-F033-346AC9F27163}"/>
+                <a16:creationId xmlns="" xmlns:a16="http://schemas.microsoft.com/office/drawing/2014/main" id="{2D7E6B8A-E1FD-472B-F033-346AC9F27163}"/>
               </a:ext>
             </a:extLst>
           </p:cNvPr>
@@ -11641,7 +11501,7 @@
           <p:cNvPr id="4" name="그림 3">
             <a:extLst>
               <a:ext uri="{FF2B5EF4-FFF2-40B4-BE49-F238E27FC236}">
-                <a16:creationId xmlns:a16="http://schemas.microsoft.com/office/drawing/2014/main" xmlns="" id="{16C79C27-E75A-3DB8-C3CC-B05EAAF3AEF7}"/>
+                <a16:creationId xmlns="" xmlns:a16="http://schemas.microsoft.com/office/drawing/2014/main" id="{16C79C27-E75A-3DB8-C3CC-B05EAAF3AEF7}"/>
               </a:ext>
             </a:extLst>
           </p:cNvPr>
@@ -11671,7 +11531,7 @@
           <p:cNvPr id="6" name="그림 5">
             <a:extLst>
               <a:ext uri="{FF2B5EF4-FFF2-40B4-BE49-F238E27FC236}">
-                <a16:creationId xmlns:a16="http://schemas.microsoft.com/office/drawing/2014/main" xmlns="" id="{BD555CBE-8F86-7012-47FC-4650379E78CA}"/>
+                <a16:creationId xmlns="" xmlns:a16="http://schemas.microsoft.com/office/drawing/2014/main" id="{BD555CBE-8F86-7012-47FC-4650379E78CA}"/>
               </a:ext>
             </a:extLst>
           </p:cNvPr>
@@ -11731,7 +11591,7 @@
           <p:cNvPr id="2" name="제목 1">
             <a:extLst>
               <a:ext uri="{FF2B5EF4-FFF2-40B4-BE49-F238E27FC236}">
-                <a16:creationId xmlns:a16="http://schemas.microsoft.com/office/drawing/2014/main" xmlns="" id="{2D7E6B8A-E1FD-472B-F033-346AC9F27163}"/>
+                <a16:creationId xmlns="" xmlns:a16="http://schemas.microsoft.com/office/drawing/2014/main" id="{2D7E6B8A-E1FD-472B-F033-346AC9F27163}"/>
               </a:ext>
             </a:extLst>
           </p:cNvPr>
@@ -11783,7 +11643,7 @@
           <p:cNvPr id="4" name="그림 3">
             <a:extLst>
               <a:ext uri="{FF2B5EF4-FFF2-40B4-BE49-F238E27FC236}">
-                <a16:creationId xmlns:a16="http://schemas.microsoft.com/office/drawing/2014/main" xmlns="" id="{0703130D-601C-DA09-0155-C6FE8621EAC7}"/>
+                <a16:creationId xmlns="" xmlns:a16="http://schemas.microsoft.com/office/drawing/2014/main" id="{0703130D-601C-DA09-0155-C6FE8621EAC7}"/>
               </a:ext>
             </a:extLst>
           </p:cNvPr>
@@ -11813,7 +11673,7 @@
           <p:cNvPr id="6" name="그림 5">
             <a:extLst>
               <a:ext uri="{FF2B5EF4-FFF2-40B4-BE49-F238E27FC236}">
-                <a16:creationId xmlns:a16="http://schemas.microsoft.com/office/drawing/2014/main" xmlns="" id="{3B135E03-F807-2413-7318-E8C1554B3B75}"/>
+                <a16:creationId xmlns="" xmlns:a16="http://schemas.microsoft.com/office/drawing/2014/main" id="{3B135E03-F807-2413-7318-E8C1554B3B75}"/>
               </a:ext>
             </a:extLst>
           </p:cNvPr>
@@ -11873,7 +11733,7 @@
           <p:cNvPr id="2" name="제목 1">
             <a:extLst>
               <a:ext uri="{FF2B5EF4-FFF2-40B4-BE49-F238E27FC236}">
-                <a16:creationId xmlns:a16="http://schemas.microsoft.com/office/drawing/2014/main" xmlns="" id="{2D7E6B8A-E1FD-472B-F033-346AC9F27163}"/>
+                <a16:creationId xmlns="" xmlns:a16="http://schemas.microsoft.com/office/drawing/2014/main" id="{2D7E6B8A-E1FD-472B-F033-346AC9F27163}"/>
               </a:ext>
             </a:extLst>
           </p:cNvPr>
@@ -11925,7 +11785,7 @@
           <p:cNvPr id="4" name="그림 3">
             <a:extLst>
               <a:ext uri="{FF2B5EF4-FFF2-40B4-BE49-F238E27FC236}">
-                <a16:creationId xmlns:a16="http://schemas.microsoft.com/office/drawing/2014/main" xmlns="" id="{DF7289EE-5146-553C-A8ED-B756DA2B87C2}"/>
+                <a16:creationId xmlns="" xmlns:a16="http://schemas.microsoft.com/office/drawing/2014/main" id="{DF7289EE-5146-553C-A8ED-B756DA2B87C2}"/>
               </a:ext>
             </a:extLst>
           </p:cNvPr>
@@ -11955,7 +11815,7 @@
           <p:cNvPr id="6" name="그림 5">
             <a:extLst>
               <a:ext uri="{FF2B5EF4-FFF2-40B4-BE49-F238E27FC236}">
-                <a16:creationId xmlns:a16="http://schemas.microsoft.com/office/drawing/2014/main" xmlns="" id="{457E5114-38D3-C454-1F03-1BEADA0F281E}"/>
+                <a16:creationId xmlns="" xmlns:a16="http://schemas.microsoft.com/office/drawing/2014/main" id="{457E5114-38D3-C454-1F03-1BEADA0F281E}"/>
               </a:ext>
             </a:extLst>
           </p:cNvPr>
@@ -12015,7 +11875,7 @@
           <p:cNvPr id="2" name="제목 1">
             <a:extLst>
               <a:ext uri="{FF2B5EF4-FFF2-40B4-BE49-F238E27FC236}">
-                <a16:creationId xmlns:a16="http://schemas.microsoft.com/office/drawing/2014/main" xmlns="" id="{2D7E6B8A-E1FD-472B-F033-346AC9F27163}"/>
+                <a16:creationId xmlns="" xmlns:a16="http://schemas.microsoft.com/office/drawing/2014/main" id="{2D7E6B8A-E1FD-472B-F033-346AC9F27163}"/>
               </a:ext>
             </a:extLst>
           </p:cNvPr>
@@ -12066,7 +11926,7 @@
           <p:cNvPr id="6" name="그림 5">
             <a:extLst>
               <a:ext uri="{FF2B5EF4-FFF2-40B4-BE49-F238E27FC236}">
-                <a16:creationId xmlns:a16="http://schemas.microsoft.com/office/drawing/2014/main" xmlns="" id="{88E17967-6C29-8B55-2E3F-D5FF0B823BF6}"/>
+                <a16:creationId xmlns="" xmlns:a16="http://schemas.microsoft.com/office/drawing/2014/main" id="{88E17967-6C29-8B55-2E3F-D5FF0B823BF6}"/>
               </a:ext>
             </a:extLst>
           </p:cNvPr>
@@ -12096,7 +11956,7 @@
           <p:cNvPr id="8" name="그림 7">
             <a:extLst>
               <a:ext uri="{FF2B5EF4-FFF2-40B4-BE49-F238E27FC236}">
-                <a16:creationId xmlns:a16="http://schemas.microsoft.com/office/drawing/2014/main" xmlns="" id="{413D52E1-BBFA-B5C8-4D6F-0816922CD3BF}"/>
+                <a16:creationId xmlns="" xmlns:a16="http://schemas.microsoft.com/office/drawing/2014/main" id="{413D52E1-BBFA-B5C8-4D6F-0816922CD3BF}"/>
               </a:ext>
             </a:extLst>
           </p:cNvPr>
@@ -12156,7 +12016,7 @@
           <p:cNvPr id="2" name="제목 1">
             <a:extLst>
               <a:ext uri="{FF2B5EF4-FFF2-40B4-BE49-F238E27FC236}">
-                <a16:creationId xmlns:a16="http://schemas.microsoft.com/office/drawing/2014/main" xmlns="" id="{2D7E6B8A-E1FD-472B-F033-346AC9F27163}"/>
+                <a16:creationId xmlns="" xmlns:a16="http://schemas.microsoft.com/office/drawing/2014/main" id="{2D7E6B8A-E1FD-472B-F033-346AC9F27163}"/>
               </a:ext>
             </a:extLst>
           </p:cNvPr>
@@ -12207,7 +12067,7 @@
           <p:cNvPr id="6" name="그림 5">
             <a:extLst>
               <a:ext uri="{FF2B5EF4-FFF2-40B4-BE49-F238E27FC236}">
-                <a16:creationId xmlns:a16="http://schemas.microsoft.com/office/drawing/2014/main" xmlns="" id="{A0294D1C-7153-8547-51B1-90B0D0976632}"/>
+                <a16:creationId xmlns="" xmlns:a16="http://schemas.microsoft.com/office/drawing/2014/main" id="{A0294D1C-7153-8547-51B1-90B0D0976632}"/>
               </a:ext>
             </a:extLst>
           </p:cNvPr>
@@ -12237,7 +12097,7 @@
           <p:cNvPr id="8" name="그림 7">
             <a:extLst>
               <a:ext uri="{FF2B5EF4-FFF2-40B4-BE49-F238E27FC236}">
-                <a16:creationId xmlns:a16="http://schemas.microsoft.com/office/drawing/2014/main" xmlns="" id="{3D992887-D289-5AA4-3D8E-5178A0EE454F}"/>
+                <a16:creationId xmlns="" xmlns:a16="http://schemas.microsoft.com/office/drawing/2014/main" id="{3D992887-D289-5AA4-3D8E-5178A0EE454F}"/>
               </a:ext>
             </a:extLst>
           </p:cNvPr>
@@ -12297,7 +12157,7 @@
           <p:cNvPr id="2" name="제목 1">
             <a:extLst>
               <a:ext uri="{FF2B5EF4-FFF2-40B4-BE49-F238E27FC236}">
-                <a16:creationId xmlns:a16="http://schemas.microsoft.com/office/drawing/2014/main" xmlns="" id="{2D7E6B8A-E1FD-472B-F033-346AC9F27163}"/>
+                <a16:creationId xmlns="" xmlns:a16="http://schemas.microsoft.com/office/drawing/2014/main" id="{2D7E6B8A-E1FD-472B-F033-346AC9F27163}"/>
               </a:ext>
             </a:extLst>
           </p:cNvPr>
@@ -12348,7 +12208,7 @@
           <p:cNvPr id="4" name="그림 3">
             <a:extLst>
               <a:ext uri="{FF2B5EF4-FFF2-40B4-BE49-F238E27FC236}">
-                <a16:creationId xmlns:a16="http://schemas.microsoft.com/office/drawing/2014/main" xmlns="" id="{461E1A29-70D9-8111-2860-B0906848D30C}"/>
+                <a16:creationId xmlns="" xmlns:a16="http://schemas.microsoft.com/office/drawing/2014/main" id="{461E1A29-70D9-8111-2860-B0906848D30C}"/>
               </a:ext>
             </a:extLst>
           </p:cNvPr>
@@ -12378,7 +12238,7 @@
           <p:cNvPr id="6" name="그림 5">
             <a:extLst>
               <a:ext uri="{FF2B5EF4-FFF2-40B4-BE49-F238E27FC236}">
-                <a16:creationId xmlns:a16="http://schemas.microsoft.com/office/drawing/2014/main" xmlns="" id="{FA5CEC17-87A0-75C2-C552-AA15C23F086A}"/>
+                <a16:creationId xmlns="" xmlns:a16="http://schemas.microsoft.com/office/drawing/2014/main" id="{FA5CEC17-87A0-75C2-C552-AA15C23F086A}"/>
               </a:ext>
             </a:extLst>
           </p:cNvPr>
@@ -12438,7 +12298,7 @@
           <p:cNvPr id="2" name="제목 1">
             <a:extLst>
               <a:ext uri="{FF2B5EF4-FFF2-40B4-BE49-F238E27FC236}">
-                <a16:creationId xmlns:a16="http://schemas.microsoft.com/office/drawing/2014/main" xmlns="" id="{2D7E6B8A-E1FD-472B-F033-346AC9F27163}"/>
+                <a16:creationId xmlns="" xmlns:a16="http://schemas.microsoft.com/office/drawing/2014/main" id="{2D7E6B8A-E1FD-472B-F033-346AC9F27163}"/>
               </a:ext>
             </a:extLst>
           </p:cNvPr>
@@ -12493,7 +12353,7 @@
           <p:cNvPr id="5" name="그림 4">
             <a:extLst>
               <a:ext uri="{FF2B5EF4-FFF2-40B4-BE49-F238E27FC236}">
-                <a16:creationId xmlns:a16="http://schemas.microsoft.com/office/drawing/2014/main" xmlns="" id="{E89FA030-37C5-C181-E402-4778F16FA737}"/>
+                <a16:creationId xmlns="" xmlns:a16="http://schemas.microsoft.com/office/drawing/2014/main" id="{E89FA030-37C5-C181-E402-4778F16FA737}"/>
               </a:ext>
             </a:extLst>
           </p:cNvPr>
@@ -12523,7 +12383,7 @@
           <p:cNvPr id="8" name="그림 7">
             <a:extLst>
               <a:ext uri="{FF2B5EF4-FFF2-40B4-BE49-F238E27FC236}">
-                <a16:creationId xmlns:a16="http://schemas.microsoft.com/office/drawing/2014/main" xmlns="" id="{3B105D70-4362-51F8-806D-700A0D8F2551}"/>
+                <a16:creationId xmlns="" xmlns:a16="http://schemas.microsoft.com/office/drawing/2014/main" id="{3B105D70-4362-51F8-806D-700A0D8F2551}"/>
               </a:ext>
             </a:extLst>
           </p:cNvPr>
@@ -12553,7 +12413,7 @@
           <p:cNvPr id="10" name="그림 9">
             <a:extLst>
               <a:ext uri="{FF2B5EF4-FFF2-40B4-BE49-F238E27FC236}">
-                <a16:creationId xmlns:a16="http://schemas.microsoft.com/office/drawing/2014/main" xmlns="" id="{6390907A-4205-8F1D-9802-1DF09438D8E0}"/>
+                <a16:creationId xmlns="" xmlns:a16="http://schemas.microsoft.com/office/drawing/2014/main" id="{6390907A-4205-8F1D-9802-1DF09438D8E0}"/>
               </a:ext>
             </a:extLst>
           </p:cNvPr>
@@ -12613,7 +12473,7 @@
           <p:cNvPr id="2" name="제목 1">
             <a:extLst>
               <a:ext uri="{FF2B5EF4-FFF2-40B4-BE49-F238E27FC236}">
-                <a16:creationId xmlns:a16="http://schemas.microsoft.com/office/drawing/2014/main" xmlns="" id="{2D7E6B8A-E1FD-472B-F033-346AC9F27163}"/>
+                <a16:creationId xmlns="" xmlns:a16="http://schemas.microsoft.com/office/drawing/2014/main" id="{2D7E6B8A-E1FD-472B-F033-346AC9F27163}"/>
               </a:ext>
             </a:extLst>
           </p:cNvPr>
@@ -12664,7 +12524,7 @@
           <p:cNvPr id="4" name="그림 3">
             <a:extLst>
               <a:ext uri="{FF2B5EF4-FFF2-40B4-BE49-F238E27FC236}">
-                <a16:creationId xmlns:a16="http://schemas.microsoft.com/office/drawing/2014/main" xmlns="" id="{3DE38EE2-09AC-E205-41B6-5F5C63C01203}"/>
+                <a16:creationId xmlns="" xmlns:a16="http://schemas.microsoft.com/office/drawing/2014/main" id="{3DE38EE2-09AC-E205-41B6-5F5C63C01203}"/>
               </a:ext>
             </a:extLst>
           </p:cNvPr>
@@ -12694,7 +12554,7 @@
           <p:cNvPr id="6" name="그림 5">
             <a:extLst>
               <a:ext uri="{FF2B5EF4-FFF2-40B4-BE49-F238E27FC236}">
-                <a16:creationId xmlns:a16="http://schemas.microsoft.com/office/drawing/2014/main" xmlns="" id="{4BA6F175-E58C-3DA6-9DB2-56B06E97AFD5}"/>
+                <a16:creationId xmlns="" xmlns:a16="http://schemas.microsoft.com/office/drawing/2014/main" id="{4BA6F175-E58C-3DA6-9DB2-56B06E97AFD5}"/>
               </a:ext>
             </a:extLst>
           </p:cNvPr>
@@ -12754,7 +12614,7 @@
           <p:cNvPr id="2" name="제목 1">
             <a:extLst>
               <a:ext uri="{FF2B5EF4-FFF2-40B4-BE49-F238E27FC236}">
-                <a16:creationId xmlns:a16="http://schemas.microsoft.com/office/drawing/2014/main" xmlns="" id="{2D7E6B8A-E1FD-472B-F033-346AC9F27163}"/>
+                <a16:creationId xmlns="" xmlns:a16="http://schemas.microsoft.com/office/drawing/2014/main" id="{2D7E6B8A-E1FD-472B-F033-346AC9F27163}"/>
               </a:ext>
             </a:extLst>
           </p:cNvPr>
@@ -12813,7 +12673,7 @@
           <p:cNvPr id="4" name="그림 3">
             <a:extLst>
               <a:ext uri="{FF2B5EF4-FFF2-40B4-BE49-F238E27FC236}">
-                <a16:creationId xmlns:a16="http://schemas.microsoft.com/office/drawing/2014/main" xmlns="" id="{5171661F-70CB-D89C-961E-CFE0DC619A63}"/>
+                <a16:creationId xmlns="" xmlns:a16="http://schemas.microsoft.com/office/drawing/2014/main" id="{5171661F-70CB-D89C-961E-CFE0DC619A63}"/>
               </a:ext>
             </a:extLst>
           </p:cNvPr>
@@ -12843,7 +12703,7 @@
           <p:cNvPr id="6" name="그림 5">
             <a:extLst>
               <a:ext uri="{FF2B5EF4-FFF2-40B4-BE49-F238E27FC236}">
-                <a16:creationId xmlns:a16="http://schemas.microsoft.com/office/drawing/2014/main" xmlns="" id="{FE3AE352-D2C3-71F9-7CF8-62A8CA1BD221}"/>
+                <a16:creationId xmlns="" xmlns:a16="http://schemas.microsoft.com/office/drawing/2014/main" id="{FE3AE352-D2C3-71F9-7CF8-62A8CA1BD221}"/>
               </a:ext>
             </a:extLst>
           </p:cNvPr>
@@ -12903,7 +12763,7 @@
           <p:cNvPr id="2" name="제목 1">
             <a:extLst>
               <a:ext uri="{FF2B5EF4-FFF2-40B4-BE49-F238E27FC236}">
-                <a16:creationId xmlns:a16="http://schemas.microsoft.com/office/drawing/2014/main" xmlns="" id="{2D7E6B8A-E1FD-472B-F033-346AC9F27163}"/>
+                <a16:creationId xmlns="" xmlns:a16="http://schemas.microsoft.com/office/drawing/2014/main" id="{2D7E6B8A-E1FD-472B-F033-346AC9F27163}"/>
               </a:ext>
             </a:extLst>
           </p:cNvPr>
@@ -12962,7 +12822,7 @@
           <p:cNvPr id="4" name="그림 3">
             <a:extLst>
               <a:ext uri="{FF2B5EF4-FFF2-40B4-BE49-F238E27FC236}">
-                <a16:creationId xmlns:a16="http://schemas.microsoft.com/office/drawing/2014/main" xmlns="" id="{7F452728-8AF9-A8AD-A55E-313F23AA7562}"/>
+                <a16:creationId xmlns="" xmlns:a16="http://schemas.microsoft.com/office/drawing/2014/main" id="{7F452728-8AF9-A8AD-A55E-313F23AA7562}"/>
               </a:ext>
             </a:extLst>
           </p:cNvPr>
@@ -12992,7 +12852,7 @@
           <p:cNvPr id="6" name="그림 5">
             <a:extLst>
               <a:ext uri="{FF2B5EF4-FFF2-40B4-BE49-F238E27FC236}">
-                <a16:creationId xmlns:a16="http://schemas.microsoft.com/office/drawing/2014/main" xmlns="" id="{817D0BF5-401C-CF1F-2EE9-0A403986420F}"/>
+                <a16:creationId xmlns="" xmlns:a16="http://schemas.microsoft.com/office/drawing/2014/main" id="{817D0BF5-401C-CF1F-2EE9-0A403986420F}"/>
               </a:ext>
             </a:extLst>
           </p:cNvPr>
@@ -13052,7 +12912,7 @@
           <p:cNvPr id="2" name="제목 1">
             <a:extLst>
               <a:ext uri="{FF2B5EF4-FFF2-40B4-BE49-F238E27FC236}">
-                <a16:creationId xmlns:a16="http://schemas.microsoft.com/office/drawing/2014/main" xmlns="" id="{2D7E6B8A-E1FD-472B-F033-346AC9F27163}"/>
+                <a16:creationId xmlns="" xmlns:a16="http://schemas.microsoft.com/office/drawing/2014/main" id="{2D7E6B8A-E1FD-472B-F033-346AC9F27163}"/>
               </a:ext>
             </a:extLst>
           </p:cNvPr>
@@ -13111,7 +12971,7 @@
           <p:cNvPr id="4" name="그림 3">
             <a:extLst>
               <a:ext uri="{FF2B5EF4-FFF2-40B4-BE49-F238E27FC236}">
-                <a16:creationId xmlns:a16="http://schemas.microsoft.com/office/drawing/2014/main" xmlns="" id="{6C8B28B7-0B48-DA29-A267-8ACD1986FB79}"/>
+                <a16:creationId xmlns="" xmlns:a16="http://schemas.microsoft.com/office/drawing/2014/main" id="{6C8B28B7-0B48-DA29-A267-8ACD1986FB79}"/>
               </a:ext>
             </a:extLst>
           </p:cNvPr>
@@ -13141,7 +13001,7 @@
           <p:cNvPr id="6" name="그림 5">
             <a:extLst>
               <a:ext uri="{FF2B5EF4-FFF2-40B4-BE49-F238E27FC236}">
-                <a16:creationId xmlns:a16="http://schemas.microsoft.com/office/drawing/2014/main" xmlns="" id="{2D4AE1EB-62E0-4A1C-7962-6843DB91EBD8}"/>
+                <a16:creationId xmlns="" xmlns:a16="http://schemas.microsoft.com/office/drawing/2014/main" id="{2D4AE1EB-62E0-4A1C-7962-6843DB91EBD8}"/>
               </a:ext>
             </a:extLst>
           </p:cNvPr>
@@ -13201,7 +13061,7 @@
           <p:cNvPr id="2" name="제목 1">
             <a:extLst>
               <a:ext uri="{FF2B5EF4-FFF2-40B4-BE49-F238E27FC236}">
-                <a16:creationId xmlns:a16="http://schemas.microsoft.com/office/drawing/2014/main" xmlns="" id="{2D7E6B8A-E1FD-472B-F033-346AC9F27163}"/>
+                <a16:creationId xmlns="" xmlns:a16="http://schemas.microsoft.com/office/drawing/2014/main" id="{2D7E6B8A-E1FD-472B-F033-346AC9F27163}"/>
               </a:ext>
             </a:extLst>
           </p:cNvPr>
@@ -13260,7 +13120,7 @@
           <p:cNvPr id="4" name="그림 3">
             <a:extLst>
               <a:ext uri="{FF2B5EF4-FFF2-40B4-BE49-F238E27FC236}">
-                <a16:creationId xmlns:a16="http://schemas.microsoft.com/office/drawing/2014/main" xmlns="" id="{4CD01AC0-B3E4-9A0C-B7C0-42B94F5D560F}"/>
+                <a16:creationId xmlns="" xmlns:a16="http://schemas.microsoft.com/office/drawing/2014/main" id="{4CD01AC0-B3E4-9A0C-B7C0-42B94F5D560F}"/>
               </a:ext>
             </a:extLst>
           </p:cNvPr>
@@ -13290,7 +13150,7 @@
           <p:cNvPr id="6" name="그림 5">
             <a:extLst>
               <a:ext uri="{FF2B5EF4-FFF2-40B4-BE49-F238E27FC236}">
-                <a16:creationId xmlns:a16="http://schemas.microsoft.com/office/drawing/2014/main" xmlns="" id="{7507F987-00A8-440F-317A-A90AF6FD2B49}"/>
+                <a16:creationId xmlns="" xmlns:a16="http://schemas.microsoft.com/office/drawing/2014/main" id="{7507F987-00A8-440F-317A-A90AF6FD2B49}"/>
               </a:ext>
             </a:extLst>
           </p:cNvPr>
@@ -13350,7 +13210,7 @@
           <p:cNvPr id="2" name="제목 1">
             <a:extLst>
               <a:ext uri="{FF2B5EF4-FFF2-40B4-BE49-F238E27FC236}">
-                <a16:creationId xmlns:a16="http://schemas.microsoft.com/office/drawing/2014/main" xmlns="" id="{2D7E6B8A-E1FD-472B-F033-346AC9F27163}"/>
+                <a16:creationId xmlns="" xmlns:a16="http://schemas.microsoft.com/office/drawing/2014/main" id="{2D7E6B8A-E1FD-472B-F033-346AC9F27163}"/>
               </a:ext>
             </a:extLst>
           </p:cNvPr>
@@ -13401,7 +13261,7 @@
           <p:cNvPr id="4" name="그림 3">
             <a:extLst>
               <a:ext uri="{FF2B5EF4-FFF2-40B4-BE49-F238E27FC236}">
-                <a16:creationId xmlns:a16="http://schemas.microsoft.com/office/drawing/2014/main" xmlns="" id="{26A4D218-905B-47E3-5BD1-2B27DDB3510E}"/>
+                <a16:creationId xmlns="" xmlns:a16="http://schemas.microsoft.com/office/drawing/2014/main" id="{26A4D218-905B-47E3-5BD1-2B27DDB3510E}"/>
               </a:ext>
             </a:extLst>
           </p:cNvPr>
@@ -13431,7 +13291,7 @@
           <p:cNvPr id="6" name="그림 5">
             <a:extLst>
               <a:ext uri="{FF2B5EF4-FFF2-40B4-BE49-F238E27FC236}">
-                <a16:creationId xmlns:a16="http://schemas.microsoft.com/office/drawing/2014/main" xmlns="" id="{383BD039-4381-73C1-84F0-ACC8E524D0B9}"/>
+                <a16:creationId xmlns="" xmlns:a16="http://schemas.microsoft.com/office/drawing/2014/main" id="{383BD039-4381-73C1-84F0-ACC8E524D0B9}"/>
               </a:ext>
             </a:extLst>
           </p:cNvPr>
@@ -13491,7 +13351,7 @@
           <p:cNvPr id="2" name="제목 1">
             <a:extLst>
               <a:ext uri="{FF2B5EF4-FFF2-40B4-BE49-F238E27FC236}">
-                <a16:creationId xmlns:a16="http://schemas.microsoft.com/office/drawing/2014/main" xmlns="" id="{2D7E6B8A-E1FD-472B-F033-346AC9F27163}"/>
+                <a16:creationId xmlns="" xmlns:a16="http://schemas.microsoft.com/office/drawing/2014/main" id="{2D7E6B8A-E1FD-472B-F033-346AC9F27163}"/>
               </a:ext>
             </a:extLst>
           </p:cNvPr>
@@ -13543,7 +13403,7 @@
           <p:cNvPr id="4" name="그림 3">
             <a:extLst>
               <a:ext uri="{FF2B5EF4-FFF2-40B4-BE49-F238E27FC236}">
-                <a16:creationId xmlns:a16="http://schemas.microsoft.com/office/drawing/2014/main" xmlns="" id="{140ADA9E-A8AA-A6A8-6A71-DED7C37EFBF2}"/>
+                <a16:creationId xmlns="" xmlns:a16="http://schemas.microsoft.com/office/drawing/2014/main" id="{140ADA9E-A8AA-A6A8-6A71-DED7C37EFBF2}"/>
               </a:ext>
             </a:extLst>
           </p:cNvPr>
@@ -13573,7 +13433,7 @@
           <p:cNvPr id="6" name="그림 5">
             <a:extLst>
               <a:ext uri="{FF2B5EF4-FFF2-40B4-BE49-F238E27FC236}">
-                <a16:creationId xmlns:a16="http://schemas.microsoft.com/office/drawing/2014/main" xmlns="" id="{0C2FC121-9001-D618-788C-A48EACD23570}"/>
+                <a16:creationId xmlns="" xmlns:a16="http://schemas.microsoft.com/office/drawing/2014/main" id="{0C2FC121-9001-D618-788C-A48EACD23570}"/>
               </a:ext>
             </a:extLst>
           </p:cNvPr>
@@ -13633,7 +13493,7 @@
           <p:cNvPr id="2" name="제목 1">
             <a:extLst>
               <a:ext uri="{FF2B5EF4-FFF2-40B4-BE49-F238E27FC236}">
-                <a16:creationId xmlns:a16="http://schemas.microsoft.com/office/drawing/2014/main" xmlns="" id="{2D7E6B8A-E1FD-472B-F033-346AC9F27163}"/>
+                <a16:creationId xmlns="" xmlns:a16="http://schemas.microsoft.com/office/drawing/2014/main" id="{2D7E6B8A-E1FD-472B-F033-346AC9F27163}"/>
               </a:ext>
             </a:extLst>
           </p:cNvPr>
@@ -13684,7 +13544,7 @@
           <p:cNvPr id="4" name="그림 3">
             <a:extLst>
               <a:ext uri="{FF2B5EF4-FFF2-40B4-BE49-F238E27FC236}">
-                <a16:creationId xmlns:a16="http://schemas.microsoft.com/office/drawing/2014/main" xmlns="" id="{045F14EA-E37E-57D1-E53C-3A7A0031B420}"/>
+                <a16:creationId xmlns="" xmlns:a16="http://schemas.microsoft.com/office/drawing/2014/main" id="{045F14EA-E37E-57D1-E53C-3A7A0031B420}"/>
               </a:ext>
             </a:extLst>
           </p:cNvPr>
@@ -13714,7 +13574,7 @@
           <p:cNvPr id="6" name="그림 5">
             <a:extLst>
               <a:ext uri="{FF2B5EF4-FFF2-40B4-BE49-F238E27FC236}">
-                <a16:creationId xmlns:a16="http://schemas.microsoft.com/office/drawing/2014/main" xmlns="" id="{1A51E1FC-E326-42DE-20E3-727CC465E4D3}"/>
+                <a16:creationId xmlns="" xmlns:a16="http://schemas.microsoft.com/office/drawing/2014/main" id="{1A51E1FC-E326-42DE-20E3-727CC465E4D3}"/>
               </a:ext>
             </a:extLst>
           </p:cNvPr>
@@ -13774,7 +13634,7 @@
           <p:cNvPr id="2" name="제목 1">
             <a:extLst>
               <a:ext uri="{FF2B5EF4-FFF2-40B4-BE49-F238E27FC236}">
-                <a16:creationId xmlns:a16="http://schemas.microsoft.com/office/drawing/2014/main" xmlns="" id="{2D7E6B8A-E1FD-472B-F033-346AC9F27163}"/>
+                <a16:creationId xmlns="" xmlns:a16="http://schemas.microsoft.com/office/drawing/2014/main" id="{2D7E6B8A-E1FD-472B-F033-346AC9F27163}"/>
               </a:ext>
             </a:extLst>
           </p:cNvPr>
@@ -13825,7 +13685,7 @@
           <p:cNvPr id="4" name="그림 3">
             <a:extLst>
               <a:ext uri="{FF2B5EF4-FFF2-40B4-BE49-F238E27FC236}">
-                <a16:creationId xmlns:a16="http://schemas.microsoft.com/office/drawing/2014/main" xmlns="" id="{1930330A-76D0-029F-B428-43DA6F0A9F91}"/>
+                <a16:creationId xmlns="" xmlns:a16="http://schemas.microsoft.com/office/drawing/2014/main" id="{1930330A-76D0-029F-B428-43DA6F0A9F91}"/>
               </a:ext>
             </a:extLst>
           </p:cNvPr>
@@ -13855,7 +13715,7 @@
           <p:cNvPr id="6" name="그림 5">
             <a:extLst>
               <a:ext uri="{FF2B5EF4-FFF2-40B4-BE49-F238E27FC236}">
-                <a16:creationId xmlns:a16="http://schemas.microsoft.com/office/drawing/2014/main" xmlns="" id="{F8F63517-76B3-8A7F-C4BE-277EBBB87133}"/>
+                <a16:creationId xmlns="" xmlns:a16="http://schemas.microsoft.com/office/drawing/2014/main" id="{F8F63517-76B3-8A7F-C4BE-277EBBB87133}"/>
               </a:ext>
             </a:extLst>
           </p:cNvPr>
@@ -13915,7 +13775,7 @@
           <p:cNvPr id="2" name="제목 1">
             <a:extLst>
               <a:ext uri="{FF2B5EF4-FFF2-40B4-BE49-F238E27FC236}">
-                <a16:creationId xmlns:a16="http://schemas.microsoft.com/office/drawing/2014/main" xmlns="" id="{2D7E6B8A-E1FD-472B-F033-346AC9F27163}"/>
+                <a16:creationId xmlns="" xmlns:a16="http://schemas.microsoft.com/office/drawing/2014/main" id="{2D7E6B8A-E1FD-472B-F033-346AC9F27163}"/>
               </a:ext>
             </a:extLst>
           </p:cNvPr>
@@ -13966,7 +13826,7 @@
           <p:cNvPr id="4" name="그림 3">
             <a:extLst>
               <a:ext uri="{FF2B5EF4-FFF2-40B4-BE49-F238E27FC236}">
-                <a16:creationId xmlns:a16="http://schemas.microsoft.com/office/drawing/2014/main" xmlns="" id="{9F7642E3-681F-447D-4712-633CFB9946DA}"/>
+                <a16:creationId xmlns="" xmlns:a16="http://schemas.microsoft.com/office/drawing/2014/main" id="{9F7642E3-681F-447D-4712-633CFB9946DA}"/>
               </a:ext>
             </a:extLst>
           </p:cNvPr>
@@ -13996,7 +13856,7 @@
           <p:cNvPr id="6" name="그림 5">
             <a:extLst>
               <a:ext uri="{FF2B5EF4-FFF2-40B4-BE49-F238E27FC236}">
-                <a16:creationId xmlns:a16="http://schemas.microsoft.com/office/drawing/2014/main" xmlns="" id="{93C80348-8F10-3364-D9E5-CB35DA0F5687}"/>
+                <a16:creationId xmlns="" xmlns:a16="http://schemas.microsoft.com/office/drawing/2014/main" id="{93C80348-8F10-3364-D9E5-CB35DA0F5687}"/>
               </a:ext>
             </a:extLst>
           </p:cNvPr>
@@ -14056,7 +13916,7 @@
           <p:cNvPr id="2" name="제목 1">
             <a:extLst>
               <a:ext uri="{FF2B5EF4-FFF2-40B4-BE49-F238E27FC236}">
-                <a16:creationId xmlns:a16="http://schemas.microsoft.com/office/drawing/2014/main" xmlns="" id="{2D7E6B8A-E1FD-472B-F033-346AC9F27163}"/>
+                <a16:creationId xmlns="" xmlns:a16="http://schemas.microsoft.com/office/drawing/2014/main" id="{2D7E6B8A-E1FD-472B-F033-346AC9F27163}"/>
               </a:ext>
             </a:extLst>
           </p:cNvPr>
@@ -14104,7 +13964,7 @@
           <p:cNvPr id="10" name="그림 9">
             <a:extLst>
               <a:ext uri="{FF2B5EF4-FFF2-40B4-BE49-F238E27FC236}">
-                <a16:creationId xmlns:a16="http://schemas.microsoft.com/office/drawing/2014/main" xmlns="" id="{6390907A-4205-8F1D-9802-1DF09438D8E0}"/>
+                <a16:creationId xmlns="" xmlns:a16="http://schemas.microsoft.com/office/drawing/2014/main" id="{6390907A-4205-8F1D-9802-1DF09438D8E0}"/>
               </a:ext>
             </a:extLst>
           </p:cNvPr>
@@ -14164,7 +14024,7 @@
           <p:cNvPr id="2" name="제목 1">
             <a:extLst>
               <a:ext uri="{FF2B5EF4-FFF2-40B4-BE49-F238E27FC236}">
-                <a16:creationId xmlns:a16="http://schemas.microsoft.com/office/drawing/2014/main" xmlns="" id="{2D7E6B8A-E1FD-472B-F033-346AC9F27163}"/>
+                <a16:creationId xmlns="" xmlns:a16="http://schemas.microsoft.com/office/drawing/2014/main" id="{2D7E6B8A-E1FD-472B-F033-346AC9F27163}"/>
               </a:ext>
             </a:extLst>
           </p:cNvPr>
@@ -14215,7 +14075,7 @@
           <p:cNvPr id="4" name="그림 3">
             <a:extLst>
               <a:ext uri="{FF2B5EF4-FFF2-40B4-BE49-F238E27FC236}">
-                <a16:creationId xmlns:a16="http://schemas.microsoft.com/office/drawing/2014/main" xmlns="" id="{1EC8A7B8-32F9-86E7-772B-508DCABCBFF5}"/>
+                <a16:creationId xmlns="" xmlns:a16="http://schemas.microsoft.com/office/drawing/2014/main" id="{1EC8A7B8-32F9-86E7-772B-508DCABCBFF5}"/>
               </a:ext>
             </a:extLst>
           </p:cNvPr>
@@ -14245,7 +14105,7 @@
           <p:cNvPr id="6" name="그림 5">
             <a:extLst>
               <a:ext uri="{FF2B5EF4-FFF2-40B4-BE49-F238E27FC236}">
-                <a16:creationId xmlns:a16="http://schemas.microsoft.com/office/drawing/2014/main" xmlns="" id="{0A48114D-E7EB-5C2F-C661-01EDA719A524}"/>
+                <a16:creationId xmlns="" xmlns:a16="http://schemas.microsoft.com/office/drawing/2014/main" id="{0A48114D-E7EB-5C2F-C661-01EDA719A524}"/>
               </a:ext>
             </a:extLst>
           </p:cNvPr>
@@ -14305,7 +14165,7 @@
           <p:cNvPr id="2" name="제목 1">
             <a:extLst>
               <a:ext uri="{FF2B5EF4-FFF2-40B4-BE49-F238E27FC236}">
-                <a16:creationId xmlns:a16="http://schemas.microsoft.com/office/drawing/2014/main" xmlns="" id="{2D7E6B8A-E1FD-472B-F033-346AC9F27163}"/>
+                <a16:creationId xmlns="" xmlns:a16="http://schemas.microsoft.com/office/drawing/2014/main" id="{2D7E6B8A-E1FD-472B-F033-346AC9F27163}"/>
               </a:ext>
             </a:extLst>
           </p:cNvPr>
@@ -14356,7 +14216,7 @@
           <p:cNvPr id="4" name="그림 3">
             <a:extLst>
               <a:ext uri="{FF2B5EF4-FFF2-40B4-BE49-F238E27FC236}">
-                <a16:creationId xmlns:a16="http://schemas.microsoft.com/office/drawing/2014/main" xmlns="" id="{CEBB6B00-A054-9351-C643-A93BA5A10EAA}"/>
+                <a16:creationId xmlns="" xmlns:a16="http://schemas.microsoft.com/office/drawing/2014/main" id="{CEBB6B00-A054-9351-C643-A93BA5A10EAA}"/>
               </a:ext>
             </a:extLst>
           </p:cNvPr>
@@ -14386,7 +14246,7 @@
           <p:cNvPr id="6" name="그림 5">
             <a:extLst>
               <a:ext uri="{FF2B5EF4-FFF2-40B4-BE49-F238E27FC236}">
-                <a16:creationId xmlns:a16="http://schemas.microsoft.com/office/drawing/2014/main" xmlns="" id="{D05F2453-F2E7-31A3-6A62-701EC7A759DA}"/>
+                <a16:creationId xmlns="" xmlns:a16="http://schemas.microsoft.com/office/drawing/2014/main" id="{D05F2453-F2E7-31A3-6A62-701EC7A759DA}"/>
               </a:ext>
             </a:extLst>
           </p:cNvPr>
@@ -14446,7 +14306,7 @@
           <p:cNvPr id="2" name="제목 1">
             <a:extLst>
               <a:ext uri="{FF2B5EF4-FFF2-40B4-BE49-F238E27FC236}">
-                <a16:creationId xmlns:a16="http://schemas.microsoft.com/office/drawing/2014/main" xmlns="" id="{2D7E6B8A-E1FD-472B-F033-346AC9F27163}"/>
+                <a16:creationId xmlns="" xmlns:a16="http://schemas.microsoft.com/office/drawing/2014/main" id="{2D7E6B8A-E1FD-472B-F033-346AC9F27163}"/>
               </a:ext>
             </a:extLst>
           </p:cNvPr>
@@ -14497,7 +14357,7 @@
           <p:cNvPr id="4" name="그림 3">
             <a:extLst>
               <a:ext uri="{FF2B5EF4-FFF2-40B4-BE49-F238E27FC236}">
-                <a16:creationId xmlns:a16="http://schemas.microsoft.com/office/drawing/2014/main" xmlns="" id="{44071F1B-A1B1-F716-9A26-45D64E3F8AAF}"/>
+                <a16:creationId xmlns="" xmlns:a16="http://schemas.microsoft.com/office/drawing/2014/main" id="{44071F1B-A1B1-F716-9A26-45D64E3F8AAF}"/>
               </a:ext>
             </a:extLst>
           </p:cNvPr>
@@ -14527,7 +14387,7 @@
           <p:cNvPr id="6" name="그림 5">
             <a:extLst>
               <a:ext uri="{FF2B5EF4-FFF2-40B4-BE49-F238E27FC236}">
-                <a16:creationId xmlns:a16="http://schemas.microsoft.com/office/drawing/2014/main" xmlns="" id="{8C0732FF-B977-424E-07CF-79E03247E747}"/>
+                <a16:creationId xmlns="" xmlns:a16="http://schemas.microsoft.com/office/drawing/2014/main" id="{8C0732FF-B977-424E-07CF-79E03247E747}"/>
               </a:ext>
             </a:extLst>
           </p:cNvPr>
@@ -14557,7 +14417,7 @@
           <p:cNvPr id="10" name="그림 9">
             <a:extLst>
               <a:ext uri="{FF2B5EF4-FFF2-40B4-BE49-F238E27FC236}">
-                <a16:creationId xmlns:a16="http://schemas.microsoft.com/office/drawing/2014/main" xmlns="" id="{93F8F8BC-6C64-A8A0-026E-5B7F597AB768}"/>
+                <a16:creationId xmlns="" xmlns:a16="http://schemas.microsoft.com/office/drawing/2014/main" id="{93F8F8BC-6C64-A8A0-026E-5B7F597AB768}"/>
               </a:ext>
             </a:extLst>
           </p:cNvPr>
@@ -14587,7 +14447,7 @@
           <p:cNvPr id="11" name="화살표: 원형 10">
             <a:extLst>
               <a:ext uri="{FF2B5EF4-FFF2-40B4-BE49-F238E27FC236}">
-                <a16:creationId xmlns:a16="http://schemas.microsoft.com/office/drawing/2014/main" xmlns="" id="{C0A2142C-AD38-9EB9-2341-F13CF3DA946F}"/>
+                <a16:creationId xmlns="" xmlns:a16="http://schemas.microsoft.com/office/drawing/2014/main" id="{C0A2142C-AD38-9EB9-2341-F13CF3DA946F}"/>
               </a:ext>
             </a:extLst>
           </p:cNvPr>
@@ -14637,7 +14497,7 @@
           <p:cNvPr id="12" name="화살표: 원형 11">
             <a:extLst>
               <a:ext uri="{FF2B5EF4-FFF2-40B4-BE49-F238E27FC236}">
-                <a16:creationId xmlns:a16="http://schemas.microsoft.com/office/drawing/2014/main" xmlns="" id="{5FCB679B-9FEF-81E7-1F4E-90DEC0461C7D}"/>
+                <a16:creationId xmlns="" xmlns:a16="http://schemas.microsoft.com/office/drawing/2014/main" id="{5FCB679B-9FEF-81E7-1F4E-90DEC0461C7D}"/>
               </a:ext>
             </a:extLst>
           </p:cNvPr>
@@ -14687,7 +14547,7 @@
           <p:cNvPr id="14" name="그림 13">
             <a:extLst>
               <a:ext uri="{FF2B5EF4-FFF2-40B4-BE49-F238E27FC236}">
-                <a16:creationId xmlns:a16="http://schemas.microsoft.com/office/drawing/2014/main" xmlns="" id="{06A642BB-96E6-612C-D66D-806353EC6786}"/>
+                <a16:creationId xmlns="" xmlns:a16="http://schemas.microsoft.com/office/drawing/2014/main" id="{06A642BB-96E6-612C-D66D-806353EC6786}"/>
               </a:ext>
             </a:extLst>
           </p:cNvPr>
@@ -14747,7 +14607,7 @@
           <p:cNvPr id="4" name="그림 3">
             <a:extLst>
               <a:ext uri="{FF2B5EF4-FFF2-40B4-BE49-F238E27FC236}">
-                <a16:creationId xmlns:a16="http://schemas.microsoft.com/office/drawing/2014/main" xmlns="" id="{B461FFAD-515E-5766-1C06-683866733321}"/>
+                <a16:creationId xmlns="" xmlns:a16="http://schemas.microsoft.com/office/drawing/2014/main" id="{B461FFAD-515E-5766-1C06-683866733321}"/>
               </a:ext>
             </a:extLst>
           </p:cNvPr>
@@ -14777,7 +14637,7 @@
           <p:cNvPr id="6" name="그림 5">
             <a:extLst>
               <a:ext uri="{FF2B5EF4-FFF2-40B4-BE49-F238E27FC236}">
-                <a16:creationId xmlns:a16="http://schemas.microsoft.com/office/drawing/2014/main" xmlns="" id="{BCDC6C58-8251-8F3A-4EF9-3AE8CFA4FDC5}"/>
+                <a16:creationId xmlns="" xmlns:a16="http://schemas.microsoft.com/office/drawing/2014/main" id="{BCDC6C58-8251-8F3A-4EF9-3AE8CFA4FDC5}"/>
               </a:ext>
             </a:extLst>
           </p:cNvPr>
@@ -14807,7 +14667,7 @@
           <p:cNvPr id="7" name="제목 1">
             <a:extLst>
               <a:ext uri="{FF2B5EF4-FFF2-40B4-BE49-F238E27FC236}">
-                <a16:creationId xmlns:a16="http://schemas.microsoft.com/office/drawing/2014/main" xmlns="" id="{822A203E-72A2-84BB-6AF9-A23387C481FF}"/>
+                <a16:creationId xmlns="" xmlns:a16="http://schemas.microsoft.com/office/drawing/2014/main" id="{822A203E-72A2-84BB-6AF9-A23387C481FF}"/>
               </a:ext>
             </a:extLst>
           </p:cNvPr>
@@ -14907,7 +14767,7 @@
           <p:cNvPr id="2" name="제목 1">
             <a:extLst>
               <a:ext uri="{FF2B5EF4-FFF2-40B4-BE49-F238E27FC236}">
-                <a16:creationId xmlns:a16="http://schemas.microsoft.com/office/drawing/2014/main" xmlns="" id="{2D7E6B8A-E1FD-472B-F033-346AC9F27163}"/>
+                <a16:creationId xmlns="" xmlns:a16="http://schemas.microsoft.com/office/drawing/2014/main" id="{2D7E6B8A-E1FD-472B-F033-346AC9F27163}"/>
               </a:ext>
             </a:extLst>
           </p:cNvPr>
@@ -14958,7 +14818,7 @@
           <p:cNvPr id="8" name="그림 7">
             <a:extLst>
               <a:ext uri="{FF2B5EF4-FFF2-40B4-BE49-F238E27FC236}">
-                <a16:creationId xmlns:a16="http://schemas.microsoft.com/office/drawing/2014/main" xmlns="" id="{722FFD6C-0EC4-B91B-D2B0-4529AD08B666}"/>
+                <a16:creationId xmlns="" xmlns:a16="http://schemas.microsoft.com/office/drawing/2014/main" id="{722FFD6C-0EC4-B91B-D2B0-4529AD08B666}"/>
               </a:ext>
             </a:extLst>
           </p:cNvPr>
@@ -15018,7 +14878,7 @@
           <p:cNvPr id="2" name="제목 1">
             <a:extLst>
               <a:ext uri="{FF2B5EF4-FFF2-40B4-BE49-F238E27FC236}">
-                <a16:creationId xmlns:a16="http://schemas.microsoft.com/office/drawing/2014/main" xmlns="" id="{2D7E6B8A-E1FD-472B-F033-346AC9F27163}"/>
+                <a16:creationId xmlns="" xmlns:a16="http://schemas.microsoft.com/office/drawing/2014/main" id="{2D7E6B8A-E1FD-472B-F033-346AC9F27163}"/>
               </a:ext>
             </a:extLst>
           </p:cNvPr>
@@ -15070,7 +14930,7 @@
           <p:cNvPr id="4" name="그림 3">
             <a:extLst>
               <a:ext uri="{FF2B5EF4-FFF2-40B4-BE49-F238E27FC236}">
-                <a16:creationId xmlns:a16="http://schemas.microsoft.com/office/drawing/2014/main" xmlns="" id="{533E4112-6A85-7AFA-3902-A2336C12D2D5}"/>
+                <a16:creationId xmlns="" xmlns:a16="http://schemas.microsoft.com/office/drawing/2014/main" id="{533E4112-6A85-7AFA-3902-A2336C12D2D5}"/>
               </a:ext>
             </a:extLst>
           </p:cNvPr>
@@ -15100,7 +14960,7 @@
           <p:cNvPr id="6" name="그림 5">
             <a:extLst>
               <a:ext uri="{FF2B5EF4-FFF2-40B4-BE49-F238E27FC236}">
-                <a16:creationId xmlns:a16="http://schemas.microsoft.com/office/drawing/2014/main" xmlns="" id="{3628BA34-FB64-C5E1-5030-05A21770CDC3}"/>
+                <a16:creationId xmlns="" xmlns:a16="http://schemas.microsoft.com/office/drawing/2014/main" id="{3628BA34-FB64-C5E1-5030-05A21770CDC3}"/>
               </a:ext>
             </a:extLst>
           </p:cNvPr>
@@ -15160,7 +15020,7 @@
           <p:cNvPr id="2" name="제목 1">
             <a:extLst>
               <a:ext uri="{FF2B5EF4-FFF2-40B4-BE49-F238E27FC236}">
-                <a16:creationId xmlns:a16="http://schemas.microsoft.com/office/drawing/2014/main" xmlns="" id="{2D7E6B8A-E1FD-472B-F033-346AC9F27163}"/>
+                <a16:creationId xmlns="" xmlns:a16="http://schemas.microsoft.com/office/drawing/2014/main" id="{2D7E6B8A-E1FD-472B-F033-346AC9F27163}"/>
               </a:ext>
             </a:extLst>
           </p:cNvPr>
@@ -15211,7 +15071,7 @@
           <p:cNvPr id="4" name="그림 3">
             <a:extLst>
               <a:ext uri="{FF2B5EF4-FFF2-40B4-BE49-F238E27FC236}">
-                <a16:creationId xmlns:a16="http://schemas.microsoft.com/office/drawing/2014/main" xmlns="" id="{7B00810A-1C11-D36D-B119-B4C9C36D675A}"/>
+                <a16:creationId xmlns="" xmlns:a16="http://schemas.microsoft.com/office/drawing/2014/main" id="{7B00810A-1C11-D36D-B119-B4C9C36D675A}"/>
               </a:ext>
             </a:extLst>
           </p:cNvPr>
@@ -15241,7 +15101,7 @@
           <p:cNvPr id="6" name="그림 5">
             <a:extLst>
               <a:ext uri="{FF2B5EF4-FFF2-40B4-BE49-F238E27FC236}">
-                <a16:creationId xmlns:a16="http://schemas.microsoft.com/office/drawing/2014/main" xmlns="" id="{372300A9-6122-3467-1BF2-B810F6743A40}"/>
+                <a16:creationId xmlns="" xmlns:a16="http://schemas.microsoft.com/office/drawing/2014/main" id="{372300A9-6122-3467-1BF2-B810F6743A40}"/>
               </a:ext>
             </a:extLst>
           </p:cNvPr>
@@ -15301,7 +15161,7 @@
           <p:cNvPr id="2" name="제목 1">
             <a:extLst>
               <a:ext uri="{FF2B5EF4-FFF2-40B4-BE49-F238E27FC236}">
-                <a16:creationId xmlns:a16="http://schemas.microsoft.com/office/drawing/2014/main" xmlns="" id="{2D7E6B8A-E1FD-472B-F033-346AC9F27163}"/>
+                <a16:creationId xmlns="" xmlns:a16="http://schemas.microsoft.com/office/drawing/2014/main" id="{2D7E6B8A-E1FD-472B-F033-346AC9F27163}"/>
               </a:ext>
             </a:extLst>
           </p:cNvPr>
@@ -15352,7 +15212,7 @@
           <p:cNvPr id="4" name="그림 3">
             <a:extLst>
               <a:ext uri="{FF2B5EF4-FFF2-40B4-BE49-F238E27FC236}">
-                <a16:creationId xmlns:a16="http://schemas.microsoft.com/office/drawing/2014/main" xmlns="" id="{BA8586A8-6EB3-99C6-3BF3-8E31F0D070BA}"/>
+                <a16:creationId xmlns="" xmlns:a16="http://schemas.microsoft.com/office/drawing/2014/main" id="{BA8586A8-6EB3-99C6-3BF3-8E31F0D070BA}"/>
               </a:ext>
             </a:extLst>
           </p:cNvPr>
@@ -15382,7 +15242,7 @@
           <p:cNvPr id="6" name="그림 5">
             <a:extLst>
               <a:ext uri="{FF2B5EF4-FFF2-40B4-BE49-F238E27FC236}">
-                <a16:creationId xmlns:a16="http://schemas.microsoft.com/office/drawing/2014/main" xmlns="" id="{6019ECA8-B52B-215C-6271-431B4314B2E5}"/>
+                <a16:creationId xmlns="" xmlns:a16="http://schemas.microsoft.com/office/drawing/2014/main" id="{6019ECA8-B52B-215C-6271-431B4314B2E5}"/>
               </a:ext>
             </a:extLst>
           </p:cNvPr>
@@ -15442,7 +15302,7 @@
           <p:cNvPr id="2" name="제목 1">
             <a:extLst>
               <a:ext uri="{FF2B5EF4-FFF2-40B4-BE49-F238E27FC236}">
-                <a16:creationId xmlns:a16="http://schemas.microsoft.com/office/drawing/2014/main" xmlns="" id="{2D7E6B8A-E1FD-472B-F033-346AC9F27163}"/>
+                <a16:creationId xmlns="" xmlns:a16="http://schemas.microsoft.com/office/drawing/2014/main" id="{2D7E6B8A-E1FD-472B-F033-346AC9F27163}"/>
               </a:ext>
             </a:extLst>
           </p:cNvPr>
@@ -15493,7 +15353,7 @@
           <p:cNvPr id="3" name="그림 2">
             <a:extLst>
               <a:ext uri="{FF2B5EF4-FFF2-40B4-BE49-F238E27FC236}">
-                <a16:creationId xmlns:a16="http://schemas.microsoft.com/office/drawing/2014/main" xmlns="" id="{5E8056CF-B27F-086F-F470-82C9D69A4FF7}"/>
+                <a16:creationId xmlns="" xmlns:a16="http://schemas.microsoft.com/office/drawing/2014/main" id="{5E8056CF-B27F-086F-F470-82C9D69A4FF7}"/>
               </a:ext>
             </a:extLst>
           </p:cNvPr>
@@ -15523,7 +15383,7 @@
           <p:cNvPr id="5" name="그림 4">
             <a:extLst>
               <a:ext uri="{FF2B5EF4-FFF2-40B4-BE49-F238E27FC236}">
-                <a16:creationId xmlns:a16="http://schemas.microsoft.com/office/drawing/2014/main" xmlns="" id="{427064EB-EBAD-DD09-182D-3D5126CF7131}"/>
+                <a16:creationId xmlns="" xmlns:a16="http://schemas.microsoft.com/office/drawing/2014/main" id="{427064EB-EBAD-DD09-182D-3D5126CF7131}"/>
               </a:ext>
             </a:extLst>
           </p:cNvPr>
@@ -15583,7 +15443,7 @@
           <p:cNvPr id="2" name="제목 1">
             <a:extLst>
               <a:ext uri="{FF2B5EF4-FFF2-40B4-BE49-F238E27FC236}">
-                <a16:creationId xmlns:a16="http://schemas.microsoft.com/office/drawing/2014/main" xmlns="" id="{2D7E6B8A-E1FD-472B-F033-346AC9F27163}"/>
+                <a16:creationId xmlns="" xmlns:a16="http://schemas.microsoft.com/office/drawing/2014/main" id="{2D7E6B8A-E1FD-472B-F033-346AC9F27163}"/>
               </a:ext>
             </a:extLst>
           </p:cNvPr>
@@ -15639,7 +15499,7 @@
           <p:cNvPr id="4" name="그림 3">
             <a:extLst>
               <a:ext uri="{FF2B5EF4-FFF2-40B4-BE49-F238E27FC236}">
-                <a16:creationId xmlns:a16="http://schemas.microsoft.com/office/drawing/2014/main" xmlns="" id="{8FE3F2B6-6623-3622-7FAE-183A798187E7}"/>
+                <a16:creationId xmlns="" xmlns:a16="http://schemas.microsoft.com/office/drawing/2014/main" id="{8FE3F2B6-6623-3622-7FAE-183A798187E7}"/>
               </a:ext>
             </a:extLst>
           </p:cNvPr>
@@ -15699,7 +15559,7 @@
           <p:cNvPr id="2" name="제목 1">
             <a:extLst>
               <a:ext uri="{FF2B5EF4-FFF2-40B4-BE49-F238E27FC236}">
-                <a16:creationId xmlns:a16="http://schemas.microsoft.com/office/drawing/2014/main" xmlns="" id="{2D7E6B8A-E1FD-472B-F033-346AC9F27163}"/>
+                <a16:creationId xmlns="" xmlns:a16="http://schemas.microsoft.com/office/drawing/2014/main" id="{2D7E6B8A-E1FD-472B-F033-346AC9F27163}"/>
               </a:ext>
             </a:extLst>
           </p:cNvPr>
@@ -15747,7 +15607,7 @@
           <p:cNvPr id="4" name="그림 3">
             <a:extLst>
               <a:ext uri="{FF2B5EF4-FFF2-40B4-BE49-F238E27FC236}">
-                <a16:creationId xmlns:a16="http://schemas.microsoft.com/office/drawing/2014/main" xmlns="" id="{EFC70B58-90AF-F77E-5850-7E2D9E5F1D55}"/>
+                <a16:creationId xmlns="" xmlns:a16="http://schemas.microsoft.com/office/drawing/2014/main" id="{EFC70B58-90AF-F77E-5850-7E2D9E5F1D55}"/>
               </a:ext>
             </a:extLst>
           </p:cNvPr>
@@ -15777,7 +15637,7 @@
           <p:cNvPr id="8" name="그림 7">
             <a:extLst>
               <a:ext uri="{FF2B5EF4-FFF2-40B4-BE49-F238E27FC236}">
-                <a16:creationId xmlns:a16="http://schemas.microsoft.com/office/drawing/2014/main" xmlns="" id="{5EF70D59-D6A3-814E-B9A5-D1FAFC59B821}"/>
+                <a16:creationId xmlns="" xmlns:a16="http://schemas.microsoft.com/office/drawing/2014/main" id="{5EF70D59-D6A3-814E-B9A5-D1FAFC59B821}"/>
               </a:ext>
             </a:extLst>
           </p:cNvPr>
@@ -15807,7 +15667,7 @@
           <p:cNvPr id="11" name="그림 10">
             <a:extLst>
               <a:ext uri="{FF2B5EF4-FFF2-40B4-BE49-F238E27FC236}">
-                <a16:creationId xmlns:a16="http://schemas.microsoft.com/office/drawing/2014/main" xmlns="" id="{612B2F96-7CFD-A3FD-6547-89592ADC2BC1}"/>
+                <a16:creationId xmlns="" xmlns:a16="http://schemas.microsoft.com/office/drawing/2014/main" id="{612B2F96-7CFD-A3FD-6547-89592ADC2BC1}"/>
               </a:ext>
             </a:extLst>
           </p:cNvPr>
@@ -15837,7 +15697,7 @@
           <p:cNvPr id="13" name="그림 12">
             <a:extLst>
               <a:ext uri="{FF2B5EF4-FFF2-40B4-BE49-F238E27FC236}">
-                <a16:creationId xmlns:a16="http://schemas.microsoft.com/office/drawing/2014/main" xmlns="" id="{F2BE4988-E0F0-9FB8-05D2-8E0E183891CF}"/>
+                <a16:creationId xmlns="" xmlns:a16="http://schemas.microsoft.com/office/drawing/2014/main" id="{F2BE4988-E0F0-9FB8-05D2-8E0E183891CF}"/>
               </a:ext>
             </a:extLst>
           </p:cNvPr>
@@ -15867,7 +15727,7 @@
           <p:cNvPr id="15" name="화살표: 원형 14">
             <a:extLst>
               <a:ext uri="{FF2B5EF4-FFF2-40B4-BE49-F238E27FC236}">
-                <a16:creationId xmlns:a16="http://schemas.microsoft.com/office/drawing/2014/main" xmlns="" id="{ACC9484C-9BBA-A985-1E63-BC2206AE7BA3}"/>
+                <a16:creationId xmlns="" xmlns:a16="http://schemas.microsoft.com/office/drawing/2014/main" id="{ACC9484C-9BBA-A985-1E63-BC2206AE7BA3}"/>
               </a:ext>
             </a:extLst>
           </p:cNvPr>
@@ -15917,7 +15777,7 @@
           <p:cNvPr id="16" name="화살표: 원형 15">
             <a:extLst>
               <a:ext uri="{FF2B5EF4-FFF2-40B4-BE49-F238E27FC236}">
-                <a16:creationId xmlns:a16="http://schemas.microsoft.com/office/drawing/2014/main" xmlns="" id="{E561D80B-5020-2D59-0E58-E36D42CEBF76}"/>
+                <a16:creationId xmlns="" xmlns:a16="http://schemas.microsoft.com/office/drawing/2014/main" id="{E561D80B-5020-2D59-0E58-E36D42CEBF76}"/>
               </a:ext>
             </a:extLst>
           </p:cNvPr>
@@ -15997,7 +15857,7 @@
           <p:cNvPr id="2" name="제목 1">
             <a:extLst>
               <a:ext uri="{FF2B5EF4-FFF2-40B4-BE49-F238E27FC236}">
-                <a16:creationId xmlns:a16="http://schemas.microsoft.com/office/drawing/2014/main" xmlns="" id="{2D7E6B8A-E1FD-472B-F033-346AC9F27163}"/>
+                <a16:creationId xmlns="" xmlns:a16="http://schemas.microsoft.com/office/drawing/2014/main" id="{2D7E6B8A-E1FD-472B-F033-346AC9F27163}"/>
               </a:ext>
             </a:extLst>
           </p:cNvPr>
@@ -16053,7 +15913,7 @@
           <p:cNvPr id="4" name="그림 3">
             <a:extLst>
               <a:ext uri="{FF2B5EF4-FFF2-40B4-BE49-F238E27FC236}">
-                <a16:creationId xmlns:a16="http://schemas.microsoft.com/office/drawing/2014/main" xmlns="" id="{AD2AB394-CA8A-8B98-11C4-64149A567242}"/>
+                <a16:creationId xmlns="" xmlns:a16="http://schemas.microsoft.com/office/drawing/2014/main" id="{AD2AB394-CA8A-8B98-11C4-64149A567242}"/>
               </a:ext>
             </a:extLst>
           </p:cNvPr>
@@ -16083,7 +15943,7 @@
           <p:cNvPr id="6" name="그림 5">
             <a:extLst>
               <a:ext uri="{FF2B5EF4-FFF2-40B4-BE49-F238E27FC236}">
-                <a16:creationId xmlns:a16="http://schemas.microsoft.com/office/drawing/2014/main" xmlns="" id="{D083D658-C6B2-F792-F2B9-BAF9421BE2F3}"/>
+                <a16:creationId xmlns="" xmlns:a16="http://schemas.microsoft.com/office/drawing/2014/main" id="{D083D658-C6B2-F792-F2B9-BAF9421BE2F3}"/>
               </a:ext>
             </a:extLst>
           </p:cNvPr>
@@ -16143,7 +16003,7 @@
           <p:cNvPr id="2" name="제목 1">
             <a:extLst>
               <a:ext uri="{FF2B5EF4-FFF2-40B4-BE49-F238E27FC236}">
-                <a16:creationId xmlns:a16="http://schemas.microsoft.com/office/drawing/2014/main" xmlns="" id="{2D7E6B8A-E1FD-472B-F033-346AC9F27163}"/>
+                <a16:creationId xmlns="" xmlns:a16="http://schemas.microsoft.com/office/drawing/2014/main" id="{2D7E6B8A-E1FD-472B-F033-346AC9F27163}"/>
               </a:ext>
             </a:extLst>
           </p:cNvPr>
@@ -16199,7 +16059,7 @@
           <p:cNvPr id="4" name="그림 3">
             <a:extLst>
               <a:ext uri="{FF2B5EF4-FFF2-40B4-BE49-F238E27FC236}">
-                <a16:creationId xmlns:a16="http://schemas.microsoft.com/office/drawing/2014/main" xmlns="" id="{94B0DF6C-E0B7-BA67-EFCB-FE03B4B79F25}"/>
+                <a16:creationId xmlns="" xmlns:a16="http://schemas.microsoft.com/office/drawing/2014/main" id="{94B0DF6C-E0B7-BA67-EFCB-FE03B4B79F25}"/>
               </a:ext>
             </a:extLst>
           </p:cNvPr>
@@ -16229,7 +16089,7 @@
           <p:cNvPr id="6" name="그림 5">
             <a:extLst>
               <a:ext uri="{FF2B5EF4-FFF2-40B4-BE49-F238E27FC236}">
-                <a16:creationId xmlns:a16="http://schemas.microsoft.com/office/drawing/2014/main" xmlns="" id="{300B6211-8F51-1153-1505-364DA68F7D8A}"/>
+                <a16:creationId xmlns="" xmlns:a16="http://schemas.microsoft.com/office/drawing/2014/main" id="{300B6211-8F51-1153-1505-364DA68F7D8A}"/>
               </a:ext>
             </a:extLst>
           </p:cNvPr>
@@ -16289,7 +16149,7 @@
           <p:cNvPr id="2" name="제목 1">
             <a:extLst>
               <a:ext uri="{FF2B5EF4-FFF2-40B4-BE49-F238E27FC236}">
-                <a16:creationId xmlns:a16="http://schemas.microsoft.com/office/drawing/2014/main" xmlns="" id="{2D7E6B8A-E1FD-472B-F033-346AC9F27163}"/>
+                <a16:creationId xmlns="" xmlns:a16="http://schemas.microsoft.com/office/drawing/2014/main" id="{2D7E6B8A-E1FD-472B-F033-346AC9F27163}"/>
               </a:ext>
             </a:extLst>
           </p:cNvPr>
@@ -16345,7 +16205,7 @@
           <p:cNvPr id="4" name="그림 3">
             <a:extLst>
               <a:ext uri="{FF2B5EF4-FFF2-40B4-BE49-F238E27FC236}">
-                <a16:creationId xmlns:a16="http://schemas.microsoft.com/office/drawing/2014/main" xmlns="" id="{F4365715-1244-5345-BCD5-789D5433A62A}"/>
+                <a16:creationId xmlns="" xmlns:a16="http://schemas.microsoft.com/office/drawing/2014/main" id="{F4365715-1244-5345-BCD5-789D5433A62A}"/>
               </a:ext>
             </a:extLst>
           </p:cNvPr>
@@ -16375,7 +16235,7 @@
           <p:cNvPr id="6" name="그림 5">
             <a:extLst>
               <a:ext uri="{FF2B5EF4-FFF2-40B4-BE49-F238E27FC236}">
-                <a16:creationId xmlns:a16="http://schemas.microsoft.com/office/drawing/2014/main" xmlns="" id="{5FD1F6D8-ED0C-07D7-2922-088869235F8A}"/>
+                <a16:creationId xmlns="" xmlns:a16="http://schemas.microsoft.com/office/drawing/2014/main" id="{5FD1F6D8-ED0C-07D7-2922-088869235F8A}"/>
               </a:ext>
             </a:extLst>
           </p:cNvPr>
@@ -16435,7 +16295,7 @@
           <p:cNvPr id="2" name="제목 1">
             <a:extLst>
               <a:ext uri="{FF2B5EF4-FFF2-40B4-BE49-F238E27FC236}">
-                <a16:creationId xmlns:a16="http://schemas.microsoft.com/office/drawing/2014/main" xmlns="" id="{2D7E6B8A-E1FD-472B-F033-346AC9F27163}"/>
+                <a16:creationId xmlns="" xmlns:a16="http://schemas.microsoft.com/office/drawing/2014/main" id="{2D7E6B8A-E1FD-472B-F033-346AC9F27163}"/>
               </a:ext>
             </a:extLst>
           </p:cNvPr>
@@ -16502,7 +16362,7 @@
           <p:cNvPr id="4" name="그림 3">
             <a:extLst>
               <a:ext uri="{FF2B5EF4-FFF2-40B4-BE49-F238E27FC236}">
-                <a16:creationId xmlns:a16="http://schemas.microsoft.com/office/drawing/2014/main" xmlns="" id="{5DBA3E4A-5123-1F0E-5426-02B6239DC928}"/>
+                <a16:creationId xmlns="" xmlns:a16="http://schemas.microsoft.com/office/drawing/2014/main" id="{5DBA3E4A-5123-1F0E-5426-02B6239DC928}"/>
               </a:ext>
             </a:extLst>
           </p:cNvPr>
@@ -16532,7 +16392,7 @@
           <p:cNvPr id="6" name="그림 5">
             <a:extLst>
               <a:ext uri="{FF2B5EF4-FFF2-40B4-BE49-F238E27FC236}">
-                <a16:creationId xmlns:a16="http://schemas.microsoft.com/office/drawing/2014/main" xmlns="" id="{C2BC9B10-24F9-2891-9332-77DA88F9B8C0}"/>
+                <a16:creationId xmlns="" xmlns:a16="http://schemas.microsoft.com/office/drawing/2014/main" id="{C2BC9B10-24F9-2891-9332-77DA88F9B8C0}"/>
               </a:ext>
             </a:extLst>
           </p:cNvPr>
@@ -16592,7 +16452,7 @@
           <p:cNvPr id="2" name="제목 1">
             <a:extLst>
               <a:ext uri="{FF2B5EF4-FFF2-40B4-BE49-F238E27FC236}">
-                <a16:creationId xmlns:a16="http://schemas.microsoft.com/office/drawing/2014/main" xmlns="" id="{2D7E6B8A-E1FD-472B-F033-346AC9F27163}"/>
+                <a16:creationId xmlns="" xmlns:a16="http://schemas.microsoft.com/office/drawing/2014/main" id="{2D7E6B8A-E1FD-472B-F033-346AC9F27163}"/>
               </a:ext>
             </a:extLst>
           </p:cNvPr>
@@ -16660,7 +16520,7 @@
           <p:cNvPr id="4" name="그림 3">
             <a:extLst>
               <a:ext uri="{FF2B5EF4-FFF2-40B4-BE49-F238E27FC236}">
-                <a16:creationId xmlns:a16="http://schemas.microsoft.com/office/drawing/2014/main" xmlns="" id="{9CEF1CE1-EFC5-B730-3CFB-2A98C1879DA6}"/>
+                <a16:creationId xmlns="" xmlns:a16="http://schemas.microsoft.com/office/drawing/2014/main" id="{9CEF1CE1-EFC5-B730-3CFB-2A98C1879DA6}"/>
               </a:ext>
             </a:extLst>
           </p:cNvPr>
@@ -16720,7 +16580,7 @@
           <p:cNvPr id="2" name="제목 1">
             <a:extLst>
               <a:ext uri="{FF2B5EF4-FFF2-40B4-BE49-F238E27FC236}">
-                <a16:creationId xmlns:a16="http://schemas.microsoft.com/office/drawing/2014/main" xmlns="" id="{2D7E6B8A-E1FD-472B-F033-346AC9F27163}"/>
+                <a16:creationId xmlns="" xmlns:a16="http://schemas.microsoft.com/office/drawing/2014/main" id="{2D7E6B8A-E1FD-472B-F033-346AC9F27163}"/>
               </a:ext>
             </a:extLst>
           </p:cNvPr>
@@ -16791,7 +16651,7 @@
           <p:cNvPr id="4" name="그림 3">
             <a:extLst>
               <a:ext uri="{FF2B5EF4-FFF2-40B4-BE49-F238E27FC236}">
-                <a16:creationId xmlns:a16="http://schemas.microsoft.com/office/drawing/2014/main" xmlns="" id="{B4B1A9BE-3C7C-547F-3FEA-0847F34B171F}"/>
+                <a16:creationId xmlns="" xmlns:a16="http://schemas.microsoft.com/office/drawing/2014/main" id="{B4B1A9BE-3C7C-547F-3FEA-0847F34B171F}"/>
               </a:ext>
             </a:extLst>
           </p:cNvPr>
@@ -16821,7 +16681,7 @@
           <p:cNvPr id="8" name="그림 7">
             <a:extLst>
               <a:ext uri="{FF2B5EF4-FFF2-40B4-BE49-F238E27FC236}">
-                <a16:creationId xmlns:a16="http://schemas.microsoft.com/office/drawing/2014/main" xmlns="" id="{0F52C295-3DB1-C002-4C11-D538F3FFA8E1}"/>
+                <a16:creationId xmlns="" xmlns:a16="http://schemas.microsoft.com/office/drawing/2014/main" id="{0F52C295-3DB1-C002-4C11-D538F3FFA8E1}"/>
               </a:ext>
             </a:extLst>
           </p:cNvPr>
@@ -16851,7 +16711,7 @@
           <p:cNvPr id="9" name="TextBox 8">
             <a:extLst>
               <a:ext uri="{FF2B5EF4-FFF2-40B4-BE49-F238E27FC236}">
-                <a16:creationId xmlns:a16="http://schemas.microsoft.com/office/drawing/2014/main" xmlns="" id="{E047B314-46A2-E88B-53E1-791F5C216A6D}"/>
+                <a16:creationId xmlns="" xmlns:a16="http://schemas.microsoft.com/office/drawing/2014/main" id="{E047B314-46A2-E88B-53E1-791F5C216A6D}"/>
               </a:ext>
             </a:extLst>
           </p:cNvPr>
@@ -16902,7 +16762,7 @@
           <p:cNvPr id="11" name="그림 10">
             <a:extLst>
               <a:ext uri="{FF2B5EF4-FFF2-40B4-BE49-F238E27FC236}">
-                <a16:creationId xmlns:a16="http://schemas.microsoft.com/office/drawing/2014/main" xmlns="" id="{7E5348C4-3372-18B9-1615-4538E9EF8593}"/>
+                <a16:creationId xmlns="" xmlns:a16="http://schemas.microsoft.com/office/drawing/2014/main" id="{7E5348C4-3372-18B9-1615-4538E9EF8593}"/>
               </a:ext>
             </a:extLst>
           </p:cNvPr>
@@ -16932,7 +16792,7 @@
           <p:cNvPr id="13" name="그림 12">
             <a:extLst>
               <a:ext uri="{FF2B5EF4-FFF2-40B4-BE49-F238E27FC236}">
-                <a16:creationId xmlns:a16="http://schemas.microsoft.com/office/drawing/2014/main" xmlns="" id="{2A92EDDC-6EF0-AFB0-6418-D4E19EDFDD53}"/>
+                <a16:creationId xmlns="" xmlns:a16="http://schemas.microsoft.com/office/drawing/2014/main" id="{2A92EDDC-6EF0-AFB0-6418-D4E19EDFDD53}"/>
               </a:ext>
             </a:extLst>
           </p:cNvPr>
@@ -16962,7 +16822,7 @@
           <p:cNvPr id="14" name="TextBox 13">
             <a:extLst>
               <a:ext uri="{FF2B5EF4-FFF2-40B4-BE49-F238E27FC236}">
-                <a16:creationId xmlns:a16="http://schemas.microsoft.com/office/drawing/2014/main" xmlns="" id="{59D5BF2B-80A8-84A1-8930-6253C66FFA4D}"/>
+                <a16:creationId xmlns="" xmlns:a16="http://schemas.microsoft.com/office/drawing/2014/main" id="{59D5BF2B-80A8-84A1-8930-6253C66FFA4D}"/>
               </a:ext>
             </a:extLst>
           </p:cNvPr>
@@ -17013,7 +16873,7 @@
           <p:cNvPr id="16" name="그림 15">
             <a:extLst>
               <a:ext uri="{FF2B5EF4-FFF2-40B4-BE49-F238E27FC236}">
-                <a16:creationId xmlns:a16="http://schemas.microsoft.com/office/drawing/2014/main" xmlns="" id="{C276F4AF-AC44-6534-E75F-15C21ADFF3D6}"/>
+                <a16:creationId xmlns="" xmlns:a16="http://schemas.microsoft.com/office/drawing/2014/main" id="{C276F4AF-AC44-6534-E75F-15C21ADFF3D6}"/>
               </a:ext>
             </a:extLst>
           </p:cNvPr>
@@ -17043,7 +16903,7 @@
           <p:cNvPr id="18" name="그림 17">
             <a:extLst>
               <a:ext uri="{FF2B5EF4-FFF2-40B4-BE49-F238E27FC236}">
-                <a16:creationId xmlns:a16="http://schemas.microsoft.com/office/drawing/2014/main" xmlns="" id="{AD13BB01-8A4D-3D6E-3AA6-99CCBD122DC9}"/>
+                <a16:creationId xmlns="" xmlns:a16="http://schemas.microsoft.com/office/drawing/2014/main" id="{AD13BB01-8A4D-3D6E-3AA6-99CCBD122DC9}"/>
               </a:ext>
             </a:extLst>
           </p:cNvPr>
@@ -17073,7 +16933,7 @@
           <p:cNvPr id="19" name="TextBox 18">
             <a:extLst>
               <a:ext uri="{FF2B5EF4-FFF2-40B4-BE49-F238E27FC236}">
-                <a16:creationId xmlns:a16="http://schemas.microsoft.com/office/drawing/2014/main" xmlns="" id="{9D280FA1-036B-B447-5131-2802FE7BC4E1}"/>
+                <a16:creationId xmlns="" xmlns:a16="http://schemas.microsoft.com/office/drawing/2014/main" id="{9D280FA1-036B-B447-5131-2802FE7BC4E1}"/>
               </a:ext>
             </a:extLst>
           </p:cNvPr>
@@ -17124,7 +16984,7 @@
           <p:cNvPr id="21" name="그림 20">
             <a:extLst>
               <a:ext uri="{FF2B5EF4-FFF2-40B4-BE49-F238E27FC236}">
-                <a16:creationId xmlns:a16="http://schemas.microsoft.com/office/drawing/2014/main" xmlns="" id="{2A34E20E-55B7-2431-9FA6-7E4E571F364C}"/>
+                <a16:creationId xmlns="" xmlns:a16="http://schemas.microsoft.com/office/drawing/2014/main" id="{2A34E20E-55B7-2431-9FA6-7E4E571F364C}"/>
               </a:ext>
             </a:extLst>
           </p:cNvPr>
@@ -17154,7 +17014,7 @@
           <p:cNvPr id="23" name="그림 22">
             <a:extLst>
               <a:ext uri="{FF2B5EF4-FFF2-40B4-BE49-F238E27FC236}">
-                <a16:creationId xmlns:a16="http://schemas.microsoft.com/office/drawing/2014/main" xmlns="" id="{CB04AFCF-9BC5-3548-4087-59E2167D9B50}"/>
+                <a16:creationId xmlns="" xmlns:a16="http://schemas.microsoft.com/office/drawing/2014/main" id="{CB04AFCF-9BC5-3548-4087-59E2167D9B50}"/>
               </a:ext>
             </a:extLst>
           </p:cNvPr>
@@ -17184,7 +17044,7 @@
           <p:cNvPr id="24" name="TextBox 23">
             <a:extLst>
               <a:ext uri="{FF2B5EF4-FFF2-40B4-BE49-F238E27FC236}">
-                <a16:creationId xmlns:a16="http://schemas.microsoft.com/office/drawing/2014/main" xmlns="" id="{22690440-46CD-5CAD-758E-AACCAA755C22}"/>
+                <a16:creationId xmlns="" xmlns:a16="http://schemas.microsoft.com/office/drawing/2014/main" id="{22690440-46CD-5CAD-758E-AACCAA755C22}"/>
               </a:ext>
             </a:extLst>
           </p:cNvPr>
@@ -17265,7 +17125,7 @@
           <p:cNvPr id="2" name="제목 1">
             <a:extLst>
               <a:ext uri="{FF2B5EF4-FFF2-40B4-BE49-F238E27FC236}">
-                <a16:creationId xmlns:a16="http://schemas.microsoft.com/office/drawing/2014/main" xmlns="" id="{2D7E6B8A-E1FD-472B-F033-346AC9F27163}"/>
+                <a16:creationId xmlns="" xmlns:a16="http://schemas.microsoft.com/office/drawing/2014/main" id="{2D7E6B8A-E1FD-472B-F033-346AC9F27163}"/>
               </a:ext>
             </a:extLst>
           </p:cNvPr>
@@ -17333,7 +17193,7 @@
           <p:cNvPr id="4" name="그림 3">
             <a:extLst>
               <a:ext uri="{FF2B5EF4-FFF2-40B4-BE49-F238E27FC236}">
-                <a16:creationId xmlns:a16="http://schemas.microsoft.com/office/drawing/2014/main" xmlns="" id="{1F9A9346-1AD4-B35D-BDF2-9D41256E383A}"/>
+                <a16:creationId xmlns="" xmlns:a16="http://schemas.microsoft.com/office/drawing/2014/main" id="{1F9A9346-1AD4-B35D-BDF2-9D41256E383A}"/>
               </a:ext>
             </a:extLst>
           </p:cNvPr>
@@ -17363,7 +17223,7 @@
           <p:cNvPr id="6" name="그림 5">
             <a:extLst>
               <a:ext uri="{FF2B5EF4-FFF2-40B4-BE49-F238E27FC236}">
-                <a16:creationId xmlns:a16="http://schemas.microsoft.com/office/drawing/2014/main" xmlns="" id="{BF8F3D70-6F10-08DC-354F-71BE0B2C24F5}"/>
+                <a16:creationId xmlns="" xmlns:a16="http://schemas.microsoft.com/office/drawing/2014/main" id="{BF8F3D70-6F10-08DC-354F-71BE0B2C24F5}"/>
               </a:ext>
             </a:extLst>
           </p:cNvPr>
@@ -17393,7 +17253,7 @@
           <p:cNvPr id="7" name="TextBox 6">
             <a:extLst>
               <a:ext uri="{FF2B5EF4-FFF2-40B4-BE49-F238E27FC236}">
-                <a16:creationId xmlns:a16="http://schemas.microsoft.com/office/drawing/2014/main" xmlns="" id="{15827002-A8D1-C7E4-87D5-1176BB947C27}"/>
+                <a16:creationId xmlns="" xmlns:a16="http://schemas.microsoft.com/office/drawing/2014/main" id="{15827002-A8D1-C7E4-87D5-1176BB947C27}"/>
               </a:ext>
             </a:extLst>
           </p:cNvPr>
@@ -17444,7 +17304,7 @@
           <p:cNvPr id="9" name="그림 8">
             <a:extLst>
               <a:ext uri="{FF2B5EF4-FFF2-40B4-BE49-F238E27FC236}">
-                <a16:creationId xmlns:a16="http://schemas.microsoft.com/office/drawing/2014/main" xmlns="" id="{A44DA5B4-E101-2CBD-D9DE-CD749FE605E0}"/>
+                <a16:creationId xmlns="" xmlns:a16="http://schemas.microsoft.com/office/drawing/2014/main" id="{A44DA5B4-E101-2CBD-D9DE-CD749FE605E0}"/>
               </a:ext>
             </a:extLst>
           </p:cNvPr>
@@ -17474,7 +17334,7 @@
           <p:cNvPr id="11" name="그림 10">
             <a:extLst>
               <a:ext uri="{FF2B5EF4-FFF2-40B4-BE49-F238E27FC236}">
-                <a16:creationId xmlns:a16="http://schemas.microsoft.com/office/drawing/2014/main" xmlns="" id="{220EA2B4-14AE-E9B0-A5D3-C02A08F76A6A}"/>
+                <a16:creationId xmlns="" xmlns:a16="http://schemas.microsoft.com/office/drawing/2014/main" id="{220EA2B4-14AE-E9B0-A5D3-C02A08F76A6A}"/>
               </a:ext>
             </a:extLst>
           </p:cNvPr>
@@ -17504,7 +17364,7 @@
           <p:cNvPr id="12" name="TextBox 11">
             <a:extLst>
               <a:ext uri="{FF2B5EF4-FFF2-40B4-BE49-F238E27FC236}">
-                <a16:creationId xmlns:a16="http://schemas.microsoft.com/office/drawing/2014/main" xmlns="" id="{99D63CE4-2B30-EF35-27A7-698597CD394D}"/>
+                <a16:creationId xmlns="" xmlns:a16="http://schemas.microsoft.com/office/drawing/2014/main" id="{99D63CE4-2B30-EF35-27A7-698597CD394D}"/>
               </a:ext>
             </a:extLst>
           </p:cNvPr>
@@ -17555,7 +17415,7 @@
           <p:cNvPr id="14" name="그림 13">
             <a:extLst>
               <a:ext uri="{FF2B5EF4-FFF2-40B4-BE49-F238E27FC236}">
-                <a16:creationId xmlns:a16="http://schemas.microsoft.com/office/drawing/2014/main" xmlns="" id="{EB1CC250-10F7-6B59-C263-098E16BFBE5B}"/>
+                <a16:creationId xmlns="" xmlns:a16="http://schemas.microsoft.com/office/drawing/2014/main" id="{EB1CC250-10F7-6B59-C263-098E16BFBE5B}"/>
               </a:ext>
             </a:extLst>
           </p:cNvPr>
@@ -17585,7 +17445,7 @@
           <p:cNvPr id="16" name="그림 15">
             <a:extLst>
               <a:ext uri="{FF2B5EF4-FFF2-40B4-BE49-F238E27FC236}">
-                <a16:creationId xmlns:a16="http://schemas.microsoft.com/office/drawing/2014/main" xmlns="" id="{2C5CB822-CCA8-2D89-B711-66934EF93FDE}"/>
+                <a16:creationId xmlns="" xmlns:a16="http://schemas.microsoft.com/office/drawing/2014/main" id="{2C5CB822-CCA8-2D89-B711-66934EF93FDE}"/>
               </a:ext>
             </a:extLst>
           </p:cNvPr>
@@ -17615,7 +17475,7 @@
           <p:cNvPr id="17" name="TextBox 16">
             <a:extLst>
               <a:ext uri="{FF2B5EF4-FFF2-40B4-BE49-F238E27FC236}">
-                <a16:creationId xmlns:a16="http://schemas.microsoft.com/office/drawing/2014/main" xmlns="" id="{AFA9DBF4-3001-415C-95BD-19D4869E07A8}"/>
+                <a16:creationId xmlns="" xmlns:a16="http://schemas.microsoft.com/office/drawing/2014/main" id="{AFA9DBF4-3001-415C-95BD-19D4869E07A8}"/>
               </a:ext>
             </a:extLst>
           </p:cNvPr>
@@ -17666,7 +17526,7 @@
           <p:cNvPr id="19" name="그림 18">
             <a:extLst>
               <a:ext uri="{FF2B5EF4-FFF2-40B4-BE49-F238E27FC236}">
-                <a16:creationId xmlns:a16="http://schemas.microsoft.com/office/drawing/2014/main" xmlns="" id="{A774A596-5210-CFC9-BD5E-1F713BFF203B}"/>
+                <a16:creationId xmlns="" xmlns:a16="http://schemas.microsoft.com/office/drawing/2014/main" id="{A774A596-5210-CFC9-BD5E-1F713BFF203B}"/>
               </a:ext>
             </a:extLst>
           </p:cNvPr>
@@ -17696,7 +17556,7 @@
           <p:cNvPr id="21" name="그림 20">
             <a:extLst>
               <a:ext uri="{FF2B5EF4-FFF2-40B4-BE49-F238E27FC236}">
-                <a16:creationId xmlns:a16="http://schemas.microsoft.com/office/drawing/2014/main" xmlns="" id="{88822D2A-1880-DD38-13E2-D7C22BC8A3F4}"/>
+                <a16:creationId xmlns="" xmlns:a16="http://schemas.microsoft.com/office/drawing/2014/main" id="{88822D2A-1880-DD38-13E2-D7C22BC8A3F4}"/>
               </a:ext>
             </a:extLst>
           </p:cNvPr>
@@ -17726,7 +17586,7 @@
           <p:cNvPr id="22" name="TextBox 21">
             <a:extLst>
               <a:ext uri="{FF2B5EF4-FFF2-40B4-BE49-F238E27FC236}">
-                <a16:creationId xmlns:a16="http://schemas.microsoft.com/office/drawing/2014/main" xmlns="" id="{191BA71B-D5D0-FE18-A0E7-1F4D2672D575}"/>
+                <a16:creationId xmlns="" xmlns:a16="http://schemas.microsoft.com/office/drawing/2014/main" id="{191BA71B-D5D0-FE18-A0E7-1F4D2672D575}"/>
               </a:ext>
             </a:extLst>
           </p:cNvPr>
@@ -17807,7 +17667,7 @@
           <p:cNvPr id="2" name="제목 1">
             <a:extLst>
               <a:ext uri="{FF2B5EF4-FFF2-40B4-BE49-F238E27FC236}">
-                <a16:creationId xmlns:a16="http://schemas.microsoft.com/office/drawing/2014/main" xmlns="" id="{2D7E6B8A-E1FD-472B-F033-346AC9F27163}"/>
+                <a16:creationId xmlns="" xmlns:a16="http://schemas.microsoft.com/office/drawing/2014/main" id="{2D7E6B8A-E1FD-472B-F033-346AC9F27163}"/>
               </a:ext>
             </a:extLst>
           </p:cNvPr>
@@ -17875,7 +17735,7 @@
           <p:cNvPr id="4" name="그림 3">
             <a:extLst>
               <a:ext uri="{FF2B5EF4-FFF2-40B4-BE49-F238E27FC236}">
-                <a16:creationId xmlns:a16="http://schemas.microsoft.com/office/drawing/2014/main" xmlns="" id="{37DA9639-8F56-22DA-E31B-8F9D36932A04}"/>
+                <a16:creationId xmlns="" xmlns:a16="http://schemas.microsoft.com/office/drawing/2014/main" id="{37DA9639-8F56-22DA-E31B-8F9D36932A04}"/>
               </a:ext>
             </a:extLst>
           </p:cNvPr>
@@ -17905,7 +17765,7 @@
           <p:cNvPr id="6" name="그림 5">
             <a:extLst>
               <a:ext uri="{FF2B5EF4-FFF2-40B4-BE49-F238E27FC236}">
-                <a16:creationId xmlns:a16="http://schemas.microsoft.com/office/drawing/2014/main" xmlns="" id="{ED102376-4C03-5F20-2A40-8FB305947F85}"/>
+                <a16:creationId xmlns="" xmlns:a16="http://schemas.microsoft.com/office/drawing/2014/main" id="{ED102376-4C03-5F20-2A40-8FB305947F85}"/>
               </a:ext>
             </a:extLst>
           </p:cNvPr>
@@ -17935,7 +17795,7 @@
           <p:cNvPr id="8" name="그림 7">
             <a:extLst>
               <a:ext uri="{FF2B5EF4-FFF2-40B4-BE49-F238E27FC236}">
-                <a16:creationId xmlns:a16="http://schemas.microsoft.com/office/drawing/2014/main" xmlns="" id="{751E632B-C15C-992A-EB0B-2AB569AA7B86}"/>
+                <a16:creationId xmlns="" xmlns:a16="http://schemas.microsoft.com/office/drawing/2014/main" id="{751E632B-C15C-992A-EB0B-2AB569AA7B86}"/>
               </a:ext>
             </a:extLst>
           </p:cNvPr>
@@ -17965,7 +17825,7 @@
           <p:cNvPr id="10" name="그림 9">
             <a:extLst>
               <a:ext uri="{FF2B5EF4-FFF2-40B4-BE49-F238E27FC236}">
-                <a16:creationId xmlns:a16="http://schemas.microsoft.com/office/drawing/2014/main" xmlns="" id="{4C5D47AC-25BD-E79D-038D-D5B96827416E}"/>
+                <a16:creationId xmlns="" xmlns:a16="http://schemas.microsoft.com/office/drawing/2014/main" id="{4C5D47AC-25BD-E79D-038D-D5B96827416E}"/>
               </a:ext>
             </a:extLst>
           </p:cNvPr>
@@ -17995,7 +17855,7 @@
           <p:cNvPr id="12" name="그림 11">
             <a:extLst>
               <a:ext uri="{FF2B5EF4-FFF2-40B4-BE49-F238E27FC236}">
-                <a16:creationId xmlns:a16="http://schemas.microsoft.com/office/drawing/2014/main" xmlns="" id="{770F061F-C86C-7171-20FE-FD29A71A9FE4}"/>
+                <a16:creationId xmlns="" xmlns:a16="http://schemas.microsoft.com/office/drawing/2014/main" id="{770F061F-C86C-7171-20FE-FD29A71A9FE4}"/>
               </a:ext>
             </a:extLst>
           </p:cNvPr>
@@ -18025,7 +17885,7 @@
           <p:cNvPr id="14" name="그림 13">
             <a:extLst>
               <a:ext uri="{FF2B5EF4-FFF2-40B4-BE49-F238E27FC236}">
-                <a16:creationId xmlns:a16="http://schemas.microsoft.com/office/drawing/2014/main" xmlns="" id="{AC1000D1-F2BF-57C3-8310-D324B72F52BD}"/>
+                <a16:creationId xmlns="" xmlns:a16="http://schemas.microsoft.com/office/drawing/2014/main" id="{AC1000D1-F2BF-57C3-8310-D324B72F52BD}"/>
               </a:ext>
             </a:extLst>
           </p:cNvPr>
@@ -18055,7 +17915,7 @@
           <p:cNvPr id="16" name="그림 15">
             <a:extLst>
               <a:ext uri="{FF2B5EF4-FFF2-40B4-BE49-F238E27FC236}">
-                <a16:creationId xmlns:a16="http://schemas.microsoft.com/office/drawing/2014/main" xmlns="" id="{6B7152B7-A278-3290-7355-203F75DC29BB}"/>
+                <a16:creationId xmlns="" xmlns:a16="http://schemas.microsoft.com/office/drawing/2014/main" id="{6B7152B7-A278-3290-7355-203F75DC29BB}"/>
               </a:ext>
             </a:extLst>
           </p:cNvPr>
@@ -18085,7 +17945,7 @@
           <p:cNvPr id="18" name="그림 17">
             <a:extLst>
               <a:ext uri="{FF2B5EF4-FFF2-40B4-BE49-F238E27FC236}">
-                <a16:creationId xmlns:a16="http://schemas.microsoft.com/office/drawing/2014/main" xmlns="" id="{290974DD-E0AC-5434-D69D-F1B8F6AF9BAB}"/>
+                <a16:creationId xmlns="" xmlns:a16="http://schemas.microsoft.com/office/drawing/2014/main" id="{290974DD-E0AC-5434-D69D-F1B8F6AF9BAB}"/>
               </a:ext>
             </a:extLst>
           </p:cNvPr>
@@ -18115,7 +17975,7 @@
           <p:cNvPr id="19" name="TextBox 18">
             <a:extLst>
               <a:ext uri="{FF2B5EF4-FFF2-40B4-BE49-F238E27FC236}">
-                <a16:creationId xmlns:a16="http://schemas.microsoft.com/office/drawing/2014/main" xmlns="" id="{7B6A53CA-8C7A-E902-57D0-9EB195D19162}"/>
+                <a16:creationId xmlns="" xmlns:a16="http://schemas.microsoft.com/office/drawing/2014/main" id="{7B6A53CA-8C7A-E902-57D0-9EB195D19162}"/>
               </a:ext>
             </a:extLst>
           </p:cNvPr>
@@ -18166,7 +18026,7 @@
           <p:cNvPr id="20" name="TextBox 19">
             <a:extLst>
               <a:ext uri="{FF2B5EF4-FFF2-40B4-BE49-F238E27FC236}">
-                <a16:creationId xmlns:a16="http://schemas.microsoft.com/office/drawing/2014/main" xmlns="" id="{C7D5EEBE-E555-55A3-C447-CACD541E9AE3}"/>
+                <a16:creationId xmlns="" xmlns:a16="http://schemas.microsoft.com/office/drawing/2014/main" id="{C7D5EEBE-E555-55A3-C447-CACD541E9AE3}"/>
               </a:ext>
             </a:extLst>
           </p:cNvPr>
@@ -18217,7 +18077,7 @@
           <p:cNvPr id="21" name="TextBox 20">
             <a:extLst>
               <a:ext uri="{FF2B5EF4-FFF2-40B4-BE49-F238E27FC236}">
-                <a16:creationId xmlns:a16="http://schemas.microsoft.com/office/drawing/2014/main" xmlns="" id="{586DCA55-0245-9BD7-01B6-BB0627474219}"/>
+                <a16:creationId xmlns="" xmlns:a16="http://schemas.microsoft.com/office/drawing/2014/main" id="{586DCA55-0245-9BD7-01B6-BB0627474219}"/>
               </a:ext>
             </a:extLst>
           </p:cNvPr>
@@ -18268,7 +18128,7 @@
           <p:cNvPr id="22" name="TextBox 21">
             <a:extLst>
               <a:ext uri="{FF2B5EF4-FFF2-40B4-BE49-F238E27FC236}">
-                <a16:creationId xmlns:a16="http://schemas.microsoft.com/office/drawing/2014/main" xmlns="" id="{93A98019-9051-F1D8-3859-C22B97EEDF2C}"/>
+                <a16:creationId xmlns="" xmlns:a16="http://schemas.microsoft.com/office/drawing/2014/main" id="{93A98019-9051-F1D8-3859-C22B97EEDF2C}"/>
               </a:ext>
             </a:extLst>
           </p:cNvPr>
@@ -18349,7 +18209,7 @@
           <p:cNvPr id="2" name="제목 1">
             <a:extLst>
               <a:ext uri="{FF2B5EF4-FFF2-40B4-BE49-F238E27FC236}">
-                <a16:creationId xmlns:a16="http://schemas.microsoft.com/office/drawing/2014/main" xmlns="" id="{2D7E6B8A-E1FD-472B-F033-346AC9F27163}"/>
+                <a16:creationId xmlns="" xmlns:a16="http://schemas.microsoft.com/office/drawing/2014/main" id="{2D7E6B8A-E1FD-472B-F033-346AC9F27163}"/>
               </a:ext>
             </a:extLst>
           </p:cNvPr>
@@ -18417,7 +18277,7 @@
           <p:cNvPr id="4" name="그림 3">
             <a:extLst>
               <a:ext uri="{FF2B5EF4-FFF2-40B4-BE49-F238E27FC236}">
-                <a16:creationId xmlns:a16="http://schemas.microsoft.com/office/drawing/2014/main" xmlns="" id="{EBD97CA9-C408-4E3A-DD15-492F084F6A29}"/>
+                <a16:creationId xmlns="" xmlns:a16="http://schemas.microsoft.com/office/drawing/2014/main" id="{EBD97CA9-C408-4E3A-DD15-492F084F6A29}"/>
               </a:ext>
             </a:extLst>
           </p:cNvPr>
@@ -18447,7 +18307,7 @@
           <p:cNvPr id="6" name="그림 5">
             <a:extLst>
               <a:ext uri="{FF2B5EF4-FFF2-40B4-BE49-F238E27FC236}">
-                <a16:creationId xmlns:a16="http://schemas.microsoft.com/office/drawing/2014/main" xmlns="" id="{820094D7-96FB-5727-09FB-48E81F7B81BA}"/>
+                <a16:creationId xmlns="" xmlns:a16="http://schemas.microsoft.com/office/drawing/2014/main" id="{820094D7-96FB-5727-09FB-48E81F7B81BA}"/>
               </a:ext>
             </a:extLst>
           </p:cNvPr>
@@ -18477,7 +18337,7 @@
           <p:cNvPr id="7" name="TextBox 6">
             <a:extLst>
               <a:ext uri="{FF2B5EF4-FFF2-40B4-BE49-F238E27FC236}">
-                <a16:creationId xmlns:a16="http://schemas.microsoft.com/office/drawing/2014/main" xmlns="" id="{9FC2ECD1-ED62-5E57-815D-2DB66E1DE603}"/>
+                <a16:creationId xmlns="" xmlns:a16="http://schemas.microsoft.com/office/drawing/2014/main" id="{9FC2ECD1-ED62-5E57-815D-2DB66E1DE603}"/>
               </a:ext>
             </a:extLst>
           </p:cNvPr>
@@ -18528,7 +18388,7 @@
           <p:cNvPr id="9" name="그림 8">
             <a:extLst>
               <a:ext uri="{FF2B5EF4-FFF2-40B4-BE49-F238E27FC236}">
-                <a16:creationId xmlns:a16="http://schemas.microsoft.com/office/drawing/2014/main" xmlns="" id="{229A4685-1797-7A7F-BB3A-9E94A3019DBF}"/>
+                <a16:creationId xmlns="" xmlns:a16="http://schemas.microsoft.com/office/drawing/2014/main" id="{229A4685-1797-7A7F-BB3A-9E94A3019DBF}"/>
               </a:ext>
             </a:extLst>
           </p:cNvPr>
@@ -18558,7 +18418,7 @@
           <p:cNvPr id="11" name="그림 10">
             <a:extLst>
               <a:ext uri="{FF2B5EF4-FFF2-40B4-BE49-F238E27FC236}">
-                <a16:creationId xmlns:a16="http://schemas.microsoft.com/office/drawing/2014/main" xmlns="" id="{FD77DF32-29CA-7377-3F52-877DFCF5CC32}"/>
+                <a16:creationId xmlns="" xmlns:a16="http://schemas.microsoft.com/office/drawing/2014/main" id="{FD77DF32-29CA-7377-3F52-877DFCF5CC32}"/>
               </a:ext>
             </a:extLst>
           </p:cNvPr>
@@ -18588,7 +18448,7 @@
           <p:cNvPr id="12" name="TextBox 11">
             <a:extLst>
               <a:ext uri="{FF2B5EF4-FFF2-40B4-BE49-F238E27FC236}">
-                <a16:creationId xmlns:a16="http://schemas.microsoft.com/office/drawing/2014/main" xmlns="" id="{13661F68-2E93-57BD-5968-C30E8DB30DDF}"/>
+                <a16:creationId xmlns="" xmlns:a16="http://schemas.microsoft.com/office/drawing/2014/main" id="{13661F68-2E93-57BD-5968-C30E8DB30DDF}"/>
               </a:ext>
             </a:extLst>
           </p:cNvPr>
@@ -18639,7 +18499,7 @@
           <p:cNvPr id="14" name="그림 13">
             <a:extLst>
               <a:ext uri="{FF2B5EF4-FFF2-40B4-BE49-F238E27FC236}">
-                <a16:creationId xmlns:a16="http://schemas.microsoft.com/office/drawing/2014/main" xmlns="" id="{05B6DD1F-F1EE-67E7-37E3-0C8F5CA10B07}"/>
+                <a16:creationId xmlns="" xmlns:a16="http://schemas.microsoft.com/office/drawing/2014/main" id="{05B6DD1F-F1EE-67E7-37E3-0C8F5CA10B07}"/>
               </a:ext>
             </a:extLst>
           </p:cNvPr>
@@ -18669,7 +18529,7 @@
           <p:cNvPr id="16" name="그림 15">
             <a:extLst>
               <a:ext uri="{FF2B5EF4-FFF2-40B4-BE49-F238E27FC236}">
-                <a16:creationId xmlns:a16="http://schemas.microsoft.com/office/drawing/2014/main" xmlns="" id="{3676CF33-CE58-71CE-DEEB-414B635D91A9}"/>
+                <a16:creationId xmlns="" xmlns:a16="http://schemas.microsoft.com/office/drawing/2014/main" id="{3676CF33-CE58-71CE-DEEB-414B635D91A9}"/>
               </a:ext>
             </a:extLst>
           </p:cNvPr>
@@ -18699,7 +18559,7 @@
           <p:cNvPr id="18" name="그림 17">
             <a:extLst>
               <a:ext uri="{FF2B5EF4-FFF2-40B4-BE49-F238E27FC236}">
-                <a16:creationId xmlns:a16="http://schemas.microsoft.com/office/drawing/2014/main" xmlns="" id="{348BAE19-BDBE-CBDF-2525-B2EF5F66B0AA}"/>
+                <a16:creationId xmlns="" xmlns:a16="http://schemas.microsoft.com/office/drawing/2014/main" id="{348BAE19-BDBE-CBDF-2525-B2EF5F66B0AA}"/>
               </a:ext>
             </a:extLst>
           </p:cNvPr>
@@ -18729,7 +18589,7 @@
           <p:cNvPr id="20" name="그림 19">
             <a:extLst>
               <a:ext uri="{FF2B5EF4-FFF2-40B4-BE49-F238E27FC236}">
-                <a16:creationId xmlns:a16="http://schemas.microsoft.com/office/drawing/2014/main" xmlns="" id="{3299C689-44BB-F12D-C025-1A80E56B5F0F}"/>
+                <a16:creationId xmlns="" xmlns:a16="http://schemas.microsoft.com/office/drawing/2014/main" id="{3299C689-44BB-F12D-C025-1A80E56B5F0F}"/>
               </a:ext>
             </a:extLst>
           </p:cNvPr>
@@ -18759,7 +18619,7 @@
           <p:cNvPr id="21" name="TextBox 20">
             <a:extLst>
               <a:ext uri="{FF2B5EF4-FFF2-40B4-BE49-F238E27FC236}">
-                <a16:creationId xmlns:a16="http://schemas.microsoft.com/office/drawing/2014/main" xmlns="" id="{020ECB44-4EB1-EFC9-E08C-40E39F4097FC}"/>
+                <a16:creationId xmlns="" xmlns:a16="http://schemas.microsoft.com/office/drawing/2014/main" id="{020ECB44-4EB1-EFC9-E08C-40E39F4097FC}"/>
               </a:ext>
             </a:extLst>
           </p:cNvPr>
@@ -18810,7 +18670,7 @@
           <p:cNvPr id="22" name="TextBox 21">
             <a:extLst>
               <a:ext uri="{FF2B5EF4-FFF2-40B4-BE49-F238E27FC236}">
-                <a16:creationId xmlns:a16="http://schemas.microsoft.com/office/drawing/2014/main" xmlns="" id="{9482160D-7142-C43D-453D-A479A93FCBE4}"/>
+                <a16:creationId xmlns="" xmlns:a16="http://schemas.microsoft.com/office/drawing/2014/main" id="{9482160D-7142-C43D-453D-A479A93FCBE4}"/>
               </a:ext>
             </a:extLst>
           </p:cNvPr>
@@ -18891,7 +18751,7 @@
           <p:cNvPr id="2" name="제목 1">
             <a:extLst>
               <a:ext uri="{FF2B5EF4-FFF2-40B4-BE49-F238E27FC236}">
-                <a16:creationId xmlns:a16="http://schemas.microsoft.com/office/drawing/2014/main" xmlns="" id="{2D7E6B8A-E1FD-472B-F033-346AC9F27163}"/>
+                <a16:creationId xmlns="" xmlns:a16="http://schemas.microsoft.com/office/drawing/2014/main" id="{2D7E6B8A-E1FD-472B-F033-346AC9F27163}"/>
               </a:ext>
             </a:extLst>
           </p:cNvPr>
@@ -18959,7 +18819,7 @@
           <p:cNvPr id="4" name="그림 3">
             <a:extLst>
               <a:ext uri="{FF2B5EF4-FFF2-40B4-BE49-F238E27FC236}">
-                <a16:creationId xmlns:a16="http://schemas.microsoft.com/office/drawing/2014/main" xmlns="" id="{0D0B613C-BE13-1FD3-D4B3-26D6EF1D95E9}"/>
+                <a16:creationId xmlns="" xmlns:a16="http://schemas.microsoft.com/office/drawing/2014/main" id="{0D0B613C-BE13-1FD3-D4B3-26D6EF1D95E9}"/>
               </a:ext>
             </a:extLst>
           </p:cNvPr>
@@ -18989,7 +18849,7 @@
           <p:cNvPr id="6" name="그림 5">
             <a:extLst>
               <a:ext uri="{FF2B5EF4-FFF2-40B4-BE49-F238E27FC236}">
-                <a16:creationId xmlns:a16="http://schemas.microsoft.com/office/drawing/2014/main" xmlns="" id="{004EE985-0EA4-43C6-5A4A-ED4960FBFA9E}"/>
+                <a16:creationId xmlns="" xmlns:a16="http://schemas.microsoft.com/office/drawing/2014/main" id="{004EE985-0EA4-43C6-5A4A-ED4960FBFA9E}"/>
               </a:ext>
             </a:extLst>
           </p:cNvPr>
@@ -19019,7 +18879,7 @@
           <p:cNvPr id="7" name="TextBox 6">
             <a:extLst>
               <a:ext uri="{FF2B5EF4-FFF2-40B4-BE49-F238E27FC236}">
-                <a16:creationId xmlns:a16="http://schemas.microsoft.com/office/drawing/2014/main" xmlns="" id="{DF3C9E72-7EB4-D918-6E28-08A0F520DDBB}"/>
+                <a16:creationId xmlns="" xmlns:a16="http://schemas.microsoft.com/office/drawing/2014/main" id="{DF3C9E72-7EB4-D918-6E28-08A0F520DDBB}"/>
               </a:ext>
             </a:extLst>
           </p:cNvPr>
@@ -19070,7 +18930,7 @@
           <p:cNvPr id="9" name="그림 8">
             <a:extLst>
               <a:ext uri="{FF2B5EF4-FFF2-40B4-BE49-F238E27FC236}">
-                <a16:creationId xmlns:a16="http://schemas.microsoft.com/office/drawing/2014/main" xmlns="" id="{C1FF9175-310E-6578-2A15-66DB44D2DD5A}"/>
+                <a16:creationId xmlns="" xmlns:a16="http://schemas.microsoft.com/office/drawing/2014/main" id="{C1FF9175-310E-6578-2A15-66DB44D2DD5A}"/>
               </a:ext>
             </a:extLst>
           </p:cNvPr>
@@ -19100,7 +18960,7 @@
           <p:cNvPr id="11" name="그림 10">
             <a:extLst>
               <a:ext uri="{FF2B5EF4-FFF2-40B4-BE49-F238E27FC236}">
-                <a16:creationId xmlns:a16="http://schemas.microsoft.com/office/drawing/2014/main" xmlns="" id="{430E9B48-2C69-144A-1345-21246A335100}"/>
+                <a16:creationId xmlns="" xmlns:a16="http://schemas.microsoft.com/office/drawing/2014/main" id="{430E9B48-2C69-144A-1345-21246A335100}"/>
               </a:ext>
             </a:extLst>
           </p:cNvPr>
@@ -19130,7 +18990,7 @@
           <p:cNvPr id="12" name="TextBox 11">
             <a:extLst>
               <a:ext uri="{FF2B5EF4-FFF2-40B4-BE49-F238E27FC236}">
-                <a16:creationId xmlns:a16="http://schemas.microsoft.com/office/drawing/2014/main" xmlns="" id="{8E7C5B7A-F773-CE7B-D2C0-80CFD62E5AA1}"/>
+                <a16:creationId xmlns="" xmlns:a16="http://schemas.microsoft.com/office/drawing/2014/main" id="{8E7C5B7A-F773-CE7B-D2C0-80CFD62E5AA1}"/>
               </a:ext>
             </a:extLst>
           </p:cNvPr>
@@ -19181,7 +19041,7 @@
           <p:cNvPr id="14" name="그림 13">
             <a:extLst>
               <a:ext uri="{FF2B5EF4-FFF2-40B4-BE49-F238E27FC236}">
-                <a16:creationId xmlns:a16="http://schemas.microsoft.com/office/drawing/2014/main" xmlns="" id="{72EF57CE-B85D-AFE0-CCB1-2CB490956FC3}"/>
+                <a16:creationId xmlns="" xmlns:a16="http://schemas.microsoft.com/office/drawing/2014/main" id="{72EF57CE-B85D-AFE0-CCB1-2CB490956FC3}"/>
               </a:ext>
             </a:extLst>
           </p:cNvPr>
@@ -19211,7 +19071,7 @@
           <p:cNvPr id="16" name="그림 15">
             <a:extLst>
               <a:ext uri="{FF2B5EF4-FFF2-40B4-BE49-F238E27FC236}">
-                <a16:creationId xmlns:a16="http://schemas.microsoft.com/office/drawing/2014/main" xmlns="" id="{57D4315C-11A1-A7BE-1652-2CD3B611AD92}"/>
+                <a16:creationId xmlns="" xmlns:a16="http://schemas.microsoft.com/office/drawing/2014/main" id="{57D4315C-11A1-A7BE-1652-2CD3B611AD92}"/>
               </a:ext>
             </a:extLst>
           </p:cNvPr>
@@ -19241,7 +19101,7 @@
           <p:cNvPr id="17" name="TextBox 16">
             <a:extLst>
               <a:ext uri="{FF2B5EF4-FFF2-40B4-BE49-F238E27FC236}">
-                <a16:creationId xmlns:a16="http://schemas.microsoft.com/office/drawing/2014/main" xmlns="" id="{C88AAE91-706E-C431-5D7E-F821115F88D5}"/>
+                <a16:creationId xmlns="" xmlns:a16="http://schemas.microsoft.com/office/drawing/2014/main" id="{C88AAE91-706E-C431-5D7E-F821115F88D5}"/>
               </a:ext>
             </a:extLst>
           </p:cNvPr>
@@ -19292,7 +19152,7 @@
           <p:cNvPr id="19" name="그림 18">
             <a:extLst>
               <a:ext uri="{FF2B5EF4-FFF2-40B4-BE49-F238E27FC236}">
-                <a16:creationId xmlns:a16="http://schemas.microsoft.com/office/drawing/2014/main" xmlns="" id="{6B129BE1-33D7-CD08-963C-F58FEFFF2DF1}"/>
+                <a16:creationId xmlns="" xmlns:a16="http://schemas.microsoft.com/office/drawing/2014/main" id="{6B129BE1-33D7-CD08-963C-F58FEFFF2DF1}"/>
               </a:ext>
             </a:extLst>
           </p:cNvPr>
@@ -19322,7 +19182,7 @@
           <p:cNvPr id="21" name="그림 20">
             <a:extLst>
               <a:ext uri="{FF2B5EF4-FFF2-40B4-BE49-F238E27FC236}">
-                <a16:creationId xmlns:a16="http://schemas.microsoft.com/office/drawing/2014/main" xmlns="" id="{619E1F3C-CA15-F75F-5B4C-121131EAA502}"/>
+                <a16:creationId xmlns="" xmlns:a16="http://schemas.microsoft.com/office/drawing/2014/main" id="{619E1F3C-CA15-F75F-5B4C-121131EAA502}"/>
               </a:ext>
             </a:extLst>
           </p:cNvPr>
@@ -19352,7 +19212,7 @@
           <p:cNvPr id="22" name="TextBox 21">
             <a:extLst>
               <a:ext uri="{FF2B5EF4-FFF2-40B4-BE49-F238E27FC236}">
-                <a16:creationId xmlns:a16="http://schemas.microsoft.com/office/drawing/2014/main" xmlns="" id="{9F385244-6DE9-F94F-C73A-EE98B2EC9E18}"/>
+                <a16:creationId xmlns="" xmlns:a16="http://schemas.microsoft.com/office/drawing/2014/main" id="{9F385244-6DE9-F94F-C73A-EE98B2EC9E18}"/>
               </a:ext>
             </a:extLst>
           </p:cNvPr>
@@ -19433,7 +19293,7 @@
           <p:cNvPr id="2" name="제목 1">
             <a:extLst>
               <a:ext uri="{FF2B5EF4-FFF2-40B4-BE49-F238E27FC236}">
-                <a16:creationId xmlns:a16="http://schemas.microsoft.com/office/drawing/2014/main" xmlns="" id="{2D7E6B8A-E1FD-472B-F033-346AC9F27163}"/>
+                <a16:creationId xmlns="" xmlns:a16="http://schemas.microsoft.com/office/drawing/2014/main" id="{2D7E6B8A-E1FD-472B-F033-346AC9F27163}"/>
               </a:ext>
             </a:extLst>
           </p:cNvPr>
@@ -19481,7 +19341,7 @@
           <p:cNvPr id="4" name="그림 3">
             <a:extLst>
               <a:ext uri="{FF2B5EF4-FFF2-40B4-BE49-F238E27FC236}">
-                <a16:creationId xmlns:a16="http://schemas.microsoft.com/office/drawing/2014/main" xmlns="" id="{8FD2E33F-09A3-B3E6-4208-19E6A8144C94}"/>
+                <a16:creationId xmlns="" xmlns:a16="http://schemas.microsoft.com/office/drawing/2014/main" id="{8FD2E33F-09A3-B3E6-4208-19E6A8144C94}"/>
               </a:ext>
             </a:extLst>
           </p:cNvPr>
@@ -19511,7 +19371,7 @@
           <p:cNvPr id="6" name="그림 5">
             <a:extLst>
               <a:ext uri="{FF2B5EF4-FFF2-40B4-BE49-F238E27FC236}">
-                <a16:creationId xmlns:a16="http://schemas.microsoft.com/office/drawing/2014/main" xmlns="" id="{2C7FD9C3-017E-D7B6-A276-4F8ACE0B6CF3}"/>
+                <a16:creationId xmlns="" xmlns:a16="http://schemas.microsoft.com/office/drawing/2014/main" id="{2C7FD9C3-017E-D7B6-A276-4F8ACE0B6CF3}"/>
               </a:ext>
             </a:extLst>
           </p:cNvPr>
@@ -19541,7 +19401,7 @@
           <p:cNvPr id="8" name="그림 7">
             <a:extLst>
               <a:ext uri="{FF2B5EF4-FFF2-40B4-BE49-F238E27FC236}">
-                <a16:creationId xmlns:a16="http://schemas.microsoft.com/office/drawing/2014/main" xmlns="" id="{2037A524-3E47-EBAD-1768-49501D6A3645}"/>
+                <a16:creationId xmlns="" xmlns:a16="http://schemas.microsoft.com/office/drawing/2014/main" id="{2037A524-3E47-EBAD-1768-49501D6A3645}"/>
               </a:ext>
             </a:extLst>
           </p:cNvPr>
@@ -19571,7 +19431,7 @@
           <p:cNvPr id="10" name="그림 9">
             <a:extLst>
               <a:ext uri="{FF2B5EF4-FFF2-40B4-BE49-F238E27FC236}">
-                <a16:creationId xmlns:a16="http://schemas.microsoft.com/office/drawing/2014/main" xmlns="" id="{5BE74CC7-D49E-5C8F-8F9A-99FC2675AB70}"/>
+                <a16:creationId xmlns="" xmlns:a16="http://schemas.microsoft.com/office/drawing/2014/main" id="{5BE74CC7-D49E-5C8F-8F9A-99FC2675AB70}"/>
               </a:ext>
             </a:extLst>
           </p:cNvPr>
@@ -19601,7 +19461,7 @@
           <p:cNvPr id="11" name="화살표: 원형 10">
             <a:extLst>
               <a:ext uri="{FF2B5EF4-FFF2-40B4-BE49-F238E27FC236}">
-                <a16:creationId xmlns:a16="http://schemas.microsoft.com/office/drawing/2014/main" xmlns="" id="{EAB41E5E-C408-8CC8-2FA3-38E6F827D027}"/>
+                <a16:creationId xmlns="" xmlns:a16="http://schemas.microsoft.com/office/drawing/2014/main" id="{EAB41E5E-C408-8CC8-2FA3-38E6F827D027}"/>
               </a:ext>
             </a:extLst>
           </p:cNvPr>
@@ -19651,7 +19511,7 @@
           <p:cNvPr id="12" name="화살표: 원형 11">
             <a:extLst>
               <a:ext uri="{FF2B5EF4-FFF2-40B4-BE49-F238E27FC236}">
-                <a16:creationId xmlns:a16="http://schemas.microsoft.com/office/drawing/2014/main" xmlns="" id="{D9A66571-44B4-4B0C-48E7-C2A980494A81}"/>
+                <a16:creationId xmlns="" xmlns:a16="http://schemas.microsoft.com/office/drawing/2014/main" id="{D9A66571-44B4-4B0C-48E7-C2A980494A81}"/>
               </a:ext>
             </a:extLst>
           </p:cNvPr>
@@ -19731,7 +19591,7 @@
           <p:cNvPr id="2" name="제목 1">
             <a:extLst>
               <a:ext uri="{FF2B5EF4-FFF2-40B4-BE49-F238E27FC236}">
-                <a16:creationId xmlns:a16="http://schemas.microsoft.com/office/drawing/2014/main" xmlns="" id="{2D7E6B8A-E1FD-472B-F033-346AC9F27163}"/>
+                <a16:creationId xmlns="" xmlns:a16="http://schemas.microsoft.com/office/drawing/2014/main" id="{2D7E6B8A-E1FD-472B-F033-346AC9F27163}"/>
               </a:ext>
             </a:extLst>
           </p:cNvPr>
@@ -19799,7 +19659,7 @@
           <p:cNvPr id="4" name="그림 3">
             <a:extLst>
               <a:ext uri="{FF2B5EF4-FFF2-40B4-BE49-F238E27FC236}">
-                <a16:creationId xmlns:a16="http://schemas.microsoft.com/office/drawing/2014/main" xmlns="" id="{0974939A-AC41-E3DC-9E52-AC2C4672AC5C}"/>
+                <a16:creationId xmlns="" xmlns:a16="http://schemas.microsoft.com/office/drawing/2014/main" id="{0974939A-AC41-E3DC-9E52-AC2C4672AC5C}"/>
               </a:ext>
             </a:extLst>
           </p:cNvPr>
@@ -19829,7 +19689,7 @@
           <p:cNvPr id="6" name="그림 5">
             <a:extLst>
               <a:ext uri="{FF2B5EF4-FFF2-40B4-BE49-F238E27FC236}">
-                <a16:creationId xmlns:a16="http://schemas.microsoft.com/office/drawing/2014/main" xmlns="" id="{A48E26C1-10B4-FA5A-B25D-5687CAACF700}"/>
+                <a16:creationId xmlns="" xmlns:a16="http://schemas.microsoft.com/office/drawing/2014/main" id="{A48E26C1-10B4-FA5A-B25D-5687CAACF700}"/>
               </a:ext>
             </a:extLst>
           </p:cNvPr>
@@ -19859,7 +19719,7 @@
           <p:cNvPr id="7" name="TextBox 6">
             <a:extLst>
               <a:ext uri="{FF2B5EF4-FFF2-40B4-BE49-F238E27FC236}">
-                <a16:creationId xmlns:a16="http://schemas.microsoft.com/office/drawing/2014/main" xmlns="" id="{4F6BB9E8-F0B4-B9C8-9E52-C75FB1B22BD7}"/>
+                <a16:creationId xmlns="" xmlns:a16="http://schemas.microsoft.com/office/drawing/2014/main" id="{4F6BB9E8-F0B4-B9C8-9E52-C75FB1B22BD7}"/>
               </a:ext>
             </a:extLst>
           </p:cNvPr>
@@ -19910,7 +19770,7 @@
           <p:cNvPr id="9" name="그림 8">
             <a:extLst>
               <a:ext uri="{FF2B5EF4-FFF2-40B4-BE49-F238E27FC236}">
-                <a16:creationId xmlns:a16="http://schemas.microsoft.com/office/drawing/2014/main" xmlns="" id="{B58660AA-81D7-66B7-B110-AFB437548A78}"/>
+                <a16:creationId xmlns="" xmlns:a16="http://schemas.microsoft.com/office/drawing/2014/main" id="{B58660AA-81D7-66B7-B110-AFB437548A78}"/>
               </a:ext>
             </a:extLst>
           </p:cNvPr>
@@ -19940,7 +19800,7 @@
           <p:cNvPr id="11" name="그림 10">
             <a:extLst>
               <a:ext uri="{FF2B5EF4-FFF2-40B4-BE49-F238E27FC236}">
-                <a16:creationId xmlns:a16="http://schemas.microsoft.com/office/drawing/2014/main" xmlns="" id="{535A7BF9-2238-E250-7438-B554C867A051}"/>
+                <a16:creationId xmlns="" xmlns:a16="http://schemas.microsoft.com/office/drawing/2014/main" id="{535A7BF9-2238-E250-7438-B554C867A051}"/>
               </a:ext>
             </a:extLst>
           </p:cNvPr>
@@ -19970,7 +19830,7 @@
           <p:cNvPr id="13" name="그림 12">
             <a:extLst>
               <a:ext uri="{FF2B5EF4-FFF2-40B4-BE49-F238E27FC236}">
-                <a16:creationId xmlns:a16="http://schemas.microsoft.com/office/drawing/2014/main" xmlns="" id="{DAC8A492-5A4F-0ABA-E49D-3483F6E18F5C}"/>
+                <a16:creationId xmlns="" xmlns:a16="http://schemas.microsoft.com/office/drawing/2014/main" id="{DAC8A492-5A4F-0ABA-E49D-3483F6E18F5C}"/>
               </a:ext>
             </a:extLst>
           </p:cNvPr>
@@ -20000,7 +19860,7 @@
           <p:cNvPr id="15" name="그림 14">
             <a:extLst>
               <a:ext uri="{FF2B5EF4-FFF2-40B4-BE49-F238E27FC236}">
-                <a16:creationId xmlns:a16="http://schemas.microsoft.com/office/drawing/2014/main" xmlns="" id="{265CB95C-CC9A-E9EB-E83C-4C97C25CC8CA}"/>
+                <a16:creationId xmlns="" xmlns:a16="http://schemas.microsoft.com/office/drawing/2014/main" id="{265CB95C-CC9A-E9EB-E83C-4C97C25CC8CA}"/>
               </a:ext>
             </a:extLst>
           </p:cNvPr>
@@ -20030,7 +19890,7 @@
           <p:cNvPr id="17" name="그림 16">
             <a:extLst>
               <a:ext uri="{FF2B5EF4-FFF2-40B4-BE49-F238E27FC236}">
-                <a16:creationId xmlns:a16="http://schemas.microsoft.com/office/drawing/2014/main" xmlns="" id="{58011D6F-EEED-BAF7-0601-3C5BC2E040BC}"/>
+                <a16:creationId xmlns="" xmlns:a16="http://schemas.microsoft.com/office/drawing/2014/main" id="{58011D6F-EEED-BAF7-0601-3C5BC2E040BC}"/>
               </a:ext>
             </a:extLst>
           </p:cNvPr>
@@ -20060,7 +19920,7 @@
           <p:cNvPr id="19" name="그림 18">
             <a:extLst>
               <a:ext uri="{FF2B5EF4-FFF2-40B4-BE49-F238E27FC236}">
-                <a16:creationId xmlns:a16="http://schemas.microsoft.com/office/drawing/2014/main" xmlns="" id="{005480C6-5D19-93FA-AFE9-1E09F235CE6C}"/>
+                <a16:creationId xmlns="" xmlns:a16="http://schemas.microsoft.com/office/drawing/2014/main" id="{005480C6-5D19-93FA-AFE9-1E09F235CE6C}"/>
               </a:ext>
             </a:extLst>
           </p:cNvPr>
@@ -20090,7 +19950,7 @@
           <p:cNvPr id="20" name="TextBox 19">
             <a:extLst>
               <a:ext uri="{FF2B5EF4-FFF2-40B4-BE49-F238E27FC236}">
-                <a16:creationId xmlns:a16="http://schemas.microsoft.com/office/drawing/2014/main" xmlns="" id="{7D2E378B-820A-496F-AB0A-EECBF3A3D574}"/>
+                <a16:creationId xmlns="" xmlns:a16="http://schemas.microsoft.com/office/drawing/2014/main" id="{7D2E378B-820A-496F-AB0A-EECBF3A3D574}"/>
               </a:ext>
             </a:extLst>
           </p:cNvPr>
@@ -20141,7 +20001,7 @@
           <p:cNvPr id="21" name="TextBox 20">
             <a:extLst>
               <a:ext uri="{FF2B5EF4-FFF2-40B4-BE49-F238E27FC236}">
-                <a16:creationId xmlns:a16="http://schemas.microsoft.com/office/drawing/2014/main" xmlns="" id="{A25C3235-12FE-CD22-EF65-037AF21E2B4A}"/>
+                <a16:creationId xmlns="" xmlns:a16="http://schemas.microsoft.com/office/drawing/2014/main" id="{A25C3235-12FE-CD22-EF65-037AF21E2B4A}"/>
               </a:ext>
             </a:extLst>
           </p:cNvPr>
@@ -20192,7 +20052,7 @@
           <p:cNvPr id="22" name="TextBox 21">
             <a:extLst>
               <a:ext uri="{FF2B5EF4-FFF2-40B4-BE49-F238E27FC236}">
-                <a16:creationId xmlns:a16="http://schemas.microsoft.com/office/drawing/2014/main" xmlns="" id="{484B6481-5024-AF7E-172B-36FC8A4E28B5}"/>
+                <a16:creationId xmlns="" xmlns:a16="http://schemas.microsoft.com/office/drawing/2014/main" id="{484B6481-5024-AF7E-172B-36FC8A4E28B5}"/>
               </a:ext>
             </a:extLst>
           </p:cNvPr>
@@ -20273,7 +20133,7 @@
           <p:cNvPr id="2" name="제목 1">
             <a:extLst>
               <a:ext uri="{FF2B5EF4-FFF2-40B4-BE49-F238E27FC236}">
-                <a16:creationId xmlns:a16="http://schemas.microsoft.com/office/drawing/2014/main" xmlns="" id="{2D7E6B8A-E1FD-472B-F033-346AC9F27163}"/>
+                <a16:creationId xmlns="" xmlns:a16="http://schemas.microsoft.com/office/drawing/2014/main" id="{2D7E6B8A-E1FD-472B-F033-346AC9F27163}"/>
               </a:ext>
             </a:extLst>
           </p:cNvPr>
@@ -20341,7 +20201,7 @@
           <p:cNvPr id="4" name="그림 3">
             <a:extLst>
               <a:ext uri="{FF2B5EF4-FFF2-40B4-BE49-F238E27FC236}">
-                <a16:creationId xmlns:a16="http://schemas.microsoft.com/office/drawing/2014/main" xmlns="" id="{53722E26-58F3-2681-C770-A74F9F593211}"/>
+                <a16:creationId xmlns="" xmlns:a16="http://schemas.microsoft.com/office/drawing/2014/main" id="{53722E26-58F3-2681-C770-A74F9F593211}"/>
               </a:ext>
             </a:extLst>
           </p:cNvPr>
@@ -20371,7 +20231,7 @@
           <p:cNvPr id="6" name="그림 5">
             <a:extLst>
               <a:ext uri="{FF2B5EF4-FFF2-40B4-BE49-F238E27FC236}">
-                <a16:creationId xmlns:a16="http://schemas.microsoft.com/office/drawing/2014/main" xmlns="" id="{CB4E2C37-AA12-5BB2-2A72-9682A7B54E9E}"/>
+                <a16:creationId xmlns="" xmlns:a16="http://schemas.microsoft.com/office/drawing/2014/main" id="{CB4E2C37-AA12-5BB2-2A72-9682A7B54E9E}"/>
               </a:ext>
             </a:extLst>
           </p:cNvPr>
@@ -20401,7 +20261,7 @@
           <p:cNvPr id="7" name="TextBox 6">
             <a:extLst>
               <a:ext uri="{FF2B5EF4-FFF2-40B4-BE49-F238E27FC236}">
-                <a16:creationId xmlns:a16="http://schemas.microsoft.com/office/drawing/2014/main" xmlns="" id="{AE78080D-5E9C-372A-6A22-AAF52B9E6C68}"/>
+                <a16:creationId xmlns="" xmlns:a16="http://schemas.microsoft.com/office/drawing/2014/main" id="{AE78080D-5E9C-372A-6A22-AAF52B9E6C68}"/>
               </a:ext>
             </a:extLst>
           </p:cNvPr>
@@ -20452,7 +20312,7 @@
           <p:cNvPr id="9" name="그림 8">
             <a:extLst>
               <a:ext uri="{FF2B5EF4-FFF2-40B4-BE49-F238E27FC236}">
-                <a16:creationId xmlns:a16="http://schemas.microsoft.com/office/drawing/2014/main" xmlns="" id="{8F6A5DDA-19E1-E4A0-3486-FB441239D66A}"/>
+                <a16:creationId xmlns="" xmlns:a16="http://schemas.microsoft.com/office/drawing/2014/main" id="{8F6A5DDA-19E1-E4A0-3486-FB441239D66A}"/>
               </a:ext>
             </a:extLst>
           </p:cNvPr>
@@ -20482,7 +20342,7 @@
           <p:cNvPr id="11" name="그림 10">
             <a:extLst>
               <a:ext uri="{FF2B5EF4-FFF2-40B4-BE49-F238E27FC236}">
-                <a16:creationId xmlns:a16="http://schemas.microsoft.com/office/drawing/2014/main" xmlns="" id="{1F0D0B0A-689D-D668-8061-F9D2983E48D8}"/>
+                <a16:creationId xmlns="" xmlns:a16="http://schemas.microsoft.com/office/drawing/2014/main" id="{1F0D0B0A-689D-D668-8061-F9D2983E48D8}"/>
               </a:ext>
             </a:extLst>
           </p:cNvPr>
@@ -20512,7 +20372,7 @@
           <p:cNvPr id="12" name="TextBox 11">
             <a:extLst>
               <a:ext uri="{FF2B5EF4-FFF2-40B4-BE49-F238E27FC236}">
-                <a16:creationId xmlns:a16="http://schemas.microsoft.com/office/drawing/2014/main" xmlns="" id="{33B14A5A-3597-586D-1CD8-80989A831524}"/>
+                <a16:creationId xmlns="" xmlns:a16="http://schemas.microsoft.com/office/drawing/2014/main" id="{33B14A5A-3597-586D-1CD8-80989A831524}"/>
               </a:ext>
             </a:extLst>
           </p:cNvPr>
@@ -20563,7 +20423,7 @@
           <p:cNvPr id="14" name="그림 13">
             <a:extLst>
               <a:ext uri="{FF2B5EF4-FFF2-40B4-BE49-F238E27FC236}">
-                <a16:creationId xmlns:a16="http://schemas.microsoft.com/office/drawing/2014/main" xmlns="" id="{DEC1DC0A-73DE-21F4-1389-F0BE9C021E18}"/>
+                <a16:creationId xmlns="" xmlns:a16="http://schemas.microsoft.com/office/drawing/2014/main" id="{DEC1DC0A-73DE-21F4-1389-F0BE9C021E18}"/>
               </a:ext>
             </a:extLst>
           </p:cNvPr>
@@ -20593,7 +20453,7 @@
           <p:cNvPr id="16" name="그림 15">
             <a:extLst>
               <a:ext uri="{FF2B5EF4-FFF2-40B4-BE49-F238E27FC236}">
-                <a16:creationId xmlns:a16="http://schemas.microsoft.com/office/drawing/2014/main" xmlns="" id="{184CE857-F7BD-28E9-26DC-ECA442276988}"/>
+                <a16:creationId xmlns="" xmlns:a16="http://schemas.microsoft.com/office/drawing/2014/main" id="{184CE857-F7BD-28E9-26DC-ECA442276988}"/>
               </a:ext>
             </a:extLst>
           </p:cNvPr>
@@ -20623,7 +20483,7 @@
           <p:cNvPr id="18" name="그림 17">
             <a:extLst>
               <a:ext uri="{FF2B5EF4-FFF2-40B4-BE49-F238E27FC236}">
-                <a16:creationId xmlns:a16="http://schemas.microsoft.com/office/drawing/2014/main" xmlns="" id="{3A1179B6-4D66-0277-2357-5767EDF2C175}"/>
+                <a16:creationId xmlns="" xmlns:a16="http://schemas.microsoft.com/office/drawing/2014/main" id="{3A1179B6-4D66-0277-2357-5767EDF2C175}"/>
               </a:ext>
             </a:extLst>
           </p:cNvPr>
@@ -20653,7 +20513,7 @@
           <p:cNvPr id="19" name="TextBox 18">
             <a:extLst>
               <a:ext uri="{FF2B5EF4-FFF2-40B4-BE49-F238E27FC236}">
-                <a16:creationId xmlns:a16="http://schemas.microsoft.com/office/drawing/2014/main" xmlns="" id="{5ADE2008-5C7B-662A-E9CA-7A3538EC2059}"/>
+                <a16:creationId xmlns="" xmlns:a16="http://schemas.microsoft.com/office/drawing/2014/main" id="{5ADE2008-5C7B-662A-E9CA-7A3538EC2059}"/>
               </a:ext>
             </a:extLst>
           </p:cNvPr>
@@ -20704,7 +20564,7 @@
           <p:cNvPr id="20" name="TextBox 19">
             <a:extLst>
               <a:ext uri="{FF2B5EF4-FFF2-40B4-BE49-F238E27FC236}">
-                <a16:creationId xmlns:a16="http://schemas.microsoft.com/office/drawing/2014/main" xmlns="" id="{5DF478EE-D2A7-8C65-2025-C8401905B9DC}"/>
+                <a16:creationId xmlns="" xmlns:a16="http://schemas.microsoft.com/office/drawing/2014/main" id="{5DF478EE-D2A7-8C65-2025-C8401905B9DC}"/>
               </a:ext>
             </a:extLst>
           </p:cNvPr>
@@ -20755,7 +20615,7 @@
           <p:cNvPr id="22" name="그림 21">
             <a:extLst>
               <a:ext uri="{FF2B5EF4-FFF2-40B4-BE49-F238E27FC236}">
-                <a16:creationId xmlns:a16="http://schemas.microsoft.com/office/drawing/2014/main" xmlns="" id="{0B35EA0B-5880-5AB2-416F-3C61F1E1C121}"/>
+                <a16:creationId xmlns="" xmlns:a16="http://schemas.microsoft.com/office/drawing/2014/main" id="{0B35EA0B-5880-5AB2-416F-3C61F1E1C121}"/>
               </a:ext>
             </a:extLst>
           </p:cNvPr>
@@ -20815,7 +20675,7 @@
           <p:cNvPr id="2" name="제목 1">
             <a:extLst>
               <a:ext uri="{FF2B5EF4-FFF2-40B4-BE49-F238E27FC236}">
-                <a16:creationId xmlns:a16="http://schemas.microsoft.com/office/drawing/2014/main" xmlns="" id="{2D7E6B8A-E1FD-472B-F033-346AC9F27163}"/>
+                <a16:creationId xmlns="" xmlns:a16="http://schemas.microsoft.com/office/drawing/2014/main" id="{2D7E6B8A-E1FD-472B-F033-346AC9F27163}"/>
               </a:ext>
             </a:extLst>
           </p:cNvPr>
@@ -20883,7 +20743,7 @@
           <p:cNvPr id="4" name="그림 3">
             <a:extLst>
               <a:ext uri="{FF2B5EF4-FFF2-40B4-BE49-F238E27FC236}">
-                <a16:creationId xmlns:a16="http://schemas.microsoft.com/office/drawing/2014/main" xmlns="" id="{5626CE8E-A6AF-E07D-662C-CDC0398EB838}"/>
+                <a16:creationId xmlns="" xmlns:a16="http://schemas.microsoft.com/office/drawing/2014/main" id="{5626CE8E-A6AF-E07D-662C-CDC0398EB838}"/>
               </a:ext>
             </a:extLst>
           </p:cNvPr>
@@ -20913,7 +20773,7 @@
           <p:cNvPr id="6" name="그림 5">
             <a:extLst>
               <a:ext uri="{FF2B5EF4-FFF2-40B4-BE49-F238E27FC236}">
-                <a16:creationId xmlns:a16="http://schemas.microsoft.com/office/drawing/2014/main" xmlns="" id="{E486F645-5F64-72B1-C696-EE486CB5F57C}"/>
+                <a16:creationId xmlns="" xmlns:a16="http://schemas.microsoft.com/office/drawing/2014/main" id="{E486F645-5F64-72B1-C696-EE486CB5F57C}"/>
               </a:ext>
             </a:extLst>
           </p:cNvPr>
@@ -20943,7 +20803,7 @@
           <p:cNvPr id="7" name="TextBox 6">
             <a:extLst>
               <a:ext uri="{FF2B5EF4-FFF2-40B4-BE49-F238E27FC236}">
-                <a16:creationId xmlns:a16="http://schemas.microsoft.com/office/drawing/2014/main" xmlns="" id="{348C42A3-149A-4680-B7C7-B3FD6A75B17F}"/>
+                <a16:creationId xmlns="" xmlns:a16="http://schemas.microsoft.com/office/drawing/2014/main" id="{348C42A3-149A-4680-B7C7-B3FD6A75B17F}"/>
               </a:ext>
             </a:extLst>
           </p:cNvPr>
@@ -20994,7 +20854,7 @@
           <p:cNvPr id="9" name="그림 8">
             <a:extLst>
               <a:ext uri="{FF2B5EF4-FFF2-40B4-BE49-F238E27FC236}">
-                <a16:creationId xmlns:a16="http://schemas.microsoft.com/office/drawing/2014/main" xmlns="" id="{68DE87D4-8F05-0145-4740-03896B6FBEB3}"/>
+                <a16:creationId xmlns="" xmlns:a16="http://schemas.microsoft.com/office/drawing/2014/main" id="{68DE87D4-8F05-0145-4740-03896B6FBEB3}"/>
               </a:ext>
             </a:extLst>
           </p:cNvPr>
@@ -21024,7 +20884,7 @@
           <p:cNvPr id="11" name="그림 10">
             <a:extLst>
               <a:ext uri="{FF2B5EF4-FFF2-40B4-BE49-F238E27FC236}">
-                <a16:creationId xmlns:a16="http://schemas.microsoft.com/office/drawing/2014/main" xmlns="" id="{D42E8950-9B81-6A1E-2DB0-E3A4903C22E8}"/>
+                <a16:creationId xmlns="" xmlns:a16="http://schemas.microsoft.com/office/drawing/2014/main" id="{D42E8950-9B81-6A1E-2DB0-E3A4903C22E8}"/>
               </a:ext>
             </a:extLst>
           </p:cNvPr>
@@ -21054,7 +20914,7 @@
           <p:cNvPr id="13" name="그림 12">
             <a:extLst>
               <a:ext uri="{FF2B5EF4-FFF2-40B4-BE49-F238E27FC236}">
-                <a16:creationId xmlns:a16="http://schemas.microsoft.com/office/drawing/2014/main" xmlns="" id="{46A64FB6-ABF5-4C50-663F-457D574FF328}"/>
+                <a16:creationId xmlns="" xmlns:a16="http://schemas.microsoft.com/office/drawing/2014/main" id="{46A64FB6-ABF5-4C50-663F-457D574FF328}"/>
               </a:ext>
             </a:extLst>
           </p:cNvPr>
@@ -21084,7 +20944,7 @@
           <p:cNvPr id="15" name="그림 14">
             <a:extLst>
               <a:ext uri="{FF2B5EF4-FFF2-40B4-BE49-F238E27FC236}">
-                <a16:creationId xmlns:a16="http://schemas.microsoft.com/office/drawing/2014/main" xmlns="" id="{8A39EE04-6FA5-A462-702C-CD0FC1210D34}"/>
+                <a16:creationId xmlns="" xmlns:a16="http://schemas.microsoft.com/office/drawing/2014/main" id="{8A39EE04-6FA5-A462-702C-CD0FC1210D34}"/>
               </a:ext>
             </a:extLst>
           </p:cNvPr>
@@ -21114,7 +20974,7 @@
           <p:cNvPr id="17" name="그림 16">
             <a:extLst>
               <a:ext uri="{FF2B5EF4-FFF2-40B4-BE49-F238E27FC236}">
-                <a16:creationId xmlns:a16="http://schemas.microsoft.com/office/drawing/2014/main" xmlns="" id="{EB41C249-A9F5-F3A2-2D3E-C36A395ED4F4}"/>
+                <a16:creationId xmlns="" xmlns:a16="http://schemas.microsoft.com/office/drawing/2014/main" id="{EB41C249-A9F5-F3A2-2D3E-C36A395ED4F4}"/>
               </a:ext>
             </a:extLst>
           </p:cNvPr>
@@ -21144,7 +21004,7 @@
           <p:cNvPr id="19" name="그림 18">
             <a:extLst>
               <a:ext uri="{FF2B5EF4-FFF2-40B4-BE49-F238E27FC236}">
-                <a16:creationId xmlns:a16="http://schemas.microsoft.com/office/drawing/2014/main" xmlns="" id="{4924D457-CA7C-B107-7366-0BB944D533D2}"/>
+                <a16:creationId xmlns="" xmlns:a16="http://schemas.microsoft.com/office/drawing/2014/main" id="{4924D457-CA7C-B107-7366-0BB944D533D2}"/>
               </a:ext>
             </a:extLst>
           </p:cNvPr>
@@ -21174,7 +21034,7 @@
           <p:cNvPr id="20" name="TextBox 19">
             <a:extLst>
               <a:ext uri="{FF2B5EF4-FFF2-40B4-BE49-F238E27FC236}">
-                <a16:creationId xmlns:a16="http://schemas.microsoft.com/office/drawing/2014/main" xmlns="" id="{2F1EA932-5E69-555F-700A-1F3825FD388F}"/>
+                <a16:creationId xmlns="" xmlns:a16="http://schemas.microsoft.com/office/drawing/2014/main" id="{2F1EA932-5E69-555F-700A-1F3825FD388F}"/>
               </a:ext>
             </a:extLst>
           </p:cNvPr>
@@ -21225,7 +21085,7 @@
           <p:cNvPr id="21" name="TextBox 20">
             <a:extLst>
               <a:ext uri="{FF2B5EF4-FFF2-40B4-BE49-F238E27FC236}">
-                <a16:creationId xmlns:a16="http://schemas.microsoft.com/office/drawing/2014/main" xmlns="" id="{D464345D-7AD6-89AC-F78F-9F13BC05674F}"/>
+                <a16:creationId xmlns="" xmlns:a16="http://schemas.microsoft.com/office/drawing/2014/main" id="{D464345D-7AD6-89AC-F78F-9F13BC05674F}"/>
               </a:ext>
             </a:extLst>
           </p:cNvPr>
@@ -21276,7 +21136,7 @@
           <p:cNvPr id="22" name="TextBox 21">
             <a:extLst>
               <a:ext uri="{FF2B5EF4-FFF2-40B4-BE49-F238E27FC236}">
-                <a16:creationId xmlns:a16="http://schemas.microsoft.com/office/drawing/2014/main" xmlns="" id="{3E999F09-8B12-CEDD-50C5-148FFB94042C}"/>
+                <a16:creationId xmlns="" xmlns:a16="http://schemas.microsoft.com/office/drawing/2014/main" id="{3E999F09-8B12-CEDD-50C5-148FFB94042C}"/>
               </a:ext>
             </a:extLst>
           </p:cNvPr>
@@ -21357,7 +21217,7 @@
           <p:cNvPr id="2" name="제목 1">
             <a:extLst>
               <a:ext uri="{FF2B5EF4-FFF2-40B4-BE49-F238E27FC236}">
-                <a16:creationId xmlns:a16="http://schemas.microsoft.com/office/drawing/2014/main" xmlns="" id="{2D7E6B8A-E1FD-472B-F033-346AC9F27163}"/>
+                <a16:creationId xmlns="" xmlns:a16="http://schemas.microsoft.com/office/drawing/2014/main" id="{2D7E6B8A-E1FD-472B-F033-346AC9F27163}"/>
               </a:ext>
             </a:extLst>
           </p:cNvPr>
@@ -21425,7 +21285,7 @@
           <p:cNvPr id="4" name="그림 3">
             <a:extLst>
               <a:ext uri="{FF2B5EF4-FFF2-40B4-BE49-F238E27FC236}">
-                <a16:creationId xmlns:a16="http://schemas.microsoft.com/office/drawing/2014/main" xmlns="" id="{A3A9A022-720F-4AB7-B3DB-78BC53BD2C4B}"/>
+                <a16:creationId xmlns="" xmlns:a16="http://schemas.microsoft.com/office/drawing/2014/main" id="{A3A9A022-720F-4AB7-B3DB-78BC53BD2C4B}"/>
               </a:ext>
             </a:extLst>
           </p:cNvPr>
@@ -21455,7 +21315,7 @@
           <p:cNvPr id="6" name="그림 5">
             <a:extLst>
               <a:ext uri="{FF2B5EF4-FFF2-40B4-BE49-F238E27FC236}">
-                <a16:creationId xmlns:a16="http://schemas.microsoft.com/office/drawing/2014/main" xmlns="" id="{894640C1-E198-1A9D-B5A8-2AA1BB392764}"/>
+                <a16:creationId xmlns="" xmlns:a16="http://schemas.microsoft.com/office/drawing/2014/main" id="{894640C1-E198-1A9D-B5A8-2AA1BB392764}"/>
               </a:ext>
             </a:extLst>
           </p:cNvPr>
@@ -21485,7 +21345,7 @@
           <p:cNvPr id="7" name="TextBox 6">
             <a:extLst>
               <a:ext uri="{FF2B5EF4-FFF2-40B4-BE49-F238E27FC236}">
-                <a16:creationId xmlns:a16="http://schemas.microsoft.com/office/drawing/2014/main" xmlns="" id="{1CB741C4-D854-19BF-4203-4562A733FF7A}"/>
+                <a16:creationId xmlns="" xmlns:a16="http://schemas.microsoft.com/office/drawing/2014/main" id="{1CB741C4-D854-19BF-4203-4562A733FF7A}"/>
               </a:ext>
             </a:extLst>
           </p:cNvPr>
@@ -21536,7 +21396,7 @@
           <p:cNvPr id="9" name="그림 8">
             <a:extLst>
               <a:ext uri="{FF2B5EF4-FFF2-40B4-BE49-F238E27FC236}">
-                <a16:creationId xmlns:a16="http://schemas.microsoft.com/office/drawing/2014/main" xmlns="" id="{D12047E0-E1F2-C95E-FE18-62B663729EBD}"/>
+                <a16:creationId xmlns="" xmlns:a16="http://schemas.microsoft.com/office/drawing/2014/main" id="{D12047E0-E1F2-C95E-FE18-62B663729EBD}"/>
               </a:ext>
             </a:extLst>
           </p:cNvPr>
@@ -21566,7 +21426,7 @@
           <p:cNvPr id="11" name="그림 10">
             <a:extLst>
               <a:ext uri="{FF2B5EF4-FFF2-40B4-BE49-F238E27FC236}">
-                <a16:creationId xmlns:a16="http://schemas.microsoft.com/office/drawing/2014/main" xmlns="" id="{03A504BD-CF9D-83AE-8078-B25B460DFA57}"/>
+                <a16:creationId xmlns="" xmlns:a16="http://schemas.microsoft.com/office/drawing/2014/main" id="{03A504BD-CF9D-83AE-8078-B25B460DFA57}"/>
               </a:ext>
             </a:extLst>
           </p:cNvPr>
@@ -21596,7 +21456,7 @@
           <p:cNvPr id="13" name="그림 12">
             <a:extLst>
               <a:ext uri="{FF2B5EF4-FFF2-40B4-BE49-F238E27FC236}">
-                <a16:creationId xmlns:a16="http://schemas.microsoft.com/office/drawing/2014/main" xmlns="" id="{63043C2B-D794-8283-F351-F53C26B793A2}"/>
+                <a16:creationId xmlns="" xmlns:a16="http://schemas.microsoft.com/office/drawing/2014/main" id="{63043C2B-D794-8283-F351-F53C26B793A2}"/>
               </a:ext>
             </a:extLst>
           </p:cNvPr>
@@ -21626,7 +21486,7 @@
           <p:cNvPr id="15" name="그림 14">
             <a:extLst>
               <a:ext uri="{FF2B5EF4-FFF2-40B4-BE49-F238E27FC236}">
-                <a16:creationId xmlns:a16="http://schemas.microsoft.com/office/drawing/2014/main" xmlns="" id="{0CF02CF2-0BFF-D5BF-96E2-C9CC6805C20A}"/>
+                <a16:creationId xmlns="" xmlns:a16="http://schemas.microsoft.com/office/drawing/2014/main" id="{0CF02CF2-0BFF-D5BF-96E2-C9CC6805C20A}"/>
               </a:ext>
             </a:extLst>
           </p:cNvPr>
@@ -21656,7 +21516,7 @@
           <p:cNvPr id="17" name="그림 16">
             <a:extLst>
               <a:ext uri="{FF2B5EF4-FFF2-40B4-BE49-F238E27FC236}">
-                <a16:creationId xmlns:a16="http://schemas.microsoft.com/office/drawing/2014/main" xmlns="" id="{BA6A4A33-2431-3E9F-4FB0-A04AD50803BB}"/>
+                <a16:creationId xmlns="" xmlns:a16="http://schemas.microsoft.com/office/drawing/2014/main" id="{BA6A4A33-2431-3E9F-4FB0-A04AD50803BB}"/>
               </a:ext>
             </a:extLst>
           </p:cNvPr>
@@ -21686,7 +21546,7 @@
           <p:cNvPr id="19" name="그림 18">
             <a:extLst>
               <a:ext uri="{FF2B5EF4-FFF2-40B4-BE49-F238E27FC236}">
-                <a16:creationId xmlns:a16="http://schemas.microsoft.com/office/drawing/2014/main" xmlns="" id="{5B907DA9-0F0D-50B8-1E28-A088FCA4D65F}"/>
+                <a16:creationId xmlns="" xmlns:a16="http://schemas.microsoft.com/office/drawing/2014/main" id="{5B907DA9-0F0D-50B8-1E28-A088FCA4D65F}"/>
               </a:ext>
             </a:extLst>
           </p:cNvPr>
@@ -21716,7 +21576,7 @@
           <p:cNvPr id="20" name="TextBox 19">
             <a:extLst>
               <a:ext uri="{FF2B5EF4-FFF2-40B4-BE49-F238E27FC236}">
-                <a16:creationId xmlns:a16="http://schemas.microsoft.com/office/drawing/2014/main" xmlns="" id="{600AE673-5AA6-2E67-E1AF-57003EC2060C}"/>
+                <a16:creationId xmlns="" xmlns:a16="http://schemas.microsoft.com/office/drawing/2014/main" id="{600AE673-5AA6-2E67-E1AF-57003EC2060C}"/>
               </a:ext>
             </a:extLst>
           </p:cNvPr>
@@ -21767,7 +21627,7 @@
           <p:cNvPr id="21" name="TextBox 20">
             <a:extLst>
               <a:ext uri="{FF2B5EF4-FFF2-40B4-BE49-F238E27FC236}">
-                <a16:creationId xmlns:a16="http://schemas.microsoft.com/office/drawing/2014/main" xmlns="" id="{EB238BA2-D559-0ED4-649A-2495583E2B75}"/>
+                <a16:creationId xmlns="" xmlns:a16="http://schemas.microsoft.com/office/drawing/2014/main" id="{EB238BA2-D559-0ED4-649A-2495583E2B75}"/>
               </a:ext>
             </a:extLst>
           </p:cNvPr>
@@ -21818,7 +21678,7 @@
           <p:cNvPr id="22" name="TextBox 21">
             <a:extLst>
               <a:ext uri="{FF2B5EF4-FFF2-40B4-BE49-F238E27FC236}">
-                <a16:creationId xmlns:a16="http://schemas.microsoft.com/office/drawing/2014/main" xmlns="" id="{C169CF9D-9A51-960F-5853-B1367FCE137D}"/>
+                <a16:creationId xmlns="" xmlns:a16="http://schemas.microsoft.com/office/drawing/2014/main" id="{C169CF9D-9A51-960F-5853-B1367FCE137D}"/>
               </a:ext>
             </a:extLst>
           </p:cNvPr>
@@ -21899,7 +21759,7 @@
           <p:cNvPr id="2" name="제목 1">
             <a:extLst>
               <a:ext uri="{FF2B5EF4-FFF2-40B4-BE49-F238E27FC236}">
-                <a16:creationId xmlns:a16="http://schemas.microsoft.com/office/drawing/2014/main" xmlns="" id="{2D7E6B8A-E1FD-472B-F033-346AC9F27163}"/>
+                <a16:creationId xmlns="" xmlns:a16="http://schemas.microsoft.com/office/drawing/2014/main" id="{2D7E6B8A-E1FD-472B-F033-346AC9F27163}"/>
               </a:ext>
             </a:extLst>
           </p:cNvPr>
@@ -21967,7 +21827,7 @@
           <p:cNvPr id="4" name="그림 3">
             <a:extLst>
               <a:ext uri="{FF2B5EF4-FFF2-40B4-BE49-F238E27FC236}">
-                <a16:creationId xmlns:a16="http://schemas.microsoft.com/office/drawing/2014/main" xmlns="" id="{BB45B6FA-90A9-2A64-01E3-CD496B637BB9}"/>
+                <a16:creationId xmlns="" xmlns:a16="http://schemas.microsoft.com/office/drawing/2014/main" id="{BB45B6FA-90A9-2A64-01E3-CD496B637BB9}"/>
               </a:ext>
             </a:extLst>
           </p:cNvPr>
@@ -21997,7 +21857,7 @@
           <p:cNvPr id="6" name="그림 5">
             <a:extLst>
               <a:ext uri="{FF2B5EF4-FFF2-40B4-BE49-F238E27FC236}">
-                <a16:creationId xmlns:a16="http://schemas.microsoft.com/office/drawing/2014/main" xmlns="" id="{5A349B9B-4CCE-F72D-DAD2-B133B632C008}"/>
+                <a16:creationId xmlns="" xmlns:a16="http://schemas.microsoft.com/office/drawing/2014/main" id="{5A349B9B-4CCE-F72D-DAD2-B133B632C008}"/>
               </a:ext>
             </a:extLst>
           </p:cNvPr>
@@ -22027,7 +21887,7 @@
           <p:cNvPr id="7" name="TextBox 6">
             <a:extLst>
               <a:ext uri="{FF2B5EF4-FFF2-40B4-BE49-F238E27FC236}">
-                <a16:creationId xmlns:a16="http://schemas.microsoft.com/office/drawing/2014/main" xmlns="" id="{3CD6F484-8E2B-C786-DBFD-99A4083C4C24}"/>
+                <a16:creationId xmlns="" xmlns:a16="http://schemas.microsoft.com/office/drawing/2014/main" id="{3CD6F484-8E2B-C786-DBFD-99A4083C4C24}"/>
               </a:ext>
             </a:extLst>
           </p:cNvPr>
@@ -22078,7 +21938,7 @@
           <p:cNvPr id="9" name="그림 8">
             <a:extLst>
               <a:ext uri="{FF2B5EF4-FFF2-40B4-BE49-F238E27FC236}">
-                <a16:creationId xmlns:a16="http://schemas.microsoft.com/office/drawing/2014/main" xmlns="" id="{C8AEF8D9-9C1A-50AD-047B-07858A21FF70}"/>
+                <a16:creationId xmlns="" xmlns:a16="http://schemas.microsoft.com/office/drawing/2014/main" id="{C8AEF8D9-9C1A-50AD-047B-07858A21FF70}"/>
               </a:ext>
             </a:extLst>
           </p:cNvPr>
@@ -22108,7 +21968,7 @@
           <p:cNvPr id="11" name="그림 10">
             <a:extLst>
               <a:ext uri="{FF2B5EF4-FFF2-40B4-BE49-F238E27FC236}">
-                <a16:creationId xmlns:a16="http://schemas.microsoft.com/office/drawing/2014/main" xmlns="" id="{62690D64-9600-665A-5EE5-39C7559050CB}"/>
+                <a16:creationId xmlns="" xmlns:a16="http://schemas.microsoft.com/office/drawing/2014/main" id="{62690D64-9600-665A-5EE5-39C7559050CB}"/>
               </a:ext>
             </a:extLst>
           </p:cNvPr>
@@ -22138,7 +21998,7 @@
           <p:cNvPr id="13" name="그림 12">
             <a:extLst>
               <a:ext uri="{FF2B5EF4-FFF2-40B4-BE49-F238E27FC236}">
-                <a16:creationId xmlns:a16="http://schemas.microsoft.com/office/drawing/2014/main" xmlns="" id="{E887B8F7-B054-3AF3-8A2A-9E6E298B7A78}"/>
+                <a16:creationId xmlns="" xmlns:a16="http://schemas.microsoft.com/office/drawing/2014/main" id="{E887B8F7-B054-3AF3-8A2A-9E6E298B7A78}"/>
               </a:ext>
             </a:extLst>
           </p:cNvPr>
@@ -22168,7 +22028,7 @@
           <p:cNvPr id="15" name="그림 14">
             <a:extLst>
               <a:ext uri="{FF2B5EF4-FFF2-40B4-BE49-F238E27FC236}">
-                <a16:creationId xmlns:a16="http://schemas.microsoft.com/office/drawing/2014/main" xmlns="" id="{62912B85-BE0B-9341-1804-8A841B2D7935}"/>
+                <a16:creationId xmlns="" xmlns:a16="http://schemas.microsoft.com/office/drawing/2014/main" id="{62912B85-BE0B-9341-1804-8A841B2D7935}"/>
               </a:ext>
             </a:extLst>
           </p:cNvPr>
@@ -22198,7 +22058,7 @@
           <p:cNvPr id="17" name="그림 16">
             <a:extLst>
               <a:ext uri="{FF2B5EF4-FFF2-40B4-BE49-F238E27FC236}">
-                <a16:creationId xmlns:a16="http://schemas.microsoft.com/office/drawing/2014/main" xmlns="" id="{3A4CEEF1-BAD7-CC1B-B040-155CFEE1C963}"/>
+                <a16:creationId xmlns="" xmlns:a16="http://schemas.microsoft.com/office/drawing/2014/main" id="{3A4CEEF1-BAD7-CC1B-B040-155CFEE1C963}"/>
               </a:ext>
             </a:extLst>
           </p:cNvPr>
@@ -22228,7 +22088,7 @@
           <p:cNvPr id="19" name="그림 18">
             <a:extLst>
               <a:ext uri="{FF2B5EF4-FFF2-40B4-BE49-F238E27FC236}">
-                <a16:creationId xmlns:a16="http://schemas.microsoft.com/office/drawing/2014/main" xmlns="" id="{89BF2589-A95B-6561-0D95-CBB49D3046AB}"/>
+                <a16:creationId xmlns="" xmlns:a16="http://schemas.microsoft.com/office/drawing/2014/main" id="{89BF2589-A95B-6561-0D95-CBB49D3046AB}"/>
               </a:ext>
             </a:extLst>
           </p:cNvPr>
@@ -22258,7 +22118,7 @@
           <p:cNvPr id="20" name="TextBox 19">
             <a:extLst>
               <a:ext uri="{FF2B5EF4-FFF2-40B4-BE49-F238E27FC236}">
-                <a16:creationId xmlns:a16="http://schemas.microsoft.com/office/drawing/2014/main" xmlns="" id="{03AED16C-FA9A-0B25-D070-4C679FCD102F}"/>
+                <a16:creationId xmlns="" xmlns:a16="http://schemas.microsoft.com/office/drawing/2014/main" id="{03AED16C-FA9A-0B25-D070-4C679FCD102F}"/>
               </a:ext>
             </a:extLst>
           </p:cNvPr>
@@ -22309,7 +22169,7 @@
           <p:cNvPr id="21" name="TextBox 20">
             <a:extLst>
               <a:ext uri="{FF2B5EF4-FFF2-40B4-BE49-F238E27FC236}">
-                <a16:creationId xmlns:a16="http://schemas.microsoft.com/office/drawing/2014/main" xmlns="" id="{1624DE8E-EB9B-13C1-048E-F38E0CE805A6}"/>
+                <a16:creationId xmlns="" xmlns:a16="http://schemas.microsoft.com/office/drawing/2014/main" id="{1624DE8E-EB9B-13C1-048E-F38E0CE805A6}"/>
               </a:ext>
             </a:extLst>
           </p:cNvPr>
@@ -22360,7 +22220,7 @@
           <p:cNvPr id="22" name="TextBox 21">
             <a:extLst>
               <a:ext uri="{FF2B5EF4-FFF2-40B4-BE49-F238E27FC236}">
-                <a16:creationId xmlns:a16="http://schemas.microsoft.com/office/drawing/2014/main" xmlns="" id="{12763B8E-4AB5-49E8-077E-99490DA38F83}"/>
+                <a16:creationId xmlns="" xmlns:a16="http://schemas.microsoft.com/office/drawing/2014/main" id="{12763B8E-4AB5-49E8-077E-99490DA38F83}"/>
               </a:ext>
             </a:extLst>
           </p:cNvPr>
@@ -22441,7 +22301,7 @@
           <p:cNvPr id="2" name="제목 1">
             <a:extLst>
               <a:ext uri="{FF2B5EF4-FFF2-40B4-BE49-F238E27FC236}">
-                <a16:creationId xmlns:a16="http://schemas.microsoft.com/office/drawing/2014/main" xmlns="" id="{2D7E6B8A-E1FD-472B-F033-346AC9F27163}"/>
+                <a16:creationId xmlns="" xmlns:a16="http://schemas.microsoft.com/office/drawing/2014/main" id="{2D7E6B8A-E1FD-472B-F033-346AC9F27163}"/>
               </a:ext>
             </a:extLst>
           </p:cNvPr>
@@ -22509,7 +22369,7 @@
           <p:cNvPr id="6" name="그림 5">
             <a:extLst>
               <a:ext uri="{FF2B5EF4-FFF2-40B4-BE49-F238E27FC236}">
-                <a16:creationId xmlns:a16="http://schemas.microsoft.com/office/drawing/2014/main" xmlns="" id="{671F7670-FC0F-CD1A-7B3E-CB3B5CD8D022}"/>
+                <a16:creationId xmlns="" xmlns:a16="http://schemas.microsoft.com/office/drawing/2014/main" id="{671F7670-FC0F-CD1A-7B3E-CB3B5CD8D022}"/>
               </a:ext>
             </a:extLst>
           </p:cNvPr>
@@ -22569,7 +22429,7 @@
           <p:cNvPr id="2" name="제목 1">
             <a:extLst>
               <a:ext uri="{FF2B5EF4-FFF2-40B4-BE49-F238E27FC236}">
-                <a16:creationId xmlns:a16="http://schemas.microsoft.com/office/drawing/2014/main" xmlns="" id="{2D7E6B8A-E1FD-472B-F033-346AC9F27163}"/>
+                <a16:creationId xmlns="" xmlns:a16="http://schemas.microsoft.com/office/drawing/2014/main" id="{2D7E6B8A-E1FD-472B-F033-346AC9F27163}"/>
               </a:ext>
             </a:extLst>
           </p:cNvPr>
@@ -22637,7 +22497,7 @@
           <p:cNvPr id="4" name="그림 3">
             <a:extLst>
               <a:ext uri="{FF2B5EF4-FFF2-40B4-BE49-F238E27FC236}">
-                <a16:creationId xmlns:a16="http://schemas.microsoft.com/office/drawing/2014/main" xmlns="" id="{4D03C66D-CFE1-5D2F-C5FB-8A370597FB3E}"/>
+                <a16:creationId xmlns="" xmlns:a16="http://schemas.microsoft.com/office/drawing/2014/main" id="{4D03C66D-CFE1-5D2F-C5FB-8A370597FB3E}"/>
               </a:ext>
             </a:extLst>
           </p:cNvPr>
@@ -22667,7 +22527,7 @@
           <p:cNvPr id="6" name="그림 5">
             <a:extLst>
               <a:ext uri="{FF2B5EF4-FFF2-40B4-BE49-F238E27FC236}">
-                <a16:creationId xmlns:a16="http://schemas.microsoft.com/office/drawing/2014/main" xmlns="" id="{DF9E12F2-79CF-923A-5B1C-DA83D76217C8}"/>
+                <a16:creationId xmlns="" xmlns:a16="http://schemas.microsoft.com/office/drawing/2014/main" id="{DF9E12F2-79CF-923A-5B1C-DA83D76217C8}"/>
               </a:ext>
             </a:extLst>
           </p:cNvPr>
@@ -22697,7 +22557,7 @@
           <p:cNvPr id="8" name="그림 7">
             <a:extLst>
               <a:ext uri="{FF2B5EF4-FFF2-40B4-BE49-F238E27FC236}">
-                <a16:creationId xmlns:a16="http://schemas.microsoft.com/office/drawing/2014/main" xmlns="" id="{4898917A-46BC-C612-AF0E-53AB76B92A98}"/>
+                <a16:creationId xmlns="" xmlns:a16="http://schemas.microsoft.com/office/drawing/2014/main" id="{4898917A-46BC-C612-AF0E-53AB76B92A98}"/>
               </a:ext>
             </a:extLst>
           </p:cNvPr>
@@ -22727,7 +22587,7 @@
           <p:cNvPr id="10" name="그림 9">
             <a:extLst>
               <a:ext uri="{FF2B5EF4-FFF2-40B4-BE49-F238E27FC236}">
-                <a16:creationId xmlns:a16="http://schemas.microsoft.com/office/drawing/2014/main" xmlns="" id="{46EFD2A6-62B9-0692-2D9C-602726FB8B47}"/>
+                <a16:creationId xmlns="" xmlns:a16="http://schemas.microsoft.com/office/drawing/2014/main" id="{46EFD2A6-62B9-0692-2D9C-602726FB8B47}"/>
               </a:ext>
             </a:extLst>
           </p:cNvPr>
@@ -22757,7 +22617,7 @@
           <p:cNvPr id="11" name="TextBox 10">
             <a:extLst>
               <a:ext uri="{FF2B5EF4-FFF2-40B4-BE49-F238E27FC236}">
-                <a16:creationId xmlns:a16="http://schemas.microsoft.com/office/drawing/2014/main" xmlns="" id="{E2B13D82-D15A-5414-09C0-9D9FCF9FCCA2}"/>
+                <a16:creationId xmlns="" xmlns:a16="http://schemas.microsoft.com/office/drawing/2014/main" id="{E2B13D82-D15A-5414-09C0-9D9FCF9FCCA2}"/>
               </a:ext>
             </a:extLst>
           </p:cNvPr>
@@ -22808,7 +22668,7 @@
           <p:cNvPr id="12" name="TextBox 11">
             <a:extLst>
               <a:ext uri="{FF2B5EF4-FFF2-40B4-BE49-F238E27FC236}">
-                <a16:creationId xmlns:a16="http://schemas.microsoft.com/office/drawing/2014/main" xmlns="" id="{72375330-F92A-3F98-9F74-FF610D80574A}"/>
+                <a16:creationId xmlns="" xmlns:a16="http://schemas.microsoft.com/office/drawing/2014/main" id="{72375330-F92A-3F98-9F74-FF610D80574A}"/>
               </a:ext>
             </a:extLst>
           </p:cNvPr>
@@ -22859,7 +22719,7 @@
           <p:cNvPr id="13" name="TextBox 12">
             <a:extLst>
               <a:ext uri="{FF2B5EF4-FFF2-40B4-BE49-F238E27FC236}">
-                <a16:creationId xmlns:a16="http://schemas.microsoft.com/office/drawing/2014/main" xmlns="" id="{6A8AA4F7-1157-A7D8-4637-BE4C64E08AB6}"/>
+                <a16:creationId xmlns="" xmlns:a16="http://schemas.microsoft.com/office/drawing/2014/main" id="{6A8AA4F7-1157-A7D8-4637-BE4C64E08AB6}"/>
               </a:ext>
             </a:extLst>
           </p:cNvPr>
@@ -22910,7 +22770,7 @@
           <p:cNvPr id="14" name="TextBox 13">
             <a:extLst>
               <a:ext uri="{FF2B5EF4-FFF2-40B4-BE49-F238E27FC236}">
-                <a16:creationId xmlns:a16="http://schemas.microsoft.com/office/drawing/2014/main" xmlns="" id="{A894273D-E3CD-68EC-36EC-A9874B93DBE8}"/>
+                <a16:creationId xmlns="" xmlns:a16="http://schemas.microsoft.com/office/drawing/2014/main" id="{A894273D-E3CD-68EC-36EC-A9874B93DBE8}"/>
               </a:ext>
             </a:extLst>
           </p:cNvPr>
@@ -22991,7 +22851,7 @@
           <p:cNvPr id="2" name="제목 1">
             <a:extLst>
               <a:ext uri="{FF2B5EF4-FFF2-40B4-BE49-F238E27FC236}">
-                <a16:creationId xmlns:a16="http://schemas.microsoft.com/office/drawing/2014/main" xmlns="" id="{2D7E6B8A-E1FD-472B-F033-346AC9F27163}"/>
+                <a16:creationId xmlns="" xmlns:a16="http://schemas.microsoft.com/office/drawing/2014/main" id="{2D7E6B8A-E1FD-472B-F033-346AC9F27163}"/>
               </a:ext>
             </a:extLst>
           </p:cNvPr>
@@ -23059,7 +22919,7 @@
           <p:cNvPr id="4" name="그림 3">
             <a:extLst>
               <a:ext uri="{FF2B5EF4-FFF2-40B4-BE49-F238E27FC236}">
-                <a16:creationId xmlns:a16="http://schemas.microsoft.com/office/drawing/2014/main" xmlns="" id="{10936B6D-7DF7-201B-F9A7-0F7683CFC557}"/>
+                <a16:creationId xmlns="" xmlns:a16="http://schemas.microsoft.com/office/drawing/2014/main" id="{10936B6D-7DF7-201B-F9A7-0F7683CFC557}"/>
               </a:ext>
             </a:extLst>
           </p:cNvPr>
@@ -23119,7 +22979,7 @@
           <p:cNvPr id="2" name="제목 1">
             <a:extLst>
               <a:ext uri="{FF2B5EF4-FFF2-40B4-BE49-F238E27FC236}">
-                <a16:creationId xmlns:a16="http://schemas.microsoft.com/office/drawing/2014/main" xmlns="" id="{2D7E6B8A-E1FD-472B-F033-346AC9F27163}"/>
+                <a16:creationId xmlns="" xmlns:a16="http://schemas.microsoft.com/office/drawing/2014/main" id="{2D7E6B8A-E1FD-472B-F033-346AC9F27163}"/>
               </a:ext>
             </a:extLst>
           </p:cNvPr>
@@ -23187,7 +23047,7 @@
           <p:cNvPr id="4" name="그림 3">
             <a:extLst>
               <a:ext uri="{FF2B5EF4-FFF2-40B4-BE49-F238E27FC236}">
-                <a16:creationId xmlns:a16="http://schemas.microsoft.com/office/drawing/2014/main" xmlns="" id="{1A52EB40-F7F4-7D92-4299-A5111ADD78AD}"/>
+                <a16:creationId xmlns="" xmlns:a16="http://schemas.microsoft.com/office/drawing/2014/main" id="{1A52EB40-F7F4-7D92-4299-A5111ADD78AD}"/>
               </a:ext>
             </a:extLst>
           </p:cNvPr>
@@ -23217,7 +23077,7 @@
           <p:cNvPr id="6" name="그림 5">
             <a:extLst>
               <a:ext uri="{FF2B5EF4-FFF2-40B4-BE49-F238E27FC236}">
-                <a16:creationId xmlns:a16="http://schemas.microsoft.com/office/drawing/2014/main" xmlns="" id="{694282ED-546B-95B0-9A40-3ED3DCF1841E}"/>
+                <a16:creationId xmlns="" xmlns:a16="http://schemas.microsoft.com/office/drawing/2014/main" id="{694282ED-546B-95B0-9A40-3ED3DCF1841E}"/>
               </a:ext>
             </a:extLst>
           </p:cNvPr>
@@ -23247,7 +23107,7 @@
           <p:cNvPr id="8" name="그림 7">
             <a:extLst>
               <a:ext uri="{FF2B5EF4-FFF2-40B4-BE49-F238E27FC236}">
-                <a16:creationId xmlns:a16="http://schemas.microsoft.com/office/drawing/2014/main" xmlns="" id="{A6E4F641-47CF-EE36-593A-F46CE5E7CA5B}"/>
+                <a16:creationId xmlns="" xmlns:a16="http://schemas.microsoft.com/office/drawing/2014/main" id="{A6E4F641-47CF-EE36-593A-F46CE5E7CA5B}"/>
               </a:ext>
             </a:extLst>
           </p:cNvPr>
@@ -23277,7 +23137,7 @@
           <p:cNvPr id="10" name="그림 9">
             <a:extLst>
               <a:ext uri="{FF2B5EF4-FFF2-40B4-BE49-F238E27FC236}">
-                <a16:creationId xmlns:a16="http://schemas.microsoft.com/office/drawing/2014/main" xmlns="" id="{0FE3B9BD-9368-4940-70EB-98E5679FC6A5}"/>
+                <a16:creationId xmlns="" xmlns:a16="http://schemas.microsoft.com/office/drawing/2014/main" id="{0FE3B9BD-9368-4940-70EB-98E5679FC6A5}"/>
               </a:ext>
             </a:extLst>
           </p:cNvPr>
@@ -23307,7 +23167,7 @@
           <p:cNvPr id="11" name="TextBox 10">
             <a:extLst>
               <a:ext uri="{FF2B5EF4-FFF2-40B4-BE49-F238E27FC236}">
-                <a16:creationId xmlns:a16="http://schemas.microsoft.com/office/drawing/2014/main" xmlns="" id="{27DE44D3-7A74-65A5-9279-099109B7E706}"/>
+                <a16:creationId xmlns="" xmlns:a16="http://schemas.microsoft.com/office/drawing/2014/main" id="{27DE44D3-7A74-65A5-9279-099109B7E706}"/>
               </a:ext>
             </a:extLst>
           </p:cNvPr>
@@ -23358,7 +23218,7 @@
           <p:cNvPr id="12" name="TextBox 11">
             <a:extLst>
               <a:ext uri="{FF2B5EF4-FFF2-40B4-BE49-F238E27FC236}">
-                <a16:creationId xmlns:a16="http://schemas.microsoft.com/office/drawing/2014/main" xmlns="" id="{50D4DCE1-3A58-639F-CFC2-61A3AA22AC5C}"/>
+                <a16:creationId xmlns="" xmlns:a16="http://schemas.microsoft.com/office/drawing/2014/main" id="{50D4DCE1-3A58-639F-CFC2-61A3AA22AC5C}"/>
               </a:ext>
             </a:extLst>
           </p:cNvPr>
@@ -23409,7 +23269,7 @@
           <p:cNvPr id="13" name="TextBox 12">
             <a:extLst>
               <a:ext uri="{FF2B5EF4-FFF2-40B4-BE49-F238E27FC236}">
-                <a16:creationId xmlns:a16="http://schemas.microsoft.com/office/drawing/2014/main" xmlns="" id="{9A1EF00D-A895-4882-9630-2004FAED18FD}"/>
+                <a16:creationId xmlns="" xmlns:a16="http://schemas.microsoft.com/office/drawing/2014/main" id="{9A1EF00D-A895-4882-9630-2004FAED18FD}"/>
               </a:ext>
             </a:extLst>
           </p:cNvPr>
@@ -23460,7 +23320,7 @@
           <p:cNvPr id="14" name="TextBox 13">
             <a:extLst>
               <a:ext uri="{FF2B5EF4-FFF2-40B4-BE49-F238E27FC236}">
-                <a16:creationId xmlns:a16="http://schemas.microsoft.com/office/drawing/2014/main" xmlns="" id="{084883AB-042C-3CA7-5E7A-008025392E30}"/>
+                <a16:creationId xmlns="" xmlns:a16="http://schemas.microsoft.com/office/drawing/2014/main" id="{084883AB-042C-3CA7-5E7A-008025392E30}"/>
               </a:ext>
             </a:extLst>
           </p:cNvPr>
@@ -23541,7 +23401,7 @@
           <p:cNvPr id="2" name="제목 1">
             <a:extLst>
               <a:ext uri="{FF2B5EF4-FFF2-40B4-BE49-F238E27FC236}">
-                <a16:creationId xmlns:a16="http://schemas.microsoft.com/office/drawing/2014/main" xmlns="" id="{2D7E6B8A-E1FD-472B-F033-346AC9F27163}"/>
+                <a16:creationId xmlns="" xmlns:a16="http://schemas.microsoft.com/office/drawing/2014/main" id="{2D7E6B8A-E1FD-472B-F033-346AC9F27163}"/>
               </a:ext>
             </a:extLst>
           </p:cNvPr>
@@ -23609,7 +23469,7 @@
           <p:cNvPr id="4" name="그림 3">
             <a:extLst>
               <a:ext uri="{FF2B5EF4-FFF2-40B4-BE49-F238E27FC236}">
-                <a16:creationId xmlns:a16="http://schemas.microsoft.com/office/drawing/2014/main" xmlns="" id="{74A48F9A-12B4-1750-62FB-31FBDFA75CCE}"/>
+                <a16:creationId xmlns="" xmlns:a16="http://schemas.microsoft.com/office/drawing/2014/main" id="{74A48F9A-12B4-1750-62FB-31FBDFA75CCE}"/>
               </a:ext>
             </a:extLst>
           </p:cNvPr>
@@ -23669,7 +23529,7 @@
           <p:cNvPr id="2" name="제목 1">
             <a:extLst>
               <a:ext uri="{FF2B5EF4-FFF2-40B4-BE49-F238E27FC236}">
-                <a16:creationId xmlns:a16="http://schemas.microsoft.com/office/drawing/2014/main" xmlns="" id="{2D7E6B8A-E1FD-472B-F033-346AC9F27163}"/>
+                <a16:creationId xmlns="" xmlns:a16="http://schemas.microsoft.com/office/drawing/2014/main" id="{2D7E6B8A-E1FD-472B-F033-346AC9F27163}"/>
               </a:ext>
             </a:extLst>
           </p:cNvPr>
@@ -23717,7 +23577,7 @@
           <p:cNvPr id="4" name="그림 3">
             <a:extLst>
               <a:ext uri="{FF2B5EF4-FFF2-40B4-BE49-F238E27FC236}">
-                <a16:creationId xmlns:a16="http://schemas.microsoft.com/office/drawing/2014/main" xmlns="" id="{03BD8155-86EC-A332-A5A2-5788EC57DE1E}"/>
+                <a16:creationId xmlns="" xmlns:a16="http://schemas.microsoft.com/office/drawing/2014/main" id="{03BD8155-86EC-A332-A5A2-5788EC57DE1E}"/>
               </a:ext>
             </a:extLst>
           </p:cNvPr>
@@ -23747,7 +23607,7 @@
           <p:cNvPr id="6" name="그림 5">
             <a:extLst>
               <a:ext uri="{FF2B5EF4-FFF2-40B4-BE49-F238E27FC236}">
-                <a16:creationId xmlns:a16="http://schemas.microsoft.com/office/drawing/2014/main" xmlns="" id="{05BBFCE0-1E80-4641-0EE6-C24341F60449}"/>
+                <a16:creationId xmlns="" xmlns:a16="http://schemas.microsoft.com/office/drawing/2014/main" id="{05BBFCE0-1E80-4641-0EE6-C24341F60449}"/>
               </a:ext>
             </a:extLst>
           </p:cNvPr>
@@ -23777,7 +23637,7 @@
           <p:cNvPr id="10" name="그림 9">
             <a:extLst>
               <a:ext uri="{FF2B5EF4-FFF2-40B4-BE49-F238E27FC236}">
-                <a16:creationId xmlns:a16="http://schemas.microsoft.com/office/drawing/2014/main" xmlns="" id="{08D1A284-FD3C-14DA-4CEC-811EF5AE4E86}"/>
+                <a16:creationId xmlns="" xmlns:a16="http://schemas.microsoft.com/office/drawing/2014/main" id="{08D1A284-FD3C-14DA-4CEC-811EF5AE4E86}"/>
               </a:ext>
             </a:extLst>
           </p:cNvPr>
@@ -23807,7 +23667,7 @@
           <p:cNvPr id="12" name="그림 11">
             <a:extLst>
               <a:ext uri="{FF2B5EF4-FFF2-40B4-BE49-F238E27FC236}">
-                <a16:creationId xmlns:a16="http://schemas.microsoft.com/office/drawing/2014/main" xmlns="" id="{30529188-9B8F-4721-6FFE-BA6B07903C93}"/>
+                <a16:creationId xmlns="" xmlns:a16="http://schemas.microsoft.com/office/drawing/2014/main" id="{30529188-9B8F-4721-6FFE-BA6B07903C93}"/>
               </a:ext>
             </a:extLst>
           </p:cNvPr>
@@ -23837,7 +23697,7 @@
           <p:cNvPr id="13" name="화살표: 원형 12">
             <a:extLst>
               <a:ext uri="{FF2B5EF4-FFF2-40B4-BE49-F238E27FC236}">
-                <a16:creationId xmlns:a16="http://schemas.microsoft.com/office/drawing/2014/main" xmlns="" id="{37531B2C-CA7C-FCF0-FDD2-2AB1C3B0075A}"/>
+                <a16:creationId xmlns="" xmlns:a16="http://schemas.microsoft.com/office/drawing/2014/main" id="{37531B2C-CA7C-FCF0-FDD2-2AB1C3B0075A}"/>
               </a:ext>
             </a:extLst>
           </p:cNvPr>
@@ -23887,7 +23747,7 @@
           <p:cNvPr id="14" name="화살표: 원형 13">
             <a:extLst>
               <a:ext uri="{FF2B5EF4-FFF2-40B4-BE49-F238E27FC236}">
-                <a16:creationId xmlns:a16="http://schemas.microsoft.com/office/drawing/2014/main" xmlns="" id="{25C4DEA7-F1C0-A190-D9A9-24B85D362023}"/>
+                <a16:creationId xmlns="" xmlns:a16="http://schemas.microsoft.com/office/drawing/2014/main" id="{25C4DEA7-F1C0-A190-D9A9-24B85D362023}"/>
               </a:ext>
             </a:extLst>
           </p:cNvPr>
@@ -23967,7 +23827,7 @@
           <p:cNvPr id="2" name="제목 1">
             <a:extLst>
               <a:ext uri="{FF2B5EF4-FFF2-40B4-BE49-F238E27FC236}">
-                <a16:creationId xmlns:a16="http://schemas.microsoft.com/office/drawing/2014/main" xmlns="" id="{2D7E6B8A-E1FD-472B-F033-346AC9F27163}"/>
+                <a16:creationId xmlns="" xmlns:a16="http://schemas.microsoft.com/office/drawing/2014/main" id="{2D7E6B8A-E1FD-472B-F033-346AC9F27163}"/>
               </a:ext>
             </a:extLst>
           </p:cNvPr>
@@ -24035,7 +23895,7 @@
           <p:cNvPr id="4" name="그림 3">
             <a:extLst>
               <a:ext uri="{FF2B5EF4-FFF2-40B4-BE49-F238E27FC236}">
-                <a16:creationId xmlns:a16="http://schemas.microsoft.com/office/drawing/2014/main" xmlns="" id="{ECFAB713-F8AB-FFAD-AB5E-88BE1A51F060}"/>
+                <a16:creationId xmlns="" xmlns:a16="http://schemas.microsoft.com/office/drawing/2014/main" id="{ECFAB713-F8AB-FFAD-AB5E-88BE1A51F060}"/>
               </a:ext>
             </a:extLst>
           </p:cNvPr>
@@ -24065,7 +23925,7 @@
           <p:cNvPr id="6" name="그림 5">
             <a:extLst>
               <a:ext uri="{FF2B5EF4-FFF2-40B4-BE49-F238E27FC236}">
-                <a16:creationId xmlns:a16="http://schemas.microsoft.com/office/drawing/2014/main" xmlns="" id="{C4971D27-C8FB-4450-3A25-64B0069C293E}"/>
+                <a16:creationId xmlns="" xmlns:a16="http://schemas.microsoft.com/office/drawing/2014/main" id="{C4971D27-C8FB-4450-3A25-64B0069C293E}"/>
               </a:ext>
             </a:extLst>
           </p:cNvPr>
@@ -24095,7 +23955,7 @@
           <p:cNvPr id="10" name="그림 9">
             <a:extLst>
               <a:ext uri="{FF2B5EF4-FFF2-40B4-BE49-F238E27FC236}">
-                <a16:creationId xmlns:a16="http://schemas.microsoft.com/office/drawing/2014/main" xmlns="" id="{F3F9E02D-C6A5-388E-3DAC-ADAEDD149D6E}"/>
+                <a16:creationId xmlns="" xmlns:a16="http://schemas.microsoft.com/office/drawing/2014/main" id="{F3F9E02D-C6A5-388E-3DAC-ADAEDD149D6E}"/>
               </a:ext>
             </a:extLst>
           </p:cNvPr>
@@ -24125,7 +23985,7 @@
           <p:cNvPr id="12" name="그림 11">
             <a:extLst>
               <a:ext uri="{FF2B5EF4-FFF2-40B4-BE49-F238E27FC236}">
-                <a16:creationId xmlns:a16="http://schemas.microsoft.com/office/drawing/2014/main" xmlns="" id="{3C812A1D-D6F7-E646-F2D2-B84171230BC7}"/>
+                <a16:creationId xmlns="" xmlns:a16="http://schemas.microsoft.com/office/drawing/2014/main" id="{3C812A1D-D6F7-E646-F2D2-B84171230BC7}"/>
               </a:ext>
             </a:extLst>
           </p:cNvPr>
@@ -24155,7 +24015,7 @@
           <p:cNvPr id="13" name="TextBox 12">
             <a:extLst>
               <a:ext uri="{FF2B5EF4-FFF2-40B4-BE49-F238E27FC236}">
-                <a16:creationId xmlns:a16="http://schemas.microsoft.com/office/drawing/2014/main" xmlns="" id="{8510AB57-134A-08CC-6001-569EA8CB6DBE}"/>
+                <a16:creationId xmlns="" xmlns:a16="http://schemas.microsoft.com/office/drawing/2014/main" id="{8510AB57-134A-08CC-6001-569EA8CB6DBE}"/>
               </a:ext>
             </a:extLst>
           </p:cNvPr>
@@ -24206,7 +24066,7 @@
           <p:cNvPr id="14" name="TextBox 13">
             <a:extLst>
               <a:ext uri="{FF2B5EF4-FFF2-40B4-BE49-F238E27FC236}">
-                <a16:creationId xmlns:a16="http://schemas.microsoft.com/office/drawing/2014/main" xmlns="" id="{0B32DB6A-59C7-845F-3528-34B174EA7118}"/>
+                <a16:creationId xmlns="" xmlns:a16="http://schemas.microsoft.com/office/drawing/2014/main" id="{0B32DB6A-59C7-845F-3528-34B174EA7118}"/>
               </a:ext>
             </a:extLst>
           </p:cNvPr>
@@ -24257,7 +24117,7 @@
           <p:cNvPr id="16" name="TextBox 15">
             <a:extLst>
               <a:ext uri="{FF2B5EF4-FFF2-40B4-BE49-F238E27FC236}">
-                <a16:creationId xmlns:a16="http://schemas.microsoft.com/office/drawing/2014/main" xmlns="" id="{34FE4ACD-3329-9535-06A7-81FF9783A3A0}"/>
+                <a16:creationId xmlns="" xmlns:a16="http://schemas.microsoft.com/office/drawing/2014/main" id="{34FE4ACD-3329-9535-06A7-81FF9783A3A0}"/>
               </a:ext>
             </a:extLst>
           </p:cNvPr>
@@ -24308,7 +24168,7 @@
           <p:cNvPr id="17" name="TextBox 16">
             <a:extLst>
               <a:ext uri="{FF2B5EF4-FFF2-40B4-BE49-F238E27FC236}">
-                <a16:creationId xmlns:a16="http://schemas.microsoft.com/office/drawing/2014/main" xmlns="" id="{7381E08E-FAF0-2921-DBB8-79A83275D414}"/>
+                <a16:creationId xmlns="" xmlns:a16="http://schemas.microsoft.com/office/drawing/2014/main" id="{7381E08E-FAF0-2921-DBB8-79A83275D414}"/>
               </a:ext>
             </a:extLst>
           </p:cNvPr>
@@ -24389,7 +24249,7 @@
           <p:cNvPr id="2" name="제목 1">
             <a:extLst>
               <a:ext uri="{FF2B5EF4-FFF2-40B4-BE49-F238E27FC236}">
-                <a16:creationId xmlns:a16="http://schemas.microsoft.com/office/drawing/2014/main" xmlns="" id="{2D7E6B8A-E1FD-472B-F033-346AC9F27163}"/>
+                <a16:creationId xmlns="" xmlns:a16="http://schemas.microsoft.com/office/drawing/2014/main" id="{2D7E6B8A-E1FD-472B-F033-346AC9F27163}"/>
               </a:ext>
             </a:extLst>
           </p:cNvPr>
@@ -24457,7 +24317,7 @@
           <p:cNvPr id="4" name="그림 3">
             <a:extLst>
               <a:ext uri="{FF2B5EF4-FFF2-40B4-BE49-F238E27FC236}">
-                <a16:creationId xmlns:a16="http://schemas.microsoft.com/office/drawing/2014/main" xmlns="" id="{DEA32AD1-2EDB-97B6-AC1F-C788EDABFC64}"/>
+                <a16:creationId xmlns="" xmlns:a16="http://schemas.microsoft.com/office/drawing/2014/main" id="{DEA32AD1-2EDB-97B6-AC1F-C788EDABFC64}"/>
               </a:ext>
             </a:extLst>
           </p:cNvPr>
@@ -24517,7 +24377,7 @@
           <p:cNvPr id="2" name="제목 1">
             <a:extLst>
               <a:ext uri="{FF2B5EF4-FFF2-40B4-BE49-F238E27FC236}">
-                <a16:creationId xmlns:a16="http://schemas.microsoft.com/office/drawing/2014/main" xmlns="" id="{2D7E6B8A-E1FD-472B-F033-346AC9F27163}"/>
+                <a16:creationId xmlns="" xmlns:a16="http://schemas.microsoft.com/office/drawing/2014/main" id="{2D7E6B8A-E1FD-472B-F033-346AC9F27163}"/>
               </a:ext>
             </a:extLst>
           </p:cNvPr>
@@ -24585,7 +24445,7 @@
           <p:cNvPr id="4" name="그림 3">
             <a:extLst>
               <a:ext uri="{FF2B5EF4-FFF2-40B4-BE49-F238E27FC236}">
-                <a16:creationId xmlns:a16="http://schemas.microsoft.com/office/drawing/2014/main" xmlns="" id="{47D7B50D-D0FC-B4FF-D775-A0A10A8EE5AB}"/>
+                <a16:creationId xmlns="" xmlns:a16="http://schemas.microsoft.com/office/drawing/2014/main" id="{47D7B50D-D0FC-B4FF-D775-A0A10A8EE5AB}"/>
               </a:ext>
             </a:extLst>
           </p:cNvPr>
@@ -24615,7 +24475,7 @@
           <p:cNvPr id="5" name="TextBox 4">
             <a:extLst>
               <a:ext uri="{FF2B5EF4-FFF2-40B4-BE49-F238E27FC236}">
-                <a16:creationId xmlns:a16="http://schemas.microsoft.com/office/drawing/2014/main" xmlns="" id="{0068CB3B-C42E-C564-295E-2929778747F8}"/>
+                <a16:creationId xmlns="" xmlns:a16="http://schemas.microsoft.com/office/drawing/2014/main" id="{0068CB3B-C42E-C564-295E-2929778747F8}"/>
               </a:ext>
             </a:extLst>
           </p:cNvPr>
@@ -24666,7 +24526,7 @@
           <p:cNvPr id="7" name="그림 6">
             <a:extLst>
               <a:ext uri="{FF2B5EF4-FFF2-40B4-BE49-F238E27FC236}">
-                <a16:creationId xmlns:a16="http://schemas.microsoft.com/office/drawing/2014/main" xmlns="" id="{B57C0E32-3A9C-F054-2E7C-7000A80BE153}"/>
+                <a16:creationId xmlns="" xmlns:a16="http://schemas.microsoft.com/office/drawing/2014/main" id="{B57C0E32-3A9C-F054-2E7C-7000A80BE153}"/>
               </a:ext>
             </a:extLst>
           </p:cNvPr>
@@ -24696,7 +24556,7 @@
           <p:cNvPr id="9" name="그림 8">
             <a:extLst>
               <a:ext uri="{FF2B5EF4-FFF2-40B4-BE49-F238E27FC236}">
-                <a16:creationId xmlns:a16="http://schemas.microsoft.com/office/drawing/2014/main" xmlns="" id="{40D1D85F-9F32-C460-A324-CDD7F9BAA1B4}"/>
+                <a16:creationId xmlns="" xmlns:a16="http://schemas.microsoft.com/office/drawing/2014/main" id="{40D1D85F-9F32-C460-A324-CDD7F9BAA1B4}"/>
               </a:ext>
             </a:extLst>
           </p:cNvPr>
@@ -24726,7 +24586,7 @@
           <p:cNvPr id="11" name="그림 10">
             <a:extLst>
               <a:ext uri="{FF2B5EF4-FFF2-40B4-BE49-F238E27FC236}">
-                <a16:creationId xmlns:a16="http://schemas.microsoft.com/office/drawing/2014/main" xmlns="" id="{1684C0EA-F0C6-2A96-F3BC-02B01051BDC7}"/>
+                <a16:creationId xmlns="" xmlns:a16="http://schemas.microsoft.com/office/drawing/2014/main" id="{1684C0EA-F0C6-2A96-F3BC-02B01051BDC7}"/>
               </a:ext>
             </a:extLst>
           </p:cNvPr>
@@ -24756,7 +24616,7 @@
           <p:cNvPr id="12" name="TextBox 11">
             <a:extLst>
               <a:ext uri="{FF2B5EF4-FFF2-40B4-BE49-F238E27FC236}">
-                <a16:creationId xmlns:a16="http://schemas.microsoft.com/office/drawing/2014/main" xmlns="" id="{9B791374-A2EF-5B55-5B11-FA26DF1D28BB}"/>
+                <a16:creationId xmlns="" xmlns:a16="http://schemas.microsoft.com/office/drawing/2014/main" id="{9B791374-A2EF-5B55-5B11-FA26DF1D28BB}"/>
               </a:ext>
             </a:extLst>
           </p:cNvPr>
@@ -24807,7 +24667,7 @@
           <p:cNvPr id="13" name="TextBox 12">
             <a:extLst>
               <a:ext uri="{FF2B5EF4-FFF2-40B4-BE49-F238E27FC236}">
-                <a16:creationId xmlns:a16="http://schemas.microsoft.com/office/drawing/2014/main" xmlns="" id="{B33C7D63-2BAC-65D4-F495-D7E5F30D3D38}"/>
+                <a16:creationId xmlns="" xmlns:a16="http://schemas.microsoft.com/office/drawing/2014/main" id="{B33C7D63-2BAC-65D4-F495-D7E5F30D3D38}"/>
               </a:ext>
             </a:extLst>
           </p:cNvPr>
@@ -24858,7 +24718,7 @@
           <p:cNvPr id="14" name="TextBox 13">
             <a:extLst>
               <a:ext uri="{FF2B5EF4-FFF2-40B4-BE49-F238E27FC236}">
-                <a16:creationId xmlns:a16="http://schemas.microsoft.com/office/drawing/2014/main" xmlns="" id="{EA24B1FA-FC94-F00C-F0F3-21BF665E512A}"/>
+                <a16:creationId xmlns="" xmlns:a16="http://schemas.microsoft.com/office/drawing/2014/main" id="{EA24B1FA-FC94-F00C-F0F3-21BF665E512A}"/>
               </a:ext>
             </a:extLst>
           </p:cNvPr>
@@ -24939,7 +24799,7 @@
           <p:cNvPr id="2" name="제목 1">
             <a:extLst>
               <a:ext uri="{FF2B5EF4-FFF2-40B4-BE49-F238E27FC236}">
-                <a16:creationId xmlns:a16="http://schemas.microsoft.com/office/drawing/2014/main" xmlns="" id="{2D7E6B8A-E1FD-472B-F033-346AC9F27163}"/>
+                <a16:creationId xmlns="" xmlns:a16="http://schemas.microsoft.com/office/drawing/2014/main" id="{2D7E6B8A-E1FD-472B-F033-346AC9F27163}"/>
               </a:ext>
             </a:extLst>
           </p:cNvPr>
@@ -25007,7 +24867,7 @@
           <p:cNvPr id="4" name="그림 3">
             <a:extLst>
               <a:ext uri="{FF2B5EF4-FFF2-40B4-BE49-F238E27FC236}">
-                <a16:creationId xmlns:a16="http://schemas.microsoft.com/office/drawing/2014/main" xmlns="" id="{C5AAFB2F-0793-176C-70E1-FE57F41FA301}"/>
+                <a16:creationId xmlns="" xmlns:a16="http://schemas.microsoft.com/office/drawing/2014/main" id="{C5AAFB2F-0793-176C-70E1-FE57F41FA301}"/>
               </a:ext>
             </a:extLst>
           </p:cNvPr>
@@ -25067,7 +24927,7 @@
           <p:cNvPr id="2" name="제목 1">
             <a:extLst>
               <a:ext uri="{FF2B5EF4-FFF2-40B4-BE49-F238E27FC236}">
-                <a16:creationId xmlns:a16="http://schemas.microsoft.com/office/drawing/2014/main" xmlns="" id="{2D7E6B8A-E1FD-472B-F033-346AC9F27163}"/>
+                <a16:creationId xmlns="" xmlns:a16="http://schemas.microsoft.com/office/drawing/2014/main" id="{2D7E6B8A-E1FD-472B-F033-346AC9F27163}"/>
               </a:ext>
             </a:extLst>
           </p:cNvPr>
@@ -25135,7 +24995,7 @@
           <p:cNvPr id="4" name="그림 3">
             <a:extLst>
               <a:ext uri="{FF2B5EF4-FFF2-40B4-BE49-F238E27FC236}">
-                <a16:creationId xmlns:a16="http://schemas.microsoft.com/office/drawing/2014/main" xmlns="" id="{53138B1D-5589-1599-2C66-5F4CE486585D}"/>
+                <a16:creationId xmlns="" xmlns:a16="http://schemas.microsoft.com/office/drawing/2014/main" id="{53138B1D-5589-1599-2C66-5F4CE486585D}"/>
               </a:ext>
             </a:extLst>
           </p:cNvPr>
@@ -25165,7 +25025,7 @@
           <p:cNvPr id="5" name="TextBox 4">
             <a:extLst>
               <a:ext uri="{FF2B5EF4-FFF2-40B4-BE49-F238E27FC236}">
-                <a16:creationId xmlns:a16="http://schemas.microsoft.com/office/drawing/2014/main" xmlns="" id="{5E8F06E2-4184-4B84-F081-E91E4C8F9E4C}"/>
+                <a16:creationId xmlns="" xmlns:a16="http://schemas.microsoft.com/office/drawing/2014/main" id="{5E8F06E2-4184-4B84-F081-E91E4C8F9E4C}"/>
               </a:ext>
             </a:extLst>
           </p:cNvPr>
@@ -25216,7 +25076,7 @@
           <p:cNvPr id="7" name="그림 6">
             <a:extLst>
               <a:ext uri="{FF2B5EF4-FFF2-40B4-BE49-F238E27FC236}">
-                <a16:creationId xmlns:a16="http://schemas.microsoft.com/office/drawing/2014/main" xmlns="" id="{90E54355-5AA6-A191-874C-8EB50A27933C}"/>
+                <a16:creationId xmlns="" xmlns:a16="http://schemas.microsoft.com/office/drawing/2014/main" id="{90E54355-5AA6-A191-874C-8EB50A27933C}"/>
               </a:ext>
             </a:extLst>
           </p:cNvPr>
@@ -25246,7 +25106,7 @@
           <p:cNvPr id="9" name="그림 8">
             <a:extLst>
               <a:ext uri="{FF2B5EF4-FFF2-40B4-BE49-F238E27FC236}">
-                <a16:creationId xmlns:a16="http://schemas.microsoft.com/office/drawing/2014/main" xmlns="" id="{8E30044D-296C-5F1C-F7F0-964D0D05FA07}"/>
+                <a16:creationId xmlns="" xmlns:a16="http://schemas.microsoft.com/office/drawing/2014/main" id="{8E30044D-296C-5F1C-F7F0-964D0D05FA07}"/>
               </a:ext>
             </a:extLst>
           </p:cNvPr>
@@ -25276,7 +25136,7 @@
           <p:cNvPr id="11" name="그림 10">
             <a:extLst>
               <a:ext uri="{FF2B5EF4-FFF2-40B4-BE49-F238E27FC236}">
-                <a16:creationId xmlns:a16="http://schemas.microsoft.com/office/drawing/2014/main" xmlns="" id="{36738EDE-E8AC-DC23-EA9E-92079CFEDFC6}"/>
+                <a16:creationId xmlns="" xmlns:a16="http://schemas.microsoft.com/office/drawing/2014/main" id="{36738EDE-E8AC-DC23-EA9E-92079CFEDFC6}"/>
               </a:ext>
             </a:extLst>
           </p:cNvPr>
@@ -25306,7 +25166,7 @@
           <p:cNvPr id="12" name="TextBox 11">
             <a:extLst>
               <a:ext uri="{FF2B5EF4-FFF2-40B4-BE49-F238E27FC236}">
-                <a16:creationId xmlns:a16="http://schemas.microsoft.com/office/drawing/2014/main" xmlns="" id="{84686900-3440-80E0-EDEA-F4F4EAEA31E7}"/>
+                <a16:creationId xmlns="" xmlns:a16="http://schemas.microsoft.com/office/drawing/2014/main" id="{84686900-3440-80E0-EDEA-F4F4EAEA31E7}"/>
               </a:ext>
             </a:extLst>
           </p:cNvPr>
@@ -25357,7 +25217,7 @@
           <p:cNvPr id="13" name="TextBox 12">
             <a:extLst>
               <a:ext uri="{FF2B5EF4-FFF2-40B4-BE49-F238E27FC236}">
-                <a16:creationId xmlns:a16="http://schemas.microsoft.com/office/drawing/2014/main" xmlns="" id="{13791437-5ABA-9757-FD5A-7E70837E8549}"/>
+                <a16:creationId xmlns="" xmlns:a16="http://schemas.microsoft.com/office/drawing/2014/main" id="{13791437-5ABA-9757-FD5A-7E70837E8549}"/>
               </a:ext>
             </a:extLst>
           </p:cNvPr>
@@ -25408,7 +25268,7 @@
           <p:cNvPr id="14" name="TextBox 13">
             <a:extLst>
               <a:ext uri="{FF2B5EF4-FFF2-40B4-BE49-F238E27FC236}">
-                <a16:creationId xmlns:a16="http://schemas.microsoft.com/office/drawing/2014/main" xmlns="" id="{C788C761-44F4-E424-B120-8B28C35224C4}"/>
+                <a16:creationId xmlns="" xmlns:a16="http://schemas.microsoft.com/office/drawing/2014/main" id="{C788C761-44F4-E424-B120-8B28C35224C4}"/>
               </a:ext>
             </a:extLst>
           </p:cNvPr>
@@ -25489,7 +25349,7 @@
           <p:cNvPr id="2" name="제목 1">
             <a:extLst>
               <a:ext uri="{FF2B5EF4-FFF2-40B4-BE49-F238E27FC236}">
-                <a16:creationId xmlns:a16="http://schemas.microsoft.com/office/drawing/2014/main" xmlns="" id="{2D7E6B8A-E1FD-472B-F033-346AC9F27163}"/>
+                <a16:creationId xmlns="" xmlns:a16="http://schemas.microsoft.com/office/drawing/2014/main" id="{2D7E6B8A-E1FD-472B-F033-346AC9F27163}"/>
               </a:ext>
             </a:extLst>
           </p:cNvPr>
@@ -25532,7 +25392,7 @@
           <p:cNvPr id="4" name="그림 3">
             <a:extLst>
               <a:ext uri="{FF2B5EF4-FFF2-40B4-BE49-F238E27FC236}">
-                <a16:creationId xmlns:a16="http://schemas.microsoft.com/office/drawing/2014/main" xmlns="" id="{E7E7B0C1-AE6F-F8C3-78FD-EFE8EFBBC79C}"/>
+                <a16:creationId xmlns="" xmlns:a16="http://schemas.microsoft.com/office/drawing/2014/main" id="{E7E7B0C1-AE6F-F8C3-78FD-EFE8EFBBC79C}"/>
               </a:ext>
             </a:extLst>
           </p:cNvPr>
@@ -25562,7 +25422,7 @@
           <p:cNvPr id="6" name="그림 5">
             <a:extLst>
               <a:ext uri="{FF2B5EF4-FFF2-40B4-BE49-F238E27FC236}">
-                <a16:creationId xmlns:a16="http://schemas.microsoft.com/office/drawing/2014/main" xmlns="" id="{C2D3F653-9C5C-68FC-233A-EF739BFED686}"/>
+                <a16:creationId xmlns="" xmlns:a16="http://schemas.microsoft.com/office/drawing/2014/main" id="{C2D3F653-9C5C-68FC-233A-EF739BFED686}"/>
               </a:ext>
             </a:extLst>
           </p:cNvPr>
@@ -25629,7 +25489,7 @@
           <p:cNvPr id="2" name="제목 1">
             <a:extLst>
               <a:ext uri="{FF2B5EF4-FFF2-40B4-BE49-F238E27FC236}">
-                <a16:creationId xmlns:a16="http://schemas.microsoft.com/office/drawing/2014/main" xmlns="" id="{2D7E6B8A-E1FD-472B-F033-346AC9F27163}"/>
+                <a16:creationId xmlns="" xmlns:a16="http://schemas.microsoft.com/office/drawing/2014/main" id="{2D7E6B8A-E1FD-472B-F033-346AC9F27163}"/>
               </a:ext>
             </a:extLst>
           </p:cNvPr>
@@ -25757,7 +25617,7 @@
           <p:cNvPr id="2" name="제목 1">
             <a:extLst>
               <a:ext uri="{FF2B5EF4-FFF2-40B4-BE49-F238E27FC236}">
-                <a16:creationId xmlns:a16="http://schemas.microsoft.com/office/drawing/2014/main" xmlns="" id="{2D7E6B8A-E1FD-472B-F033-346AC9F27163}"/>
+                <a16:creationId xmlns="" xmlns:a16="http://schemas.microsoft.com/office/drawing/2014/main" id="{2D7E6B8A-E1FD-472B-F033-346AC9F27163}"/>
               </a:ext>
             </a:extLst>
           </p:cNvPr>
@@ -25800,7 +25660,7 @@
           <p:cNvPr id="4" name="그림 3">
             <a:extLst>
               <a:ext uri="{FF2B5EF4-FFF2-40B4-BE49-F238E27FC236}">
-                <a16:creationId xmlns:a16="http://schemas.microsoft.com/office/drawing/2014/main" xmlns="" id="{A1E5B256-3FE1-A0A6-8F83-20DBADFD6EF8}"/>
+                <a16:creationId xmlns="" xmlns:a16="http://schemas.microsoft.com/office/drawing/2014/main" id="{A1E5B256-3FE1-A0A6-8F83-20DBADFD6EF8}"/>
               </a:ext>
             </a:extLst>
           </p:cNvPr>
@@ -25891,7 +25751,7 @@
           <p:cNvPr id="2" name="제목 1">
             <a:extLst>
               <a:ext uri="{FF2B5EF4-FFF2-40B4-BE49-F238E27FC236}">
-                <a16:creationId xmlns:a16="http://schemas.microsoft.com/office/drawing/2014/main" xmlns="" id="{2D7E6B8A-E1FD-472B-F033-346AC9F27163}"/>
+                <a16:creationId xmlns="" xmlns:a16="http://schemas.microsoft.com/office/drawing/2014/main" id="{2D7E6B8A-E1FD-472B-F033-346AC9F27163}"/>
               </a:ext>
             </a:extLst>
           </p:cNvPr>
@@ -26020,7 +25880,7 @@
           <p:cNvPr id="2" name="제목 1">
             <a:extLst>
               <a:ext uri="{FF2B5EF4-FFF2-40B4-BE49-F238E27FC236}">
-                <a16:creationId xmlns:a16="http://schemas.microsoft.com/office/drawing/2014/main" xmlns="" id="{2D7E6B8A-E1FD-472B-F033-346AC9F27163}"/>
+                <a16:creationId xmlns="" xmlns:a16="http://schemas.microsoft.com/office/drawing/2014/main" id="{2D7E6B8A-E1FD-472B-F033-346AC9F27163}"/>
               </a:ext>
             </a:extLst>
           </p:cNvPr>
